--- a/Notes/5_Intro_to_basic_parametric_bayesian_inference.pptx
+++ b/Notes/5_Intro_to_basic_parametric_bayesian_inference.pptx
@@ -5,7 +5,7 @@
     <p:sldMasterId id="2147483648" r:id="rId1"/>
   </p:sldMasterIdLst>
   <p:notesMasterIdLst>
-    <p:notesMasterId r:id="rId37"/>
+    <p:notesMasterId r:id="rId41"/>
   </p:notesMasterIdLst>
   <p:sldIdLst>
     <p:sldId id="256" r:id="rId2"/>
@@ -26,23 +26,27 @@
     <p:sldId id="275" r:id="rId17"/>
     <p:sldId id="279" r:id="rId18"/>
     <p:sldId id="296" r:id="rId19"/>
-    <p:sldId id="297" r:id="rId20"/>
-    <p:sldId id="298" r:id="rId21"/>
-    <p:sldId id="299" r:id="rId22"/>
-    <p:sldId id="280" r:id="rId23"/>
-    <p:sldId id="281" r:id="rId24"/>
-    <p:sldId id="283" r:id="rId25"/>
-    <p:sldId id="284" r:id="rId26"/>
-    <p:sldId id="285" r:id="rId27"/>
-    <p:sldId id="288" r:id="rId28"/>
-    <p:sldId id="291" r:id="rId29"/>
-    <p:sldId id="286" r:id="rId30"/>
-    <p:sldId id="287" r:id="rId31"/>
-    <p:sldId id="289" r:id="rId32"/>
-    <p:sldId id="282" r:id="rId33"/>
-    <p:sldId id="292" r:id="rId34"/>
-    <p:sldId id="294" r:id="rId35"/>
-    <p:sldId id="295" r:id="rId36"/>
+    <p:sldId id="300" r:id="rId20"/>
+    <p:sldId id="301" r:id="rId21"/>
+    <p:sldId id="303" r:id="rId22"/>
+    <p:sldId id="302" r:id="rId23"/>
+    <p:sldId id="297" r:id="rId24"/>
+    <p:sldId id="298" r:id="rId25"/>
+    <p:sldId id="299" r:id="rId26"/>
+    <p:sldId id="280" r:id="rId27"/>
+    <p:sldId id="281" r:id="rId28"/>
+    <p:sldId id="283" r:id="rId29"/>
+    <p:sldId id="284" r:id="rId30"/>
+    <p:sldId id="285" r:id="rId31"/>
+    <p:sldId id="288" r:id="rId32"/>
+    <p:sldId id="291" r:id="rId33"/>
+    <p:sldId id="286" r:id="rId34"/>
+    <p:sldId id="287" r:id="rId35"/>
+    <p:sldId id="289" r:id="rId36"/>
+    <p:sldId id="282" r:id="rId37"/>
+    <p:sldId id="292" r:id="rId38"/>
+    <p:sldId id="294" r:id="rId39"/>
+    <p:sldId id="295" r:id="rId40"/>
   </p:sldIdLst>
   <p:sldSz cx="9144000" cy="6858000" type="screen4x3"/>
   <p:notesSz cx="6858000" cy="9144000"/>
@@ -242,7 +246,7 @@
           <a:p>
             <a:fld id="{9BBAD1F3-839B-1348-B5DE-BD065941B883}" type="datetimeFigureOut">
               <a:rPr lang="en-US" smtClean="0"/>
-              <a:t>8/25/2019</a:t>
+              <a:t>10/22/2019</a:t>
             </a:fld>
             <a:endParaRPr lang="en-US"/>
           </a:p>
@@ -596,6 +600,174 @@
 </p:notes>
 </file>
 
+<file path=ppt/notesSlides/notesSlide10.xml><?xml version="1.0" encoding="utf-8"?>
+<p:notes xmlns:a="http://schemas.openxmlformats.org/drawingml/2006/main" xmlns:r="http://schemas.openxmlformats.org/officeDocument/2006/relationships" xmlns:p="http://schemas.openxmlformats.org/presentationml/2006/main">
+  <p:cSld>
+    <p:spTree>
+      <p:nvGrpSpPr>
+        <p:cNvPr id="1" name=""/>
+        <p:cNvGrpSpPr/>
+        <p:nvPr/>
+      </p:nvGrpSpPr>
+      <p:grpSpPr>
+        <a:xfrm>
+          <a:off x="0" y="0"/>
+          <a:ext cx="0" cy="0"/>
+          <a:chOff x="0" y="0"/>
+          <a:chExt cx="0" cy="0"/>
+        </a:xfrm>
+      </p:grpSpPr>
+      <p:sp>
+        <p:nvSpPr>
+          <p:cNvPr id="2" name="Slide Image Placeholder 1"/>
+          <p:cNvSpPr>
+            <a:spLocks noGrp="1" noRot="1" noChangeAspect="1"/>
+          </p:cNvSpPr>
+          <p:nvPr>
+            <p:ph type="sldImg"/>
+          </p:nvPr>
+        </p:nvSpPr>
+        <p:spPr/>
+      </p:sp>
+      <p:sp>
+        <p:nvSpPr>
+          <p:cNvPr id="3" name="Notes Placeholder 2"/>
+          <p:cNvSpPr>
+            <a:spLocks noGrp="1"/>
+          </p:cNvSpPr>
+          <p:nvPr>
+            <p:ph type="body" idx="1"/>
+          </p:nvPr>
+        </p:nvSpPr>
+        <p:spPr/>
+        <p:txBody>
+          <a:bodyPr/>
+          <a:lstStyle/>
+          <a:p>
+            <a:endParaRPr lang="en-US" dirty="0"/>
+          </a:p>
+        </p:txBody>
+      </p:sp>
+      <p:sp>
+        <p:nvSpPr>
+          <p:cNvPr id="4" name="Slide Number Placeholder 3"/>
+          <p:cNvSpPr>
+            <a:spLocks noGrp="1"/>
+          </p:cNvSpPr>
+          <p:nvPr>
+            <p:ph type="sldNum" sz="quarter" idx="10"/>
+          </p:nvPr>
+        </p:nvSpPr>
+        <p:spPr/>
+        <p:txBody>
+          <a:bodyPr/>
+          <a:lstStyle/>
+          <a:p>
+            <a:fld id="{73E2D814-6B13-F149-A88E-7A218120DD60}" type="slidenum">
+              <a:rPr lang="en-US" smtClean="0"/>
+              <a:t>29</a:t>
+            </a:fld>
+            <a:endParaRPr lang="en-US"/>
+          </a:p>
+        </p:txBody>
+      </p:sp>
+    </p:spTree>
+    <p:extLst>
+      <p:ext uri="{BB962C8B-B14F-4D97-AF65-F5344CB8AC3E}">
+        <p14:creationId xmlns:p14="http://schemas.microsoft.com/office/powerpoint/2010/main" val="2954734728"/>
+      </p:ext>
+    </p:extLst>
+  </p:cSld>
+  <p:clrMapOvr>
+    <a:masterClrMapping/>
+  </p:clrMapOvr>
+</p:notes>
+</file>
+
+<file path=ppt/notesSlides/notesSlide11.xml><?xml version="1.0" encoding="utf-8"?>
+<p:notes xmlns:a="http://schemas.openxmlformats.org/drawingml/2006/main" xmlns:r="http://schemas.openxmlformats.org/officeDocument/2006/relationships" xmlns:p="http://schemas.openxmlformats.org/presentationml/2006/main">
+  <p:cSld>
+    <p:spTree>
+      <p:nvGrpSpPr>
+        <p:cNvPr id="1" name=""/>
+        <p:cNvGrpSpPr/>
+        <p:nvPr/>
+      </p:nvGrpSpPr>
+      <p:grpSpPr>
+        <a:xfrm>
+          <a:off x="0" y="0"/>
+          <a:ext cx="0" cy="0"/>
+          <a:chOff x="0" y="0"/>
+          <a:chExt cx="0" cy="0"/>
+        </a:xfrm>
+      </p:grpSpPr>
+      <p:sp>
+        <p:nvSpPr>
+          <p:cNvPr id="2" name="Slide Image Placeholder 1"/>
+          <p:cNvSpPr>
+            <a:spLocks noGrp="1" noRot="1" noChangeAspect="1"/>
+          </p:cNvSpPr>
+          <p:nvPr>
+            <p:ph type="sldImg"/>
+          </p:nvPr>
+        </p:nvSpPr>
+        <p:spPr/>
+      </p:sp>
+      <p:sp>
+        <p:nvSpPr>
+          <p:cNvPr id="3" name="Notes Placeholder 2"/>
+          <p:cNvSpPr>
+            <a:spLocks noGrp="1"/>
+          </p:cNvSpPr>
+          <p:nvPr>
+            <p:ph type="body" idx="1"/>
+          </p:nvPr>
+        </p:nvSpPr>
+        <p:spPr/>
+        <p:txBody>
+          <a:bodyPr/>
+          <a:lstStyle/>
+          <a:p>
+            <a:endParaRPr lang="en-US" dirty="0"/>
+          </a:p>
+        </p:txBody>
+      </p:sp>
+      <p:sp>
+        <p:nvSpPr>
+          <p:cNvPr id="4" name="Slide Number Placeholder 3"/>
+          <p:cNvSpPr>
+            <a:spLocks noGrp="1"/>
+          </p:cNvSpPr>
+          <p:nvPr>
+            <p:ph type="sldNum" sz="quarter" idx="10"/>
+          </p:nvPr>
+        </p:nvSpPr>
+        <p:spPr/>
+        <p:txBody>
+          <a:bodyPr/>
+          <a:lstStyle/>
+          <a:p>
+            <a:fld id="{73E2D814-6B13-F149-A88E-7A218120DD60}" type="slidenum">
+              <a:rPr lang="en-US" smtClean="0"/>
+              <a:t>30</a:t>
+            </a:fld>
+            <a:endParaRPr lang="en-US"/>
+          </a:p>
+        </p:txBody>
+      </p:sp>
+    </p:spTree>
+    <p:extLst>
+      <p:ext uri="{BB962C8B-B14F-4D97-AF65-F5344CB8AC3E}">
+        <p14:creationId xmlns:p14="http://schemas.microsoft.com/office/powerpoint/2010/main" val="2954734728"/>
+      </p:ext>
+    </p:extLst>
+  </p:cSld>
+  <p:clrMapOvr>
+    <a:masterClrMapping/>
+  </p:clrMapOvr>
+</p:notes>
+</file>
+
 <file path=ppt/notesSlides/notesSlide2.xml><?xml version="1.0" encoding="utf-8"?>
 <p:notes xmlns:a="http://schemas.openxmlformats.org/drawingml/2006/main" xmlns:r="http://schemas.openxmlformats.org/officeDocument/2006/relationships" xmlns:p="http://schemas.openxmlformats.org/presentationml/2006/main">
   <p:cSld>
@@ -738,7 +910,7 @@
             <a:spLocks noGrp="1"/>
           </p:cNvSpPr>
           <p:nvPr>
-            <p:ph type="sldNum" sz="quarter" idx="10"/>
+            <p:ph type="sldNum" sz="quarter" idx="5"/>
           </p:nvPr>
         </p:nvSpPr>
         <p:spPr/>
@@ -748,7 +920,7 @@
           <a:p>
             <a:fld id="{73E2D814-6B13-F149-A88E-7A218120DD60}" type="slidenum">
               <a:rPr lang="en-US" smtClean="0"/>
-              <a:t>23</a:t>
+              <a:t>18</a:t>
             </a:fld>
             <a:endParaRPr lang="en-US"/>
           </a:p>
@@ -757,7 +929,7 @@
     </p:spTree>
     <p:extLst>
       <p:ext uri="{BB962C8B-B14F-4D97-AF65-F5344CB8AC3E}">
-        <p14:creationId xmlns:p14="http://schemas.microsoft.com/office/powerpoint/2010/main" val="2954734728"/>
+        <p14:creationId xmlns:p14="http://schemas.microsoft.com/office/powerpoint/2010/main" val="2775858986"/>
       </p:ext>
     </p:extLst>
   </p:cSld>
@@ -822,7 +994,7 @@
             <a:spLocks noGrp="1"/>
           </p:cNvSpPr>
           <p:nvPr>
-            <p:ph type="sldNum" sz="quarter" idx="10"/>
+            <p:ph type="sldNum" sz="quarter" idx="5"/>
           </p:nvPr>
         </p:nvSpPr>
         <p:spPr/>
@@ -832,7 +1004,7 @@
           <a:p>
             <a:fld id="{73E2D814-6B13-F149-A88E-7A218120DD60}" type="slidenum">
               <a:rPr lang="en-US" smtClean="0"/>
-              <a:t>24</a:t>
+              <a:t>19</a:t>
             </a:fld>
             <a:endParaRPr lang="en-US"/>
           </a:p>
@@ -841,7 +1013,7 @@
     </p:spTree>
     <p:extLst>
       <p:ext uri="{BB962C8B-B14F-4D97-AF65-F5344CB8AC3E}">
-        <p14:creationId xmlns:p14="http://schemas.microsoft.com/office/powerpoint/2010/main" val="2954734728"/>
+        <p14:creationId xmlns:p14="http://schemas.microsoft.com/office/powerpoint/2010/main" val="537418616"/>
       </p:ext>
     </p:extLst>
   </p:cSld>
@@ -906,7 +1078,7 @@
             <a:spLocks noGrp="1"/>
           </p:cNvSpPr>
           <p:nvPr>
-            <p:ph type="sldNum" sz="quarter" idx="10"/>
+            <p:ph type="sldNum" sz="quarter" idx="5"/>
           </p:nvPr>
         </p:nvSpPr>
         <p:spPr/>
@@ -916,7 +1088,7 @@
           <a:p>
             <a:fld id="{73E2D814-6B13-F149-A88E-7A218120DD60}" type="slidenum">
               <a:rPr lang="en-US" smtClean="0"/>
-              <a:t>25</a:t>
+              <a:t>20</a:t>
             </a:fld>
             <a:endParaRPr lang="en-US"/>
           </a:p>
@@ -925,7 +1097,7 @@
     </p:spTree>
     <p:extLst>
       <p:ext uri="{BB962C8B-B14F-4D97-AF65-F5344CB8AC3E}">
-        <p14:creationId xmlns:p14="http://schemas.microsoft.com/office/powerpoint/2010/main" val="2954734728"/>
+        <p14:creationId xmlns:p14="http://schemas.microsoft.com/office/powerpoint/2010/main" val="1822893475"/>
       </p:ext>
     </p:extLst>
   </p:cSld>
@@ -990,6 +1162,174 @@
             <a:spLocks noGrp="1"/>
           </p:cNvSpPr>
           <p:nvPr>
+            <p:ph type="sldNum" sz="quarter" idx="5"/>
+          </p:nvPr>
+        </p:nvSpPr>
+        <p:spPr/>
+        <p:txBody>
+          <a:bodyPr/>
+          <a:lstStyle/>
+          <a:p>
+            <a:fld id="{73E2D814-6B13-F149-A88E-7A218120DD60}" type="slidenum">
+              <a:rPr lang="en-US" smtClean="0"/>
+              <a:t>21</a:t>
+            </a:fld>
+            <a:endParaRPr lang="en-US"/>
+          </a:p>
+        </p:txBody>
+      </p:sp>
+    </p:spTree>
+    <p:extLst>
+      <p:ext uri="{BB962C8B-B14F-4D97-AF65-F5344CB8AC3E}">
+        <p14:creationId xmlns:p14="http://schemas.microsoft.com/office/powerpoint/2010/main" val="86371150"/>
+      </p:ext>
+    </p:extLst>
+  </p:cSld>
+  <p:clrMapOvr>
+    <a:masterClrMapping/>
+  </p:clrMapOvr>
+</p:notes>
+</file>
+
+<file path=ppt/notesSlides/notesSlide7.xml><?xml version="1.0" encoding="utf-8"?>
+<p:notes xmlns:a="http://schemas.openxmlformats.org/drawingml/2006/main" xmlns:r="http://schemas.openxmlformats.org/officeDocument/2006/relationships" xmlns:p="http://schemas.openxmlformats.org/presentationml/2006/main">
+  <p:cSld>
+    <p:spTree>
+      <p:nvGrpSpPr>
+        <p:cNvPr id="1" name=""/>
+        <p:cNvGrpSpPr/>
+        <p:nvPr/>
+      </p:nvGrpSpPr>
+      <p:grpSpPr>
+        <a:xfrm>
+          <a:off x="0" y="0"/>
+          <a:ext cx="0" cy="0"/>
+          <a:chOff x="0" y="0"/>
+          <a:chExt cx="0" cy="0"/>
+        </a:xfrm>
+      </p:grpSpPr>
+      <p:sp>
+        <p:nvSpPr>
+          <p:cNvPr id="2" name="Slide Image Placeholder 1"/>
+          <p:cNvSpPr>
+            <a:spLocks noGrp="1" noRot="1" noChangeAspect="1"/>
+          </p:cNvSpPr>
+          <p:nvPr>
+            <p:ph type="sldImg"/>
+          </p:nvPr>
+        </p:nvSpPr>
+        <p:spPr/>
+      </p:sp>
+      <p:sp>
+        <p:nvSpPr>
+          <p:cNvPr id="3" name="Notes Placeholder 2"/>
+          <p:cNvSpPr>
+            <a:spLocks noGrp="1"/>
+          </p:cNvSpPr>
+          <p:nvPr>
+            <p:ph type="body" idx="1"/>
+          </p:nvPr>
+        </p:nvSpPr>
+        <p:spPr/>
+        <p:txBody>
+          <a:bodyPr/>
+          <a:lstStyle/>
+          <a:p>
+            <a:endParaRPr lang="en-US" dirty="0"/>
+          </a:p>
+        </p:txBody>
+      </p:sp>
+      <p:sp>
+        <p:nvSpPr>
+          <p:cNvPr id="4" name="Slide Number Placeholder 3"/>
+          <p:cNvSpPr>
+            <a:spLocks noGrp="1"/>
+          </p:cNvSpPr>
+          <p:nvPr>
+            <p:ph type="sldNum" sz="quarter" idx="5"/>
+          </p:nvPr>
+        </p:nvSpPr>
+        <p:spPr/>
+        <p:txBody>
+          <a:bodyPr/>
+          <a:lstStyle/>
+          <a:p>
+            <a:fld id="{73E2D814-6B13-F149-A88E-7A218120DD60}" type="slidenum">
+              <a:rPr lang="en-US" smtClean="0"/>
+              <a:t>22</a:t>
+            </a:fld>
+            <a:endParaRPr lang="en-US"/>
+          </a:p>
+        </p:txBody>
+      </p:sp>
+    </p:spTree>
+    <p:extLst>
+      <p:ext uri="{BB962C8B-B14F-4D97-AF65-F5344CB8AC3E}">
+        <p14:creationId xmlns:p14="http://schemas.microsoft.com/office/powerpoint/2010/main" val="2659074656"/>
+      </p:ext>
+    </p:extLst>
+  </p:cSld>
+  <p:clrMapOvr>
+    <a:masterClrMapping/>
+  </p:clrMapOvr>
+</p:notes>
+</file>
+
+<file path=ppt/notesSlides/notesSlide8.xml><?xml version="1.0" encoding="utf-8"?>
+<p:notes xmlns:a="http://schemas.openxmlformats.org/drawingml/2006/main" xmlns:r="http://schemas.openxmlformats.org/officeDocument/2006/relationships" xmlns:p="http://schemas.openxmlformats.org/presentationml/2006/main">
+  <p:cSld>
+    <p:spTree>
+      <p:nvGrpSpPr>
+        <p:cNvPr id="1" name=""/>
+        <p:cNvGrpSpPr/>
+        <p:nvPr/>
+      </p:nvGrpSpPr>
+      <p:grpSpPr>
+        <a:xfrm>
+          <a:off x="0" y="0"/>
+          <a:ext cx="0" cy="0"/>
+          <a:chOff x="0" y="0"/>
+          <a:chExt cx="0" cy="0"/>
+        </a:xfrm>
+      </p:grpSpPr>
+      <p:sp>
+        <p:nvSpPr>
+          <p:cNvPr id="2" name="Slide Image Placeholder 1"/>
+          <p:cNvSpPr>
+            <a:spLocks noGrp="1" noRot="1" noChangeAspect="1"/>
+          </p:cNvSpPr>
+          <p:nvPr>
+            <p:ph type="sldImg"/>
+          </p:nvPr>
+        </p:nvSpPr>
+        <p:spPr/>
+      </p:sp>
+      <p:sp>
+        <p:nvSpPr>
+          <p:cNvPr id="3" name="Notes Placeholder 2"/>
+          <p:cNvSpPr>
+            <a:spLocks noGrp="1"/>
+          </p:cNvSpPr>
+          <p:nvPr>
+            <p:ph type="body" idx="1"/>
+          </p:nvPr>
+        </p:nvSpPr>
+        <p:spPr/>
+        <p:txBody>
+          <a:bodyPr/>
+          <a:lstStyle/>
+          <a:p>
+            <a:endParaRPr lang="en-US" dirty="0"/>
+          </a:p>
+        </p:txBody>
+      </p:sp>
+      <p:sp>
+        <p:nvSpPr>
+          <p:cNvPr id="4" name="Slide Number Placeholder 3"/>
+          <p:cNvSpPr>
+            <a:spLocks noGrp="1"/>
+          </p:cNvSpPr>
+          <p:nvPr>
             <p:ph type="sldNum" sz="quarter" idx="10"/>
           </p:nvPr>
         </p:nvSpPr>
@@ -1000,7 +1340,91 @@
           <a:p>
             <a:fld id="{73E2D814-6B13-F149-A88E-7A218120DD60}" type="slidenum">
               <a:rPr lang="en-US" smtClean="0"/>
-              <a:t>26</a:t>
+              <a:t>27</a:t>
+            </a:fld>
+            <a:endParaRPr lang="en-US"/>
+          </a:p>
+        </p:txBody>
+      </p:sp>
+    </p:spTree>
+    <p:extLst>
+      <p:ext uri="{BB962C8B-B14F-4D97-AF65-F5344CB8AC3E}">
+        <p14:creationId xmlns:p14="http://schemas.microsoft.com/office/powerpoint/2010/main" val="2954734728"/>
+      </p:ext>
+    </p:extLst>
+  </p:cSld>
+  <p:clrMapOvr>
+    <a:masterClrMapping/>
+  </p:clrMapOvr>
+</p:notes>
+</file>
+
+<file path=ppt/notesSlides/notesSlide9.xml><?xml version="1.0" encoding="utf-8"?>
+<p:notes xmlns:a="http://schemas.openxmlformats.org/drawingml/2006/main" xmlns:r="http://schemas.openxmlformats.org/officeDocument/2006/relationships" xmlns:p="http://schemas.openxmlformats.org/presentationml/2006/main">
+  <p:cSld>
+    <p:spTree>
+      <p:nvGrpSpPr>
+        <p:cNvPr id="1" name=""/>
+        <p:cNvGrpSpPr/>
+        <p:nvPr/>
+      </p:nvGrpSpPr>
+      <p:grpSpPr>
+        <a:xfrm>
+          <a:off x="0" y="0"/>
+          <a:ext cx="0" cy="0"/>
+          <a:chOff x="0" y="0"/>
+          <a:chExt cx="0" cy="0"/>
+        </a:xfrm>
+      </p:grpSpPr>
+      <p:sp>
+        <p:nvSpPr>
+          <p:cNvPr id="2" name="Slide Image Placeholder 1"/>
+          <p:cNvSpPr>
+            <a:spLocks noGrp="1" noRot="1" noChangeAspect="1"/>
+          </p:cNvSpPr>
+          <p:nvPr>
+            <p:ph type="sldImg"/>
+          </p:nvPr>
+        </p:nvSpPr>
+        <p:spPr/>
+      </p:sp>
+      <p:sp>
+        <p:nvSpPr>
+          <p:cNvPr id="3" name="Notes Placeholder 2"/>
+          <p:cNvSpPr>
+            <a:spLocks noGrp="1"/>
+          </p:cNvSpPr>
+          <p:nvPr>
+            <p:ph type="body" idx="1"/>
+          </p:nvPr>
+        </p:nvSpPr>
+        <p:spPr/>
+        <p:txBody>
+          <a:bodyPr/>
+          <a:lstStyle/>
+          <a:p>
+            <a:endParaRPr lang="en-US" dirty="0"/>
+          </a:p>
+        </p:txBody>
+      </p:sp>
+      <p:sp>
+        <p:nvSpPr>
+          <p:cNvPr id="4" name="Slide Number Placeholder 3"/>
+          <p:cNvSpPr>
+            <a:spLocks noGrp="1"/>
+          </p:cNvSpPr>
+          <p:nvPr>
+            <p:ph type="sldNum" sz="quarter" idx="10"/>
+          </p:nvPr>
+        </p:nvSpPr>
+        <p:spPr/>
+        <p:txBody>
+          <a:bodyPr/>
+          <a:lstStyle/>
+          <a:p>
+            <a:fld id="{73E2D814-6B13-F149-A88E-7A218120DD60}" type="slidenum">
+              <a:rPr lang="en-US" smtClean="0"/>
+              <a:t>28</a:t>
             </a:fld>
             <a:endParaRPr lang="en-US"/>
           </a:p>
@@ -1198,7 +1622,7 @@
           <a:p>
             <a:fld id="{BFD6843F-E372-DB4D-9B2A-6B0B9A66C7EF}" type="datetimeFigureOut">
               <a:rPr lang="en-US" smtClean="0"/>
-              <a:t>8/25/2019</a:t>
+              <a:t>10/22/2019</a:t>
             </a:fld>
             <a:endParaRPr lang="en-US"/>
           </a:p>
@@ -1366,7 +1790,7 @@
           <a:p>
             <a:fld id="{BFD6843F-E372-DB4D-9B2A-6B0B9A66C7EF}" type="datetimeFigureOut">
               <a:rPr lang="en-US" smtClean="0"/>
-              <a:t>8/25/2019</a:t>
+              <a:t>10/22/2019</a:t>
             </a:fld>
             <a:endParaRPr lang="en-US"/>
           </a:p>
@@ -1544,7 +1968,7 @@
           <a:p>
             <a:fld id="{BFD6843F-E372-DB4D-9B2A-6B0B9A66C7EF}" type="datetimeFigureOut">
               <a:rPr lang="en-US" smtClean="0"/>
-              <a:t>8/25/2019</a:t>
+              <a:t>10/22/2019</a:t>
             </a:fld>
             <a:endParaRPr lang="en-US"/>
           </a:p>
@@ -1712,7 +2136,7 @@
           <a:p>
             <a:fld id="{BFD6843F-E372-DB4D-9B2A-6B0B9A66C7EF}" type="datetimeFigureOut">
               <a:rPr lang="en-US" smtClean="0"/>
-              <a:t>8/25/2019</a:t>
+              <a:t>10/22/2019</a:t>
             </a:fld>
             <a:endParaRPr lang="en-US"/>
           </a:p>
@@ -1957,7 +2381,7 @@
           <a:p>
             <a:fld id="{BFD6843F-E372-DB4D-9B2A-6B0B9A66C7EF}" type="datetimeFigureOut">
               <a:rPr lang="en-US" smtClean="0"/>
-              <a:t>8/25/2019</a:t>
+              <a:t>10/22/2019</a:t>
             </a:fld>
             <a:endParaRPr lang="en-US"/>
           </a:p>
@@ -2242,7 +2666,7 @@
           <a:p>
             <a:fld id="{BFD6843F-E372-DB4D-9B2A-6B0B9A66C7EF}" type="datetimeFigureOut">
               <a:rPr lang="en-US" smtClean="0"/>
-              <a:t>8/25/2019</a:t>
+              <a:t>10/22/2019</a:t>
             </a:fld>
             <a:endParaRPr lang="en-US"/>
           </a:p>
@@ -2661,7 +3085,7 @@
           <a:p>
             <a:fld id="{BFD6843F-E372-DB4D-9B2A-6B0B9A66C7EF}" type="datetimeFigureOut">
               <a:rPr lang="en-US" smtClean="0"/>
-              <a:t>8/25/2019</a:t>
+              <a:t>10/22/2019</a:t>
             </a:fld>
             <a:endParaRPr lang="en-US"/>
           </a:p>
@@ -2778,7 +3202,7 @@
           <a:p>
             <a:fld id="{BFD6843F-E372-DB4D-9B2A-6B0B9A66C7EF}" type="datetimeFigureOut">
               <a:rPr lang="en-US" smtClean="0"/>
-              <a:t>8/25/2019</a:t>
+              <a:t>10/22/2019</a:t>
             </a:fld>
             <a:endParaRPr lang="en-US"/>
           </a:p>
@@ -2873,7 +3297,7 @@
           <a:p>
             <a:fld id="{BFD6843F-E372-DB4D-9B2A-6B0B9A66C7EF}" type="datetimeFigureOut">
               <a:rPr lang="en-US" smtClean="0"/>
-              <a:t>8/25/2019</a:t>
+              <a:t>10/22/2019</a:t>
             </a:fld>
             <a:endParaRPr lang="en-US"/>
           </a:p>
@@ -3148,7 +3572,7 @@
           <a:p>
             <a:fld id="{BFD6843F-E372-DB4D-9B2A-6B0B9A66C7EF}" type="datetimeFigureOut">
               <a:rPr lang="en-US" smtClean="0"/>
-              <a:t>8/25/2019</a:t>
+              <a:t>10/22/2019</a:t>
             </a:fld>
             <a:endParaRPr lang="en-US"/>
           </a:p>
@@ -3400,7 +3824,7 @@
           <a:p>
             <a:fld id="{BFD6843F-E372-DB4D-9B2A-6B0B9A66C7EF}" type="datetimeFigureOut">
               <a:rPr lang="en-US" smtClean="0"/>
-              <a:t>8/25/2019</a:t>
+              <a:t>10/22/2019</a:t>
             </a:fld>
             <a:endParaRPr lang="en-US"/>
           </a:p>
@@ -3611,7 +4035,7 @@
           <a:p>
             <a:fld id="{BFD6843F-E372-DB4D-9B2A-6B0B9A66C7EF}" type="datetimeFigureOut">
               <a:rPr lang="en-US" smtClean="0"/>
-              <a:t>8/25/2019</a:t>
+              <a:t>10/22/2019</a:t>
             </a:fld>
             <a:endParaRPr lang="en-US"/>
           </a:p>
@@ -4202,7 +4626,7 @@
           <a:graphicData uri="http://schemas.openxmlformats.org/presentationml/2006/ole">
             <mc:AlternateContent xmlns:mc="http://schemas.openxmlformats.org/markup-compatibility/2006">
               <mc:Choice xmlns:v="urn:schemas-microsoft-com:vml" Requires="v">
-                <p:oleObj spid="_x0000_s1174" r:id="rId7" imgW="723960" imgH="361800" progId="">
+                <p:oleObj spid="_x0000_s1204" r:id="rId7" imgW="723960" imgH="361800" progId="">
                   <p:embed/>
                 </p:oleObj>
               </mc:Choice>
@@ -4282,7 +4706,7 @@
           <a:graphicData uri="http://schemas.openxmlformats.org/presentationml/2006/ole">
             <mc:AlternateContent xmlns:mc="http://schemas.openxmlformats.org/markup-compatibility/2006">
               <mc:Choice xmlns:v="urn:schemas-microsoft-com:vml" Requires="v">
-                <p:oleObj spid="_x0000_s1175" r:id="rId9" imgW="76320" imgH="181080" progId="">
+                <p:oleObj spid="_x0000_s1205" r:id="rId9" imgW="76320" imgH="181080" progId="">
                   <p:embed/>
                 </p:oleObj>
               </mc:Choice>
@@ -11178,7 +11602,7 @@
           <p:nvPr/>
         </p:nvPicPr>
         <p:blipFill>
-          <a:blip r:embed="rId2" cstate="print"/>
+          <a:blip r:embed="rId3" cstate="print"/>
           <a:srcRect/>
           <a:stretch>
             <a:fillRect/>
@@ -11269,6 +11693,723 @@
           </a:p>
         </p:txBody>
       </p:sp>
+      <p:sp>
+        <p:nvSpPr>
+          <p:cNvPr id="2" name="TextBox 1">
+            <a:extLst>
+              <a:ext uri="{FF2B5EF4-FFF2-40B4-BE49-F238E27FC236}">
+                <a16:creationId xmlns:a16="http://schemas.microsoft.com/office/drawing/2014/main" id="{FB536CDF-23CB-46D2-BFDA-BA5C4C3280FC}"/>
+              </a:ext>
+            </a:extLst>
+          </p:cNvPr>
+          <p:cNvSpPr txBox="1"/>
+          <p:nvPr/>
+        </p:nvSpPr>
+        <p:spPr>
+          <a:xfrm>
+            <a:off x="225109" y="1212089"/>
+            <a:ext cx="8202612" cy="1692771"/>
+          </a:xfrm>
+          <a:prstGeom prst="rect">
+            <a:avLst/>
+          </a:prstGeom>
+          <a:noFill/>
+        </p:spPr>
+        <p:txBody>
+          <a:bodyPr wrap="square" rtlCol="0">
+            <a:spAutoFit/>
+          </a:bodyPr>
+          <a:lstStyle/>
+          <a:p>
+            <a:pPr marL="457200" indent="-457200">
+              <a:buFont typeface="Arial" panose="020B0604020202020204" pitchFamily="34" charset="0"/>
+              <a:buChar char="•"/>
+            </a:pPr>
+            <a:r>
+              <a:rPr lang="en-US" sz="2400" dirty="0">
+                <a:latin typeface="Times New Roman" panose="02020603050405020304" pitchFamily="18" charset="0"/>
+                <a:cs typeface="Times New Roman" panose="02020603050405020304" pitchFamily="18" charset="0"/>
+              </a:rPr>
+              <a:t>Markov Chain Monte Carlo (MCMC), Metropolis algorithm</a:t>
+            </a:r>
+          </a:p>
+          <a:p>
+            <a:pPr marL="914400" lvl="1" indent="-457200">
+              <a:buFont typeface="Arial" panose="020B0604020202020204" pitchFamily="34" charset="0"/>
+              <a:buChar char="•"/>
+            </a:pPr>
+            <a:r>
+              <a:rPr lang="en-US" sz="2000" dirty="0">
+                <a:latin typeface="Times New Roman" panose="02020603050405020304" pitchFamily="18" charset="0"/>
+                <a:cs typeface="Times New Roman" panose="02020603050405020304" pitchFamily="18" charset="0"/>
+              </a:rPr>
+              <a:t>Randomly moves around parameter space trying to sample from the posterior </a:t>
+            </a:r>
+            <a:r>
+              <a:rPr lang="en-US" sz="2000" i="1" dirty="0">
+                <a:latin typeface="Times New Roman" panose="02020603050405020304" pitchFamily="18" charset="0"/>
+                <a:cs typeface="Times New Roman" panose="02020603050405020304" pitchFamily="18" charset="0"/>
+              </a:rPr>
+              <a:t>p</a:t>
+            </a:r>
+            <a:r>
+              <a:rPr lang="en-US" sz="2000" dirty="0">
+                <a:latin typeface="Times New Roman" panose="02020603050405020304" pitchFamily="18" charset="0"/>
+                <a:cs typeface="Times New Roman" panose="02020603050405020304" pitchFamily="18" charset="0"/>
+              </a:rPr>
+              <a:t>(</a:t>
+            </a:r>
+            <a:r>
+              <a:rPr lang="en-US" sz="2000" b="1" i="1" dirty="0">
+                <a:latin typeface="Symbol" panose="05050102010706020507" pitchFamily="18" charset="2"/>
+                <a:cs typeface="Times New Roman" panose="02020603050405020304" pitchFamily="18" charset="0"/>
+              </a:rPr>
+              <a:t>q </a:t>
+            </a:r>
+            <a:r>
+              <a:rPr lang="en-US" sz="2000" dirty="0">
+                <a:latin typeface="Times New Roman" panose="02020603050405020304" pitchFamily="18" charset="0"/>
+                <a:cs typeface="Times New Roman" panose="02020603050405020304" pitchFamily="18" charset="0"/>
+              </a:rPr>
+              <a:t>)</a:t>
+            </a:r>
+          </a:p>
+          <a:p>
+            <a:pPr marL="914400" lvl="1" indent="-457200">
+              <a:buFont typeface="Arial" panose="020B0604020202020204" pitchFamily="34" charset="0"/>
+              <a:buChar char="•"/>
+            </a:pPr>
+            <a:r>
+              <a:rPr lang="en-US" sz="2000" dirty="0">
+                <a:latin typeface="Times New Roman" panose="02020603050405020304" pitchFamily="18" charset="0"/>
+                <a:cs typeface="Times New Roman" panose="02020603050405020304" pitchFamily="18" charset="0"/>
+              </a:rPr>
+              <a:t>Works like “hill-climbing” with a reverse gear that kicks in some times</a:t>
+            </a:r>
+          </a:p>
+        </p:txBody>
+      </p:sp>
+      <p:sp>
+        <p:nvSpPr>
+          <p:cNvPr id="6" name="TextBox 5">
+            <a:extLst>
+              <a:ext uri="{FF2B5EF4-FFF2-40B4-BE49-F238E27FC236}">
+                <a16:creationId xmlns:a16="http://schemas.microsoft.com/office/drawing/2014/main" id="{7F05F98A-E0E1-41E5-9F85-2C794BDFCD73}"/>
+              </a:ext>
+            </a:extLst>
+          </p:cNvPr>
+          <p:cNvSpPr txBox="1"/>
+          <p:nvPr/>
+        </p:nvSpPr>
+        <p:spPr>
+          <a:xfrm>
+            <a:off x="255588" y="2792180"/>
+            <a:ext cx="8690291" cy="461665"/>
+          </a:xfrm>
+          <a:prstGeom prst="rect">
+            <a:avLst/>
+          </a:prstGeom>
+          <a:noFill/>
+        </p:spPr>
+        <p:txBody>
+          <a:bodyPr wrap="square" rtlCol="0">
+            <a:spAutoFit/>
+          </a:bodyPr>
+          <a:lstStyle/>
+          <a:p>
+            <a:pPr marL="457200" indent="-457200">
+              <a:buFont typeface="Arial" panose="020B0604020202020204" pitchFamily="34" charset="0"/>
+              <a:buChar char="•"/>
+            </a:pPr>
+            <a:r>
+              <a:rPr lang="en-US" sz="2400" dirty="0">
+                <a:latin typeface="Times New Roman" panose="02020603050405020304" pitchFamily="18" charset="0"/>
+                <a:cs typeface="Times New Roman" panose="02020603050405020304" pitchFamily="18" charset="0"/>
+              </a:rPr>
+              <a:t>Algorithm outline:</a:t>
+            </a:r>
+          </a:p>
+        </p:txBody>
+      </p:sp>
+      <p:sp>
+        <p:nvSpPr>
+          <p:cNvPr id="7" name="TextBox 6">
+            <a:extLst>
+              <a:ext uri="{FF2B5EF4-FFF2-40B4-BE49-F238E27FC236}">
+                <a16:creationId xmlns:a16="http://schemas.microsoft.com/office/drawing/2014/main" id="{3BEE3394-70F2-471E-9044-8947581F64C5}"/>
+              </a:ext>
+            </a:extLst>
+          </p:cNvPr>
+          <p:cNvSpPr txBox="1"/>
+          <p:nvPr/>
+        </p:nvSpPr>
+        <p:spPr>
+          <a:xfrm>
+            <a:off x="255588" y="4870086"/>
+            <a:ext cx="8690291" cy="400110"/>
+          </a:xfrm>
+          <a:prstGeom prst="rect">
+            <a:avLst/>
+          </a:prstGeom>
+          <a:noFill/>
+        </p:spPr>
+        <p:txBody>
+          <a:bodyPr wrap="square" rtlCol="0">
+            <a:spAutoFit/>
+          </a:bodyPr>
+          <a:lstStyle/>
+          <a:p>
+            <a:pPr marL="1371600" lvl="2" indent="-457200">
+              <a:buFont typeface="+mj-lt"/>
+              <a:buAutoNum type="alphaLcPeriod" startAt="2"/>
+            </a:pPr>
+            <a:r>
+              <a:rPr lang="en-US" sz="2000" dirty="0">
+                <a:latin typeface="Times New Roman" panose="02020603050405020304" pitchFamily="18" charset="0"/>
+                <a:cs typeface="Times New Roman" panose="02020603050405020304" pitchFamily="18" charset="0"/>
+              </a:rPr>
+              <a:t>Accept </a:t>
+            </a:r>
+            <a:r>
+              <a:rPr lang="en-US" sz="2000" b="1" i="1" dirty="0">
+                <a:latin typeface="Symbol" panose="05050102010706020507" pitchFamily="18" charset="2"/>
+                <a:cs typeface="Times New Roman" panose="02020603050405020304" pitchFamily="18" charset="0"/>
+              </a:rPr>
+              <a:t>q </a:t>
+            </a:r>
+            <a:r>
+              <a:rPr lang="en-US" sz="2000" baseline="30000" dirty="0">
+                <a:latin typeface="Symbol" panose="05050102010706020507" pitchFamily="18" charset="2"/>
+                <a:cs typeface="Times New Roman" panose="02020603050405020304" pitchFamily="18" charset="0"/>
+              </a:rPr>
+              <a:t>*</a:t>
+            </a:r>
+            <a:r>
+              <a:rPr lang="en-US" sz="2000" baseline="30000" dirty="0">
+                <a:latin typeface="Times New Roman" panose="02020603050405020304" pitchFamily="18" charset="0"/>
+                <a:cs typeface="Times New Roman" panose="02020603050405020304" pitchFamily="18" charset="0"/>
+              </a:rPr>
+              <a:t>(</a:t>
+            </a:r>
+            <a:r>
+              <a:rPr lang="en-US" sz="2000" baseline="30000" dirty="0" err="1">
+                <a:latin typeface="Times New Roman" panose="02020603050405020304" pitchFamily="18" charset="0"/>
+                <a:cs typeface="Times New Roman" panose="02020603050405020304" pitchFamily="18" charset="0"/>
+              </a:rPr>
+              <a:t>i</a:t>
+            </a:r>
+            <a:r>
+              <a:rPr lang="en-US" sz="2000" baseline="30000" dirty="0">
+                <a:latin typeface="Times New Roman" panose="02020603050405020304" pitchFamily="18" charset="0"/>
+                <a:cs typeface="Times New Roman" panose="02020603050405020304" pitchFamily="18" charset="0"/>
+              </a:rPr>
+              <a:t>)</a:t>
+            </a:r>
+            <a:r>
+              <a:rPr lang="en-US" sz="2000" dirty="0">
+                <a:latin typeface="Times New Roman" panose="02020603050405020304" pitchFamily="18" charset="0"/>
+                <a:cs typeface="Times New Roman" panose="02020603050405020304" pitchFamily="18" charset="0"/>
+              </a:rPr>
+              <a:t> into a growing posterior sample and go back to a. if</a:t>
+            </a:r>
+          </a:p>
+        </p:txBody>
+      </p:sp>
+      <p:pic>
+        <p:nvPicPr>
+          <p:cNvPr id="8" name="Picture 7">
+            <a:extLst>
+              <a:ext uri="{FF2B5EF4-FFF2-40B4-BE49-F238E27FC236}">
+                <a16:creationId xmlns:a16="http://schemas.microsoft.com/office/drawing/2014/main" id="{C70222EE-5254-4DC4-906E-71BA47E124F3}"/>
+              </a:ext>
+            </a:extLst>
+          </p:cNvPr>
+          <p:cNvPicPr>
+            <a:picLocks noChangeAspect="1"/>
+          </p:cNvPicPr>
+          <p:nvPr/>
+        </p:nvPicPr>
+        <p:blipFill>
+          <a:blip r:embed="rId4"/>
+          <a:stretch>
+            <a:fillRect/>
+          </a:stretch>
+        </p:blipFill>
+        <p:spPr>
+          <a:xfrm>
+            <a:off x="3535695" y="5408403"/>
+            <a:ext cx="2057386" cy="335724"/>
+          </a:xfrm>
+          <a:prstGeom prst="rect">
+            <a:avLst/>
+          </a:prstGeom>
+        </p:spPr>
+      </p:pic>
+      <p:sp>
+        <p:nvSpPr>
+          <p:cNvPr id="9" name="TextBox 8">
+            <a:extLst>
+              <a:ext uri="{FF2B5EF4-FFF2-40B4-BE49-F238E27FC236}">
+                <a16:creationId xmlns:a16="http://schemas.microsoft.com/office/drawing/2014/main" id="{5CA6A3FE-1A20-44E3-8ECC-457987447A53}"/>
+              </a:ext>
+            </a:extLst>
+          </p:cNvPr>
+          <p:cNvSpPr txBox="1"/>
+          <p:nvPr/>
+        </p:nvSpPr>
+        <p:spPr>
+          <a:xfrm>
+            <a:off x="262927" y="5830206"/>
+            <a:ext cx="8881073" cy="400110"/>
+          </a:xfrm>
+          <a:prstGeom prst="rect">
+            <a:avLst/>
+          </a:prstGeom>
+          <a:noFill/>
+        </p:spPr>
+        <p:txBody>
+          <a:bodyPr wrap="square" rtlCol="0">
+            <a:spAutoFit/>
+          </a:bodyPr>
+          <a:lstStyle/>
+          <a:p>
+            <a:pPr marL="1371600" lvl="2" indent="-457200">
+              <a:buFont typeface="+mj-lt"/>
+              <a:buAutoNum type="alphaLcPeriod" startAt="3"/>
+            </a:pPr>
+            <a:r>
+              <a:rPr lang="en-US" sz="2000" dirty="0">
+                <a:latin typeface="Times New Roman" panose="02020603050405020304" pitchFamily="18" charset="0"/>
+                <a:cs typeface="Times New Roman" panose="02020603050405020304" pitchFamily="18" charset="0"/>
+              </a:rPr>
+              <a:t>If the opposite of b. is true, accept </a:t>
+            </a:r>
+            <a:r>
+              <a:rPr lang="en-US" sz="2000" b="1" i="1" dirty="0">
+                <a:latin typeface="Symbol" panose="05050102010706020507" pitchFamily="18" charset="2"/>
+                <a:cs typeface="Times New Roman" panose="02020603050405020304" pitchFamily="18" charset="0"/>
+              </a:rPr>
+              <a:t>q </a:t>
+            </a:r>
+            <a:r>
+              <a:rPr lang="en-US" sz="2000" baseline="30000" dirty="0">
+                <a:latin typeface="Symbol" panose="05050102010706020507" pitchFamily="18" charset="2"/>
+                <a:cs typeface="Times New Roman" panose="02020603050405020304" pitchFamily="18" charset="0"/>
+              </a:rPr>
+              <a:t>*</a:t>
+            </a:r>
+            <a:r>
+              <a:rPr lang="en-US" sz="2000" baseline="30000" dirty="0">
+                <a:latin typeface="Times New Roman" panose="02020603050405020304" pitchFamily="18" charset="0"/>
+                <a:cs typeface="Times New Roman" panose="02020603050405020304" pitchFamily="18" charset="0"/>
+              </a:rPr>
+              <a:t>(</a:t>
+            </a:r>
+            <a:r>
+              <a:rPr lang="en-US" sz="2000" baseline="30000" dirty="0" err="1">
+                <a:latin typeface="Times New Roman" panose="02020603050405020304" pitchFamily="18" charset="0"/>
+                <a:cs typeface="Times New Roman" panose="02020603050405020304" pitchFamily="18" charset="0"/>
+              </a:rPr>
+              <a:t>i</a:t>
+            </a:r>
+            <a:r>
+              <a:rPr lang="en-US" sz="2000" baseline="30000" dirty="0">
+                <a:latin typeface="Times New Roman" panose="02020603050405020304" pitchFamily="18" charset="0"/>
+                <a:cs typeface="Times New Roman" panose="02020603050405020304" pitchFamily="18" charset="0"/>
+              </a:rPr>
+              <a:t>) </a:t>
+            </a:r>
+            <a:r>
+              <a:rPr lang="en-US" sz="2000" dirty="0">
+                <a:latin typeface="Times New Roman" panose="02020603050405020304" pitchFamily="18" charset="0"/>
+                <a:cs typeface="Times New Roman" panose="02020603050405020304" pitchFamily="18" charset="0"/>
+              </a:rPr>
+              <a:t>with a random probability </a:t>
+            </a:r>
+            <a:r>
+              <a:rPr lang="en-US" sz="2000" i="1" dirty="0" err="1">
+                <a:latin typeface="Times New Roman" panose="02020603050405020304" pitchFamily="18" charset="0"/>
+                <a:cs typeface="Times New Roman" panose="02020603050405020304" pitchFamily="18" charset="0"/>
+              </a:rPr>
+              <a:t>p</a:t>
+            </a:r>
+            <a:r>
+              <a:rPr lang="en-US" sz="2000" baseline="-25000" dirty="0" err="1">
+                <a:latin typeface="Times New Roman" panose="02020603050405020304" pitchFamily="18" charset="0"/>
+                <a:cs typeface="Times New Roman" panose="02020603050405020304" pitchFamily="18" charset="0"/>
+              </a:rPr>
+              <a:t>accept</a:t>
+            </a:r>
+            <a:r>
+              <a:rPr lang="en-US" sz="2000" dirty="0">
+                <a:latin typeface="Times New Roman" panose="02020603050405020304" pitchFamily="18" charset="0"/>
+                <a:cs typeface="Times New Roman" panose="02020603050405020304" pitchFamily="18" charset="0"/>
+              </a:rPr>
+              <a:t> </a:t>
+            </a:r>
+          </a:p>
+        </p:txBody>
+      </p:sp>
+      <p:pic>
+        <p:nvPicPr>
+          <p:cNvPr id="10" name="Picture 9">
+            <a:extLst>
+              <a:ext uri="{FF2B5EF4-FFF2-40B4-BE49-F238E27FC236}">
+                <a16:creationId xmlns:a16="http://schemas.microsoft.com/office/drawing/2014/main" id="{5256A0A1-AF3F-43A8-AA7E-4A3B0B304107}"/>
+              </a:ext>
+            </a:extLst>
+          </p:cNvPr>
+          <p:cNvPicPr>
+            <a:picLocks noChangeAspect="1"/>
+          </p:cNvPicPr>
+          <p:nvPr/>
+        </p:nvPicPr>
+        <p:blipFill>
+          <a:blip r:embed="rId5"/>
+          <a:stretch>
+            <a:fillRect/>
+          </a:stretch>
+        </p:blipFill>
+        <p:spPr>
+          <a:xfrm>
+            <a:off x="3550935" y="6450117"/>
+            <a:ext cx="2057386" cy="319729"/>
+          </a:xfrm>
+          <a:prstGeom prst="rect">
+            <a:avLst/>
+          </a:prstGeom>
+        </p:spPr>
+      </p:pic>
+      <p:sp>
+        <p:nvSpPr>
+          <p:cNvPr id="12" name="TextBox 11">
+            <a:extLst>
+              <a:ext uri="{FF2B5EF4-FFF2-40B4-BE49-F238E27FC236}">
+                <a16:creationId xmlns:a16="http://schemas.microsoft.com/office/drawing/2014/main" id="{2B2B5B46-43CD-49AB-BF9F-D0E7AEDF6C10}"/>
+              </a:ext>
+            </a:extLst>
+          </p:cNvPr>
+          <p:cNvSpPr txBox="1"/>
+          <p:nvPr/>
+        </p:nvSpPr>
+        <p:spPr>
+          <a:xfrm>
+            <a:off x="293407" y="3233920"/>
+            <a:ext cx="8690291" cy="400110"/>
+          </a:xfrm>
+          <a:prstGeom prst="rect">
+            <a:avLst/>
+          </a:prstGeom>
+          <a:noFill/>
+        </p:spPr>
+        <p:txBody>
+          <a:bodyPr wrap="square" rtlCol="0">
+            <a:spAutoFit/>
+          </a:bodyPr>
+          <a:lstStyle/>
+          <a:p>
+            <a:pPr marL="914400" lvl="1" indent="-457200">
+              <a:buFont typeface="+mj-lt"/>
+              <a:buAutoNum type="arabicPeriod"/>
+            </a:pPr>
+            <a:r>
+              <a:rPr lang="en-US" sz="2000" dirty="0">
+                <a:latin typeface="Times New Roman" panose="02020603050405020304" pitchFamily="18" charset="0"/>
+                <a:cs typeface="Times New Roman" panose="02020603050405020304" pitchFamily="18" charset="0"/>
+              </a:rPr>
+              <a:t>Initialize a </a:t>
+            </a:r>
+            <a:r>
+              <a:rPr lang="en-US" sz="2000" b="1" i="1" dirty="0">
+                <a:latin typeface="Symbol" panose="05050102010706020507" pitchFamily="18" charset="2"/>
+                <a:cs typeface="Times New Roman" panose="02020603050405020304" pitchFamily="18" charset="0"/>
+              </a:rPr>
+              <a:t>q</a:t>
+            </a:r>
+            <a:r>
+              <a:rPr lang="en-US" sz="2000" dirty="0">
+                <a:latin typeface="Times New Roman" panose="02020603050405020304" pitchFamily="18" charset="0"/>
+                <a:cs typeface="Times New Roman" panose="02020603050405020304" pitchFamily="18" charset="0"/>
+              </a:rPr>
+              <a:t> → </a:t>
+            </a:r>
+            <a:r>
+              <a:rPr lang="en-US" sz="2000" b="1" i="1" dirty="0">
+                <a:latin typeface="Symbol" panose="05050102010706020507" pitchFamily="18" charset="2"/>
+                <a:cs typeface="Times New Roman" panose="02020603050405020304" pitchFamily="18" charset="0"/>
+              </a:rPr>
+              <a:t>q </a:t>
+            </a:r>
+            <a:r>
+              <a:rPr lang="en-US" sz="2000" baseline="30000" dirty="0">
+                <a:latin typeface="Times New Roman" panose="02020603050405020304" pitchFamily="18" charset="0"/>
+                <a:cs typeface="Times New Roman" panose="02020603050405020304" pitchFamily="18" charset="0"/>
+              </a:rPr>
+              <a:t>(0)</a:t>
+            </a:r>
+          </a:p>
+        </p:txBody>
+      </p:sp>
+      <p:sp>
+        <p:nvSpPr>
+          <p:cNvPr id="13" name="TextBox 12">
+            <a:extLst>
+              <a:ext uri="{FF2B5EF4-FFF2-40B4-BE49-F238E27FC236}">
+                <a16:creationId xmlns:a16="http://schemas.microsoft.com/office/drawing/2014/main" id="{414544A3-33BC-4A31-ACA7-89F3840459DB}"/>
+              </a:ext>
+            </a:extLst>
+          </p:cNvPr>
+          <p:cNvSpPr txBox="1"/>
+          <p:nvPr/>
+        </p:nvSpPr>
+        <p:spPr>
+          <a:xfrm>
+            <a:off x="287814" y="3624900"/>
+            <a:ext cx="8690291" cy="400110"/>
+          </a:xfrm>
+          <a:prstGeom prst="rect">
+            <a:avLst/>
+          </a:prstGeom>
+          <a:noFill/>
+        </p:spPr>
+        <p:txBody>
+          <a:bodyPr wrap="square" rtlCol="0">
+            <a:spAutoFit/>
+          </a:bodyPr>
+          <a:lstStyle/>
+          <a:p>
+            <a:pPr marL="914400" lvl="1" indent="-457200">
+              <a:buFont typeface="+mj-lt"/>
+              <a:buAutoNum type="arabicPeriod" startAt="2"/>
+            </a:pPr>
+            <a:r>
+              <a:rPr lang="en-US" sz="2000" dirty="0">
+                <a:latin typeface="Times New Roman" panose="02020603050405020304" pitchFamily="18" charset="0"/>
+                <a:cs typeface="Times New Roman" panose="02020603050405020304" pitchFamily="18" charset="0"/>
+              </a:rPr>
+              <a:t>Start a counter </a:t>
+            </a:r>
+            <a:r>
+              <a:rPr lang="en-US" sz="2000" i="1" dirty="0" err="1">
+                <a:latin typeface="Times New Roman" panose="02020603050405020304" pitchFamily="18" charset="0"/>
+                <a:cs typeface="Times New Roman" panose="02020603050405020304" pitchFamily="18" charset="0"/>
+              </a:rPr>
+              <a:t>i</a:t>
+            </a:r>
+            <a:r>
+              <a:rPr lang="en-US" sz="2000" dirty="0">
+                <a:latin typeface="Times New Roman" panose="02020603050405020304" pitchFamily="18" charset="0"/>
+                <a:cs typeface="Times New Roman" panose="02020603050405020304" pitchFamily="18" charset="0"/>
+              </a:rPr>
+              <a:t> at 1 and go to </a:t>
+            </a:r>
+            <a:r>
+              <a:rPr lang="en-US" sz="2000" i="1" dirty="0">
+                <a:latin typeface="Times New Roman" panose="02020603050405020304" pitchFamily="18" charset="0"/>
+                <a:cs typeface="Times New Roman" panose="02020603050405020304" pitchFamily="18" charset="0"/>
+              </a:rPr>
+              <a:t>N</a:t>
+            </a:r>
+            <a:r>
+              <a:rPr lang="en-US" sz="2000" dirty="0">
+                <a:latin typeface="Times New Roman" panose="02020603050405020304" pitchFamily="18" charset="0"/>
+                <a:cs typeface="Times New Roman" panose="02020603050405020304" pitchFamily="18" charset="0"/>
+              </a:rPr>
+              <a:t>:</a:t>
+            </a:r>
+          </a:p>
+        </p:txBody>
+      </p:sp>
+      <p:sp>
+        <p:nvSpPr>
+          <p:cNvPr id="15" name="TextBox 14">
+            <a:extLst>
+              <a:ext uri="{FF2B5EF4-FFF2-40B4-BE49-F238E27FC236}">
+                <a16:creationId xmlns:a16="http://schemas.microsoft.com/office/drawing/2014/main" id="{890FA9E6-181D-471D-A125-040E72F3CF87}"/>
+              </a:ext>
+            </a:extLst>
+          </p:cNvPr>
+          <p:cNvSpPr txBox="1"/>
+          <p:nvPr/>
+        </p:nvSpPr>
+        <p:spPr>
+          <a:xfrm>
+            <a:off x="287814" y="4033256"/>
+            <a:ext cx="8690291" cy="400110"/>
+          </a:xfrm>
+          <a:prstGeom prst="rect">
+            <a:avLst/>
+          </a:prstGeom>
+          <a:noFill/>
+        </p:spPr>
+        <p:txBody>
+          <a:bodyPr wrap="square" rtlCol="0">
+            <a:spAutoFit/>
+          </a:bodyPr>
+          <a:lstStyle/>
+          <a:p>
+            <a:pPr marL="1371600" lvl="2" indent="-457200">
+              <a:buFont typeface="+mj-lt"/>
+              <a:buAutoNum type="alphaLcPeriod"/>
+            </a:pPr>
+            <a:r>
+              <a:rPr lang="en-US" sz="2000" dirty="0">
+                <a:latin typeface="Times New Roman" panose="02020603050405020304" pitchFamily="18" charset="0"/>
+                <a:cs typeface="Times New Roman" panose="02020603050405020304" pitchFamily="18" charset="0"/>
+              </a:rPr>
+              <a:t>Draw a new </a:t>
+            </a:r>
+            <a:r>
+              <a:rPr lang="en-US" sz="2000" b="1" i="1" dirty="0">
+                <a:latin typeface="Symbol" panose="05050102010706020507" pitchFamily="18" charset="2"/>
+                <a:cs typeface="Times New Roman" panose="02020603050405020304" pitchFamily="18" charset="0"/>
+              </a:rPr>
+              <a:t>q </a:t>
+            </a:r>
+            <a:r>
+              <a:rPr lang="en-US" sz="2000" baseline="30000" dirty="0">
+                <a:latin typeface="Symbol" panose="05050102010706020507" pitchFamily="18" charset="2"/>
+                <a:cs typeface="Times New Roman" panose="02020603050405020304" pitchFamily="18" charset="0"/>
+              </a:rPr>
+              <a:t>*</a:t>
+            </a:r>
+            <a:r>
+              <a:rPr lang="en-US" sz="2000" baseline="30000" dirty="0">
+                <a:latin typeface="Times New Roman" panose="02020603050405020304" pitchFamily="18" charset="0"/>
+                <a:cs typeface="Times New Roman" panose="02020603050405020304" pitchFamily="18" charset="0"/>
+              </a:rPr>
+              <a:t>(</a:t>
+            </a:r>
+            <a:r>
+              <a:rPr lang="en-US" sz="2000" i="1" baseline="30000" dirty="0" err="1">
+                <a:latin typeface="Times New Roman" panose="02020603050405020304" pitchFamily="18" charset="0"/>
+                <a:cs typeface="Times New Roman" panose="02020603050405020304" pitchFamily="18" charset="0"/>
+              </a:rPr>
+              <a:t>i</a:t>
+            </a:r>
+            <a:r>
+              <a:rPr lang="en-US" sz="2000" baseline="30000" dirty="0">
+                <a:latin typeface="Times New Roman" panose="02020603050405020304" pitchFamily="18" charset="0"/>
+                <a:cs typeface="Times New Roman" panose="02020603050405020304" pitchFamily="18" charset="0"/>
+              </a:rPr>
+              <a:t>)</a:t>
+            </a:r>
+            <a:r>
+              <a:rPr lang="en-US" sz="2000" dirty="0">
+                <a:latin typeface="Times New Roman" panose="02020603050405020304" pitchFamily="18" charset="0"/>
+                <a:cs typeface="Times New Roman" panose="02020603050405020304" pitchFamily="18" charset="0"/>
+              </a:rPr>
+              <a:t> from a proposal (jumping, transition) distribution:</a:t>
+            </a:r>
+          </a:p>
+        </p:txBody>
+      </p:sp>
+      <p:sp>
+        <p:nvSpPr>
+          <p:cNvPr id="16" name="Rectangle 15">
+            <a:extLst>
+              <a:ext uri="{FF2B5EF4-FFF2-40B4-BE49-F238E27FC236}">
+                <a16:creationId xmlns:a16="http://schemas.microsoft.com/office/drawing/2014/main" id="{A71B02A9-669D-4409-AFA6-1DE626F5D838}"/>
+              </a:ext>
+            </a:extLst>
+          </p:cNvPr>
+          <p:cNvSpPr/>
+          <p:nvPr/>
+        </p:nvSpPr>
+        <p:spPr>
+          <a:xfrm>
+            <a:off x="6371374" y="5421850"/>
+            <a:ext cx="1249060" cy="369332"/>
+          </a:xfrm>
+          <a:prstGeom prst="rect">
+            <a:avLst/>
+          </a:prstGeom>
+        </p:spPr>
+        <p:txBody>
+          <a:bodyPr wrap="none">
+            <a:spAutoFit/>
+          </a:bodyPr>
+          <a:lstStyle/>
+          <a:p>
+            <a:r>
+              <a:rPr lang="en-US" dirty="0">
+                <a:latin typeface="Times New Roman" panose="02020603050405020304" pitchFamily="18" charset="0"/>
+                <a:cs typeface="Times New Roman" panose="02020603050405020304" pitchFamily="18" charset="0"/>
+              </a:rPr>
+              <a:t>(hill-climb)</a:t>
+            </a:r>
+            <a:endParaRPr lang="en-US" dirty="0"/>
+          </a:p>
+        </p:txBody>
+      </p:sp>
+      <p:sp>
+        <p:nvSpPr>
+          <p:cNvPr id="17" name="Rectangle 16">
+            <a:extLst>
+              <a:ext uri="{FF2B5EF4-FFF2-40B4-BE49-F238E27FC236}">
+                <a16:creationId xmlns:a16="http://schemas.microsoft.com/office/drawing/2014/main" id="{3FD8689A-1A72-42E8-B02F-730BD8B7060C}"/>
+              </a:ext>
+            </a:extLst>
+          </p:cNvPr>
+          <p:cNvSpPr/>
+          <p:nvPr/>
+        </p:nvSpPr>
+        <p:spPr>
+          <a:xfrm>
+            <a:off x="5804624" y="6430994"/>
+            <a:ext cx="3198311" cy="369332"/>
+          </a:xfrm>
+          <a:prstGeom prst="rect">
+            <a:avLst/>
+          </a:prstGeom>
+        </p:spPr>
+        <p:txBody>
+          <a:bodyPr wrap="none">
+            <a:spAutoFit/>
+          </a:bodyPr>
+          <a:lstStyle/>
+          <a:p>
+            <a:r>
+              <a:rPr lang="en-US" dirty="0">
+                <a:latin typeface="Times New Roman" panose="02020603050405020304" pitchFamily="18" charset="0"/>
+                <a:cs typeface="Times New Roman" panose="02020603050405020304" pitchFamily="18" charset="0"/>
+              </a:rPr>
+              <a:t>(reverse gear if you win this bet)</a:t>
+            </a:r>
+            <a:endParaRPr lang="en-US" dirty="0"/>
+          </a:p>
+        </p:txBody>
+      </p:sp>
+      <p:pic>
+        <p:nvPicPr>
+          <p:cNvPr id="18" name="Picture 17">
+            <a:extLst>
+              <a:ext uri="{FF2B5EF4-FFF2-40B4-BE49-F238E27FC236}">
+                <a16:creationId xmlns:a16="http://schemas.microsoft.com/office/drawing/2014/main" id="{7D3D9FEC-57E4-431C-B2A9-926101E0864C}"/>
+              </a:ext>
+            </a:extLst>
+          </p:cNvPr>
+          <p:cNvPicPr>
+            <a:picLocks noChangeAspect="1"/>
+          </p:cNvPicPr>
+          <p:nvPr/>
+        </p:nvPicPr>
+        <p:blipFill>
+          <a:blip r:embed="rId6"/>
+          <a:stretch>
+            <a:fillRect/>
+          </a:stretch>
+        </p:blipFill>
+        <p:spPr>
+          <a:xfrm>
+            <a:off x="3441616" y="4519445"/>
+            <a:ext cx="2318233" cy="339042"/>
+          </a:xfrm>
+          <a:prstGeom prst="rect">
+            <a:avLst/>
+          </a:prstGeom>
+        </p:spPr>
+      </p:pic>
     </p:spTree>
     <p:extLst>
       <p:ext uri="{BB962C8B-B14F-4D97-AF65-F5344CB8AC3E}">
@@ -11279,6 +12420,957 @@
   <p:clrMapOvr>
     <a:masterClrMapping/>
   </p:clrMapOvr>
+  <p:timing>
+    <p:tnLst>
+      <p:par>
+        <p:cTn id="1" dur="indefinite" restart="never" nodeType="tmRoot">
+          <p:childTnLst>
+            <p:seq concurrent="1" nextAc="seek">
+              <p:cTn id="2" dur="indefinite" nodeType="mainSeq">
+                <p:childTnLst>
+                  <p:par>
+                    <p:cTn id="3" fill="hold">
+                      <p:stCondLst>
+                        <p:cond delay="indefinite"/>
+                      </p:stCondLst>
+                      <p:childTnLst>
+                        <p:par>
+                          <p:cTn id="4" fill="hold">
+                            <p:stCondLst>
+                              <p:cond delay="0"/>
+                            </p:stCondLst>
+                            <p:childTnLst>
+                              <p:par>
+                                <p:cTn id="5" presetID="2" presetClass="entr" presetSubtype="4" fill="hold" grpId="0" nodeType="clickEffect">
+                                  <p:stCondLst>
+                                    <p:cond delay="0"/>
+                                  </p:stCondLst>
+                                  <p:childTnLst>
+                                    <p:set>
+                                      <p:cBhvr>
+                                        <p:cTn id="6" dur="1" fill="hold">
+                                          <p:stCondLst>
+                                            <p:cond delay="0"/>
+                                          </p:stCondLst>
+                                        </p:cTn>
+                                        <p:tgtEl>
+                                          <p:spTgt spid="6"/>
+                                        </p:tgtEl>
+                                        <p:attrNameLst>
+                                          <p:attrName>style.visibility</p:attrName>
+                                        </p:attrNameLst>
+                                      </p:cBhvr>
+                                      <p:to>
+                                        <p:strVal val="visible"/>
+                                      </p:to>
+                                    </p:set>
+                                    <p:anim calcmode="lin" valueType="num">
+                                      <p:cBhvr additive="base">
+                                        <p:cTn id="7" dur="500" fill="hold"/>
+                                        <p:tgtEl>
+                                          <p:spTgt spid="6"/>
+                                        </p:tgtEl>
+                                        <p:attrNameLst>
+                                          <p:attrName>ppt_x</p:attrName>
+                                        </p:attrNameLst>
+                                      </p:cBhvr>
+                                      <p:tavLst>
+                                        <p:tav tm="0">
+                                          <p:val>
+                                            <p:strVal val="#ppt_x"/>
+                                          </p:val>
+                                        </p:tav>
+                                        <p:tav tm="100000">
+                                          <p:val>
+                                            <p:strVal val="#ppt_x"/>
+                                          </p:val>
+                                        </p:tav>
+                                      </p:tavLst>
+                                    </p:anim>
+                                    <p:anim calcmode="lin" valueType="num">
+                                      <p:cBhvr additive="base">
+                                        <p:cTn id="8" dur="500" fill="hold"/>
+                                        <p:tgtEl>
+                                          <p:spTgt spid="6"/>
+                                        </p:tgtEl>
+                                        <p:attrNameLst>
+                                          <p:attrName>ppt_y</p:attrName>
+                                        </p:attrNameLst>
+                                      </p:cBhvr>
+                                      <p:tavLst>
+                                        <p:tav tm="0">
+                                          <p:val>
+                                            <p:strVal val="1+#ppt_h/2"/>
+                                          </p:val>
+                                        </p:tav>
+                                        <p:tav tm="100000">
+                                          <p:val>
+                                            <p:strVal val="#ppt_y"/>
+                                          </p:val>
+                                        </p:tav>
+                                      </p:tavLst>
+                                    </p:anim>
+                                  </p:childTnLst>
+                                </p:cTn>
+                              </p:par>
+                            </p:childTnLst>
+                          </p:cTn>
+                        </p:par>
+                      </p:childTnLst>
+                    </p:cTn>
+                  </p:par>
+                  <p:par>
+                    <p:cTn id="9" fill="hold">
+                      <p:stCondLst>
+                        <p:cond delay="indefinite"/>
+                      </p:stCondLst>
+                      <p:childTnLst>
+                        <p:par>
+                          <p:cTn id="10" fill="hold">
+                            <p:stCondLst>
+                              <p:cond delay="0"/>
+                            </p:stCondLst>
+                            <p:childTnLst>
+                              <p:par>
+                                <p:cTn id="11" presetID="2" presetClass="entr" presetSubtype="4" fill="hold" grpId="0" nodeType="clickEffect">
+                                  <p:stCondLst>
+                                    <p:cond delay="0"/>
+                                  </p:stCondLst>
+                                  <p:childTnLst>
+                                    <p:set>
+                                      <p:cBhvr>
+                                        <p:cTn id="12" dur="1" fill="hold">
+                                          <p:stCondLst>
+                                            <p:cond delay="0"/>
+                                          </p:stCondLst>
+                                        </p:cTn>
+                                        <p:tgtEl>
+                                          <p:spTgt spid="12"/>
+                                        </p:tgtEl>
+                                        <p:attrNameLst>
+                                          <p:attrName>style.visibility</p:attrName>
+                                        </p:attrNameLst>
+                                      </p:cBhvr>
+                                      <p:to>
+                                        <p:strVal val="visible"/>
+                                      </p:to>
+                                    </p:set>
+                                    <p:anim calcmode="lin" valueType="num">
+                                      <p:cBhvr additive="base">
+                                        <p:cTn id="13" dur="500" fill="hold"/>
+                                        <p:tgtEl>
+                                          <p:spTgt spid="12"/>
+                                        </p:tgtEl>
+                                        <p:attrNameLst>
+                                          <p:attrName>ppt_x</p:attrName>
+                                        </p:attrNameLst>
+                                      </p:cBhvr>
+                                      <p:tavLst>
+                                        <p:tav tm="0">
+                                          <p:val>
+                                            <p:strVal val="#ppt_x"/>
+                                          </p:val>
+                                        </p:tav>
+                                        <p:tav tm="100000">
+                                          <p:val>
+                                            <p:strVal val="#ppt_x"/>
+                                          </p:val>
+                                        </p:tav>
+                                      </p:tavLst>
+                                    </p:anim>
+                                    <p:anim calcmode="lin" valueType="num">
+                                      <p:cBhvr additive="base">
+                                        <p:cTn id="14" dur="500" fill="hold"/>
+                                        <p:tgtEl>
+                                          <p:spTgt spid="12"/>
+                                        </p:tgtEl>
+                                        <p:attrNameLst>
+                                          <p:attrName>ppt_y</p:attrName>
+                                        </p:attrNameLst>
+                                      </p:cBhvr>
+                                      <p:tavLst>
+                                        <p:tav tm="0">
+                                          <p:val>
+                                            <p:strVal val="1+#ppt_h/2"/>
+                                          </p:val>
+                                        </p:tav>
+                                        <p:tav tm="100000">
+                                          <p:val>
+                                            <p:strVal val="#ppt_y"/>
+                                          </p:val>
+                                        </p:tav>
+                                      </p:tavLst>
+                                    </p:anim>
+                                  </p:childTnLst>
+                                </p:cTn>
+                              </p:par>
+                            </p:childTnLst>
+                          </p:cTn>
+                        </p:par>
+                      </p:childTnLst>
+                    </p:cTn>
+                  </p:par>
+                  <p:par>
+                    <p:cTn id="15" fill="hold">
+                      <p:stCondLst>
+                        <p:cond delay="indefinite"/>
+                      </p:stCondLst>
+                      <p:childTnLst>
+                        <p:par>
+                          <p:cTn id="16" fill="hold">
+                            <p:stCondLst>
+                              <p:cond delay="0"/>
+                            </p:stCondLst>
+                            <p:childTnLst>
+                              <p:par>
+                                <p:cTn id="17" presetID="2" presetClass="entr" presetSubtype="4" fill="hold" grpId="0" nodeType="clickEffect">
+                                  <p:stCondLst>
+                                    <p:cond delay="0"/>
+                                  </p:stCondLst>
+                                  <p:childTnLst>
+                                    <p:set>
+                                      <p:cBhvr>
+                                        <p:cTn id="18" dur="1" fill="hold">
+                                          <p:stCondLst>
+                                            <p:cond delay="0"/>
+                                          </p:stCondLst>
+                                        </p:cTn>
+                                        <p:tgtEl>
+                                          <p:spTgt spid="13"/>
+                                        </p:tgtEl>
+                                        <p:attrNameLst>
+                                          <p:attrName>style.visibility</p:attrName>
+                                        </p:attrNameLst>
+                                      </p:cBhvr>
+                                      <p:to>
+                                        <p:strVal val="visible"/>
+                                      </p:to>
+                                    </p:set>
+                                    <p:anim calcmode="lin" valueType="num">
+                                      <p:cBhvr additive="base">
+                                        <p:cTn id="19" dur="500" fill="hold"/>
+                                        <p:tgtEl>
+                                          <p:spTgt spid="13"/>
+                                        </p:tgtEl>
+                                        <p:attrNameLst>
+                                          <p:attrName>ppt_x</p:attrName>
+                                        </p:attrNameLst>
+                                      </p:cBhvr>
+                                      <p:tavLst>
+                                        <p:tav tm="0">
+                                          <p:val>
+                                            <p:strVal val="#ppt_x"/>
+                                          </p:val>
+                                        </p:tav>
+                                        <p:tav tm="100000">
+                                          <p:val>
+                                            <p:strVal val="#ppt_x"/>
+                                          </p:val>
+                                        </p:tav>
+                                      </p:tavLst>
+                                    </p:anim>
+                                    <p:anim calcmode="lin" valueType="num">
+                                      <p:cBhvr additive="base">
+                                        <p:cTn id="20" dur="500" fill="hold"/>
+                                        <p:tgtEl>
+                                          <p:spTgt spid="13"/>
+                                        </p:tgtEl>
+                                        <p:attrNameLst>
+                                          <p:attrName>ppt_y</p:attrName>
+                                        </p:attrNameLst>
+                                      </p:cBhvr>
+                                      <p:tavLst>
+                                        <p:tav tm="0">
+                                          <p:val>
+                                            <p:strVal val="1+#ppt_h/2"/>
+                                          </p:val>
+                                        </p:tav>
+                                        <p:tav tm="100000">
+                                          <p:val>
+                                            <p:strVal val="#ppt_y"/>
+                                          </p:val>
+                                        </p:tav>
+                                      </p:tavLst>
+                                    </p:anim>
+                                  </p:childTnLst>
+                                </p:cTn>
+                              </p:par>
+                            </p:childTnLst>
+                          </p:cTn>
+                        </p:par>
+                      </p:childTnLst>
+                    </p:cTn>
+                  </p:par>
+                  <p:par>
+                    <p:cTn id="21" fill="hold">
+                      <p:stCondLst>
+                        <p:cond delay="indefinite"/>
+                      </p:stCondLst>
+                      <p:childTnLst>
+                        <p:par>
+                          <p:cTn id="22" fill="hold">
+                            <p:stCondLst>
+                              <p:cond delay="0"/>
+                            </p:stCondLst>
+                            <p:childTnLst>
+                              <p:par>
+                                <p:cTn id="23" presetID="2" presetClass="entr" presetSubtype="4" fill="hold" grpId="0" nodeType="clickEffect">
+                                  <p:stCondLst>
+                                    <p:cond delay="0"/>
+                                  </p:stCondLst>
+                                  <p:childTnLst>
+                                    <p:set>
+                                      <p:cBhvr>
+                                        <p:cTn id="24" dur="1" fill="hold">
+                                          <p:stCondLst>
+                                            <p:cond delay="0"/>
+                                          </p:stCondLst>
+                                        </p:cTn>
+                                        <p:tgtEl>
+                                          <p:spTgt spid="15"/>
+                                        </p:tgtEl>
+                                        <p:attrNameLst>
+                                          <p:attrName>style.visibility</p:attrName>
+                                        </p:attrNameLst>
+                                      </p:cBhvr>
+                                      <p:to>
+                                        <p:strVal val="visible"/>
+                                      </p:to>
+                                    </p:set>
+                                    <p:anim calcmode="lin" valueType="num">
+                                      <p:cBhvr additive="base">
+                                        <p:cTn id="25" dur="500" fill="hold"/>
+                                        <p:tgtEl>
+                                          <p:spTgt spid="15"/>
+                                        </p:tgtEl>
+                                        <p:attrNameLst>
+                                          <p:attrName>ppt_x</p:attrName>
+                                        </p:attrNameLst>
+                                      </p:cBhvr>
+                                      <p:tavLst>
+                                        <p:tav tm="0">
+                                          <p:val>
+                                            <p:strVal val="#ppt_x"/>
+                                          </p:val>
+                                        </p:tav>
+                                        <p:tav tm="100000">
+                                          <p:val>
+                                            <p:strVal val="#ppt_x"/>
+                                          </p:val>
+                                        </p:tav>
+                                      </p:tavLst>
+                                    </p:anim>
+                                    <p:anim calcmode="lin" valueType="num">
+                                      <p:cBhvr additive="base">
+                                        <p:cTn id="26" dur="500" fill="hold"/>
+                                        <p:tgtEl>
+                                          <p:spTgt spid="15"/>
+                                        </p:tgtEl>
+                                        <p:attrNameLst>
+                                          <p:attrName>ppt_y</p:attrName>
+                                        </p:attrNameLst>
+                                      </p:cBhvr>
+                                      <p:tavLst>
+                                        <p:tav tm="0">
+                                          <p:val>
+                                            <p:strVal val="1+#ppt_h/2"/>
+                                          </p:val>
+                                        </p:tav>
+                                        <p:tav tm="100000">
+                                          <p:val>
+                                            <p:strVal val="#ppt_y"/>
+                                          </p:val>
+                                        </p:tav>
+                                      </p:tavLst>
+                                    </p:anim>
+                                  </p:childTnLst>
+                                </p:cTn>
+                              </p:par>
+                            </p:childTnLst>
+                          </p:cTn>
+                        </p:par>
+                      </p:childTnLst>
+                    </p:cTn>
+                  </p:par>
+                  <p:par>
+                    <p:cTn id="27" fill="hold">
+                      <p:stCondLst>
+                        <p:cond delay="indefinite"/>
+                      </p:stCondLst>
+                      <p:childTnLst>
+                        <p:par>
+                          <p:cTn id="28" fill="hold">
+                            <p:stCondLst>
+                              <p:cond delay="0"/>
+                            </p:stCondLst>
+                            <p:childTnLst>
+                              <p:par>
+                                <p:cTn id="29" presetID="2" presetClass="entr" presetSubtype="4" fill="hold" grpId="0" nodeType="clickEffect">
+                                  <p:stCondLst>
+                                    <p:cond delay="0"/>
+                                  </p:stCondLst>
+                                  <p:childTnLst>
+                                    <p:set>
+                                      <p:cBhvr>
+                                        <p:cTn id="30" dur="1" fill="hold">
+                                          <p:stCondLst>
+                                            <p:cond delay="0"/>
+                                          </p:stCondLst>
+                                        </p:cTn>
+                                        <p:tgtEl>
+                                          <p:spTgt spid="7"/>
+                                        </p:tgtEl>
+                                        <p:attrNameLst>
+                                          <p:attrName>style.visibility</p:attrName>
+                                        </p:attrNameLst>
+                                      </p:cBhvr>
+                                      <p:to>
+                                        <p:strVal val="visible"/>
+                                      </p:to>
+                                    </p:set>
+                                    <p:anim calcmode="lin" valueType="num">
+                                      <p:cBhvr additive="base">
+                                        <p:cTn id="31" dur="500" fill="hold"/>
+                                        <p:tgtEl>
+                                          <p:spTgt spid="7"/>
+                                        </p:tgtEl>
+                                        <p:attrNameLst>
+                                          <p:attrName>ppt_x</p:attrName>
+                                        </p:attrNameLst>
+                                      </p:cBhvr>
+                                      <p:tavLst>
+                                        <p:tav tm="0">
+                                          <p:val>
+                                            <p:strVal val="#ppt_x"/>
+                                          </p:val>
+                                        </p:tav>
+                                        <p:tav tm="100000">
+                                          <p:val>
+                                            <p:strVal val="#ppt_x"/>
+                                          </p:val>
+                                        </p:tav>
+                                      </p:tavLst>
+                                    </p:anim>
+                                    <p:anim calcmode="lin" valueType="num">
+                                      <p:cBhvr additive="base">
+                                        <p:cTn id="32" dur="500" fill="hold"/>
+                                        <p:tgtEl>
+                                          <p:spTgt spid="7"/>
+                                        </p:tgtEl>
+                                        <p:attrNameLst>
+                                          <p:attrName>ppt_y</p:attrName>
+                                        </p:attrNameLst>
+                                      </p:cBhvr>
+                                      <p:tavLst>
+                                        <p:tav tm="0">
+                                          <p:val>
+                                            <p:strVal val="1+#ppt_h/2"/>
+                                          </p:val>
+                                        </p:tav>
+                                        <p:tav tm="100000">
+                                          <p:val>
+                                            <p:strVal val="#ppt_y"/>
+                                          </p:val>
+                                        </p:tav>
+                                      </p:tavLst>
+                                    </p:anim>
+                                  </p:childTnLst>
+                                </p:cTn>
+                              </p:par>
+                              <p:par>
+                                <p:cTn id="33" presetID="2" presetClass="entr" presetSubtype="4" fill="hold" nodeType="withEffect">
+                                  <p:stCondLst>
+                                    <p:cond delay="0"/>
+                                  </p:stCondLst>
+                                  <p:childTnLst>
+                                    <p:set>
+                                      <p:cBhvr>
+                                        <p:cTn id="34" dur="1" fill="hold">
+                                          <p:stCondLst>
+                                            <p:cond delay="0"/>
+                                          </p:stCondLst>
+                                        </p:cTn>
+                                        <p:tgtEl>
+                                          <p:spTgt spid="8"/>
+                                        </p:tgtEl>
+                                        <p:attrNameLst>
+                                          <p:attrName>style.visibility</p:attrName>
+                                        </p:attrNameLst>
+                                      </p:cBhvr>
+                                      <p:to>
+                                        <p:strVal val="visible"/>
+                                      </p:to>
+                                    </p:set>
+                                    <p:anim calcmode="lin" valueType="num">
+                                      <p:cBhvr additive="base">
+                                        <p:cTn id="35" dur="500" fill="hold"/>
+                                        <p:tgtEl>
+                                          <p:spTgt spid="8"/>
+                                        </p:tgtEl>
+                                        <p:attrNameLst>
+                                          <p:attrName>ppt_x</p:attrName>
+                                        </p:attrNameLst>
+                                      </p:cBhvr>
+                                      <p:tavLst>
+                                        <p:tav tm="0">
+                                          <p:val>
+                                            <p:strVal val="#ppt_x"/>
+                                          </p:val>
+                                        </p:tav>
+                                        <p:tav tm="100000">
+                                          <p:val>
+                                            <p:strVal val="#ppt_x"/>
+                                          </p:val>
+                                        </p:tav>
+                                      </p:tavLst>
+                                    </p:anim>
+                                    <p:anim calcmode="lin" valueType="num">
+                                      <p:cBhvr additive="base">
+                                        <p:cTn id="36" dur="500" fill="hold"/>
+                                        <p:tgtEl>
+                                          <p:spTgt spid="8"/>
+                                        </p:tgtEl>
+                                        <p:attrNameLst>
+                                          <p:attrName>ppt_y</p:attrName>
+                                        </p:attrNameLst>
+                                      </p:cBhvr>
+                                      <p:tavLst>
+                                        <p:tav tm="0">
+                                          <p:val>
+                                            <p:strVal val="1+#ppt_h/2"/>
+                                          </p:val>
+                                        </p:tav>
+                                        <p:tav tm="100000">
+                                          <p:val>
+                                            <p:strVal val="#ppt_y"/>
+                                          </p:val>
+                                        </p:tav>
+                                      </p:tavLst>
+                                    </p:anim>
+                                  </p:childTnLst>
+                                </p:cTn>
+                              </p:par>
+                              <p:par>
+                                <p:cTn id="37" presetID="2" presetClass="entr" presetSubtype="4" fill="hold" nodeType="withEffect">
+                                  <p:stCondLst>
+                                    <p:cond delay="0"/>
+                                  </p:stCondLst>
+                                  <p:childTnLst>
+                                    <p:set>
+                                      <p:cBhvr>
+                                        <p:cTn id="38" dur="1" fill="hold">
+                                          <p:stCondLst>
+                                            <p:cond delay="0"/>
+                                          </p:stCondLst>
+                                        </p:cTn>
+                                        <p:tgtEl>
+                                          <p:spTgt spid="18"/>
+                                        </p:tgtEl>
+                                        <p:attrNameLst>
+                                          <p:attrName>style.visibility</p:attrName>
+                                        </p:attrNameLst>
+                                      </p:cBhvr>
+                                      <p:to>
+                                        <p:strVal val="visible"/>
+                                      </p:to>
+                                    </p:set>
+                                    <p:anim calcmode="lin" valueType="num">
+                                      <p:cBhvr additive="base">
+                                        <p:cTn id="39" dur="500" fill="hold"/>
+                                        <p:tgtEl>
+                                          <p:spTgt spid="18"/>
+                                        </p:tgtEl>
+                                        <p:attrNameLst>
+                                          <p:attrName>ppt_x</p:attrName>
+                                        </p:attrNameLst>
+                                      </p:cBhvr>
+                                      <p:tavLst>
+                                        <p:tav tm="0">
+                                          <p:val>
+                                            <p:strVal val="#ppt_x"/>
+                                          </p:val>
+                                        </p:tav>
+                                        <p:tav tm="100000">
+                                          <p:val>
+                                            <p:strVal val="#ppt_x"/>
+                                          </p:val>
+                                        </p:tav>
+                                      </p:tavLst>
+                                    </p:anim>
+                                    <p:anim calcmode="lin" valueType="num">
+                                      <p:cBhvr additive="base">
+                                        <p:cTn id="40" dur="500" fill="hold"/>
+                                        <p:tgtEl>
+                                          <p:spTgt spid="18"/>
+                                        </p:tgtEl>
+                                        <p:attrNameLst>
+                                          <p:attrName>ppt_y</p:attrName>
+                                        </p:attrNameLst>
+                                      </p:cBhvr>
+                                      <p:tavLst>
+                                        <p:tav tm="0">
+                                          <p:val>
+                                            <p:strVal val="1+#ppt_h/2"/>
+                                          </p:val>
+                                        </p:tav>
+                                        <p:tav tm="100000">
+                                          <p:val>
+                                            <p:strVal val="#ppt_y"/>
+                                          </p:val>
+                                        </p:tav>
+                                      </p:tavLst>
+                                    </p:anim>
+                                  </p:childTnLst>
+                                </p:cTn>
+                              </p:par>
+                              <p:par>
+                                <p:cTn id="41" presetID="2" presetClass="entr" presetSubtype="4" fill="hold" grpId="0" nodeType="withEffect">
+                                  <p:stCondLst>
+                                    <p:cond delay="0"/>
+                                  </p:stCondLst>
+                                  <p:childTnLst>
+                                    <p:set>
+                                      <p:cBhvr>
+                                        <p:cTn id="42" dur="1" fill="hold">
+                                          <p:stCondLst>
+                                            <p:cond delay="0"/>
+                                          </p:stCondLst>
+                                        </p:cTn>
+                                        <p:tgtEl>
+                                          <p:spTgt spid="16"/>
+                                        </p:tgtEl>
+                                        <p:attrNameLst>
+                                          <p:attrName>style.visibility</p:attrName>
+                                        </p:attrNameLst>
+                                      </p:cBhvr>
+                                      <p:to>
+                                        <p:strVal val="visible"/>
+                                      </p:to>
+                                    </p:set>
+                                    <p:anim calcmode="lin" valueType="num">
+                                      <p:cBhvr additive="base">
+                                        <p:cTn id="43" dur="500" fill="hold"/>
+                                        <p:tgtEl>
+                                          <p:spTgt spid="16"/>
+                                        </p:tgtEl>
+                                        <p:attrNameLst>
+                                          <p:attrName>ppt_x</p:attrName>
+                                        </p:attrNameLst>
+                                      </p:cBhvr>
+                                      <p:tavLst>
+                                        <p:tav tm="0">
+                                          <p:val>
+                                            <p:strVal val="#ppt_x"/>
+                                          </p:val>
+                                        </p:tav>
+                                        <p:tav tm="100000">
+                                          <p:val>
+                                            <p:strVal val="#ppt_x"/>
+                                          </p:val>
+                                        </p:tav>
+                                      </p:tavLst>
+                                    </p:anim>
+                                    <p:anim calcmode="lin" valueType="num">
+                                      <p:cBhvr additive="base">
+                                        <p:cTn id="44" dur="500" fill="hold"/>
+                                        <p:tgtEl>
+                                          <p:spTgt spid="16"/>
+                                        </p:tgtEl>
+                                        <p:attrNameLst>
+                                          <p:attrName>ppt_y</p:attrName>
+                                        </p:attrNameLst>
+                                      </p:cBhvr>
+                                      <p:tavLst>
+                                        <p:tav tm="0">
+                                          <p:val>
+                                            <p:strVal val="1+#ppt_h/2"/>
+                                          </p:val>
+                                        </p:tav>
+                                        <p:tav tm="100000">
+                                          <p:val>
+                                            <p:strVal val="#ppt_y"/>
+                                          </p:val>
+                                        </p:tav>
+                                      </p:tavLst>
+                                    </p:anim>
+                                  </p:childTnLst>
+                                </p:cTn>
+                              </p:par>
+                            </p:childTnLst>
+                          </p:cTn>
+                        </p:par>
+                      </p:childTnLst>
+                    </p:cTn>
+                  </p:par>
+                  <p:par>
+                    <p:cTn id="45" fill="hold">
+                      <p:stCondLst>
+                        <p:cond delay="indefinite"/>
+                      </p:stCondLst>
+                      <p:childTnLst>
+                        <p:par>
+                          <p:cTn id="46" fill="hold">
+                            <p:stCondLst>
+                              <p:cond delay="0"/>
+                            </p:stCondLst>
+                            <p:childTnLst>
+                              <p:par>
+                                <p:cTn id="47" presetID="2" presetClass="entr" presetSubtype="4" fill="hold" grpId="0" nodeType="clickEffect">
+                                  <p:stCondLst>
+                                    <p:cond delay="0"/>
+                                  </p:stCondLst>
+                                  <p:childTnLst>
+                                    <p:set>
+                                      <p:cBhvr>
+                                        <p:cTn id="48" dur="1" fill="hold">
+                                          <p:stCondLst>
+                                            <p:cond delay="0"/>
+                                          </p:stCondLst>
+                                        </p:cTn>
+                                        <p:tgtEl>
+                                          <p:spTgt spid="9"/>
+                                        </p:tgtEl>
+                                        <p:attrNameLst>
+                                          <p:attrName>style.visibility</p:attrName>
+                                        </p:attrNameLst>
+                                      </p:cBhvr>
+                                      <p:to>
+                                        <p:strVal val="visible"/>
+                                      </p:to>
+                                    </p:set>
+                                    <p:anim calcmode="lin" valueType="num">
+                                      <p:cBhvr additive="base">
+                                        <p:cTn id="49" dur="500" fill="hold"/>
+                                        <p:tgtEl>
+                                          <p:spTgt spid="9"/>
+                                        </p:tgtEl>
+                                        <p:attrNameLst>
+                                          <p:attrName>ppt_x</p:attrName>
+                                        </p:attrNameLst>
+                                      </p:cBhvr>
+                                      <p:tavLst>
+                                        <p:tav tm="0">
+                                          <p:val>
+                                            <p:strVal val="#ppt_x"/>
+                                          </p:val>
+                                        </p:tav>
+                                        <p:tav tm="100000">
+                                          <p:val>
+                                            <p:strVal val="#ppt_x"/>
+                                          </p:val>
+                                        </p:tav>
+                                      </p:tavLst>
+                                    </p:anim>
+                                    <p:anim calcmode="lin" valueType="num">
+                                      <p:cBhvr additive="base">
+                                        <p:cTn id="50" dur="500" fill="hold"/>
+                                        <p:tgtEl>
+                                          <p:spTgt spid="9"/>
+                                        </p:tgtEl>
+                                        <p:attrNameLst>
+                                          <p:attrName>ppt_y</p:attrName>
+                                        </p:attrNameLst>
+                                      </p:cBhvr>
+                                      <p:tavLst>
+                                        <p:tav tm="0">
+                                          <p:val>
+                                            <p:strVal val="1+#ppt_h/2"/>
+                                          </p:val>
+                                        </p:tav>
+                                        <p:tav tm="100000">
+                                          <p:val>
+                                            <p:strVal val="#ppt_y"/>
+                                          </p:val>
+                                        </p:tav>
+                                      </p:tavLst>
+                                    </p:anim>
+                                  </p:childTnLst>
+                                </p:cTn>
+                              </p:par>
+                              <p:par>
+                                <p:cTn id="51" presetID="2" presetClass="entr" presetSubtype="4" fill="hold" nodeType="withEffect">
+                                  <p:stCondLst>
+                                    <p:cond delay="0"/>
+                                  </p:stCondLst>
+                                  <p:childTnLst>
+                                    <p:set>
+                                      <p:cBhvr>
+                                        <p:cTn id="52" dur="1" fill="hold">
+                                          <p:stCondLst>
+                                            <p:cond delay="0"/>
+                                          </p:stCondLst>
+                                        </p:cTn>
+                                        <p:tgtEl>
+                                          <p:spTgt spid="10"/>
+                                        </p:tgtEl>
+                                        <p:attrNameLst>
+                                          <p:attrName>style.visibility</p:attrName>
+                                        </p:attrNameLst>
+                                      </p:cBhvr>
+                                      <p:to>
+                                        <p:strVal val="visible"/>
+                                      </p:to>
+                                    </p:set>
+                                    <p:anim calcmode="lin" valueType="num">
+                                      <p:cBhvr additive="base">
+                                        <p:cTn id="53" dur="500" fill="hold"/>
+                                        <p:tgtEl>
+                                          <p:spTgt spid="10"/>
+                                        </p:tgtEl>
+                                        <p:attrNameLst>
+                                          <p:attrName>ppt_x</p:attrName>
+                                        </p:attrNameLst>
+                                      </p:cBhvr>
+                                      <p:tavLst>
+                                        <p:tav tm="0">
+                                          <p:val>
+                                            <p:strVal val="#ppt_x"/>
+                                          </p:val>
+                                        </p:tav>
+                                        <p:tav tm="100000">
+                                          <p:val>
+                                            <p:strVal val="#ppt_x"/>
+                                          </p:val>
+                                        </p:tav>
+                                      </p:tavLst>
+                                    </p:anim>
+                                    <p:anim calcmode="lin" valueType="num">
+                                      <p:cBhvr additive="base">
+                                        <p:cTn id="54" dur="500" fill="hold"/>
+                                        <p:tgtEl>
+                                          <p:spTgt spid="10"/>
+                                        </p:tgtEl>
+                                        <p:attrNameLst>
+                                          <p:attrName>ppt_y</p:attrName>
+                                        </p:attrNameLst>
+                                      </p:cBhvr>
+                                      <p:tavLst>
+                                        <p:tav tm="0">
+                                          <p:val>
+                                            <p:strVal val="1+#ppt_h/2"/>
+                                          </p:val>
+                                        </p:tav>
+                                        <p:tav tm="100000">
+                                          <p:val>
+                                            <p:strVal val="#ppt_y"/>
+                                          </p:val>
+                                        </p:tav>
+                                      </p:tavLst>
+                                    </p:anim>
+                                  </p:childTnLst>
+                                </p:cTn>
+                              </p:par>
+                              <p:par>
+                                <p:cTn id="55" presetID="2" presetClass="entr" presetSubtype="4" fill="hold" grpId="0" nodeType="withEffect">
+                                  <p:stCondLst>
+                                    <p:cond delay="0"/>
+                                  </p:stCondLst>
+                                  <p:childTnLst>
+                                    <p:set>
+                                      <p:cBhvr>
+                                        <p:cTn id="56" dur="1" fill="hold">
+                                          <p:stCondLst>
+                                            <p:cond delay="0"/>
+                                          </p:stCondLst>
+                                        </p:cTn>
+                                        <p:tgtEl>
+                                          <p:spTgt spid="17"/>
+                                        </p:tgtEl>
+                                        <p:attrNameLst>
+                                          <p:attrName>style.visibility</p:attrName>
+                                        </p:attrNameLst>
+                                      </p:cBhvr>
+                                      <p:to>
+                                        <p:strVal val="visible"/>
+                                      </p:to>
+                                    </p:set>
+                                    <p:anim calcmode="lin" valueType="num">
+                                      <p:cBhvr additive="base">
+                                        <p:cTn id="57" dur="500" fill="hold"/>
+                                        <p:tgtEl>
+                                          <p:spTgt spid="17"/>
+                                        </p:tgtEl>
+                                        <p:attrNameLst>
+                                          <p:attrName>ppt_x</p:attrName>
+                                        </p:attrNameLst>
+                                      </p:cBhvr>
+                                      <p:tavLst>
+                                        <p:tav tm="0">
+                                          <p:val>
+                                            <p:strVal val="#ppt_x"/>
+                                          </p:val>
+                                        </p:tav>
+                                        <p:tav tm="100000">
+                                          <p:val>
+                                            <p:strVal val="#ppt_x"/>
+                                          </p:val>
+                                        </p:tav>
+                                      </p:tavLst>
+                                    </p:anim>
+                                    <p:anim calcmode="lin" valueType="num">
+                                      <p:cBhvr additive="base">
+                                        <p:cTn id="58" dur="500" fill="hold"/>
+                                        <p:tgtEl>
+                                          <p:spTgt spid="17"/>
+                                        </p:tgtEl>
+                                        <p:attrNameLst>
+                                          <p:attrName>ppt_y</p:attrName>
+                                        </p:attrNameLst>
+                                      </p:cBhvr>
+                                      <p:tavLst>
+                                        <p:tav tm="0">
+                                          <p:val>
+                                            <p:strVal val="1+#ppt_h/2"/>
+                                          </p:val>
+                                        </p:tav>
+                                        <p:tav tm="100000">
+                                          <p:val>
+                                            <p:strVal val="#ppt_y"/>
+                                          </p:val>
+                                        </p:tav>
+                                      </p:tavLst>
+                                    </p:anim>
+                                  </p:childTnLst>
+                                </p:cTn>
+                              </p:par>
+                            </p:childTnLst>
+                          </p:cTn>
+                        </p:par>
+                      </p:childTnLst>
+                    </p:cTn>
+                  </p:par>
+                </p:childTnLst>
+              </p:cTn>
+              <p:prevCondLst>
+                <p:cond evt="onPrev" delay="0">
+                  <p:tgtEl>
+                    <p:sldTgt/>
+                  </p:tgtEl>
+                </p:cond>
+              </p:prevCondLst>
+              <p:nextCondLst>
+                <p:cond evt="onNext" delay="0">
+                  <p:tgtEl>
+                    <p:sldTgt/>
+                  </p:tgtEl>
+                </p:cond>
+              </p:nextCondLst>
+            </p:seq>
+          </p:childTnLst>
+        </p:cTn>
+      </p:par>
+    </p:tnLst>
+    <p:bldLst>
+      <p:bldP spid="6" grpId="0"/>
+      <p:bldP spid="7" grpId="0"/>
+      <p:bldP spid="9" grpId="0"/>
+      <p:bldP spid="12" grpId="0"/>
+      <p:bldP spid="13" grpId="0"/>
+      <p:bldP spid="15" grpId="0"/>
+      <p:bldP spid="16" grpId="0"/>
+      <p:bldP spid="17" grpId="0"/>
+    </p:bldLst>
+  </p:timing>
 </p:sld>
 </file>
 
@@ -11301,10 +13393,10 @@
       </p:grpSpPr>
       <p:pic>
         <p:nvPicPr>
-          <p:cNvPr id="5" name="Picture 2">
+          <p:cNvPr id="4" name="Picture 2">
             <a:extLst>
               <a:ext uri="{FF2B5EF4-FFF2-40B4-BE49-F238E27FC236}">
-                <a16:creationId xmlns:a16="http://schemas.microsoft.com/office/drawing/2014/main" id="{FB6F7370-65E3-4396-A484-925ACC57B4C9}"/>
+                <a16:creationId xmlns:a16="http://schemas.microsoft.com/office/drawing/2014/main" id="{FFBC1EF6-815D-4B55-94DE-F699971923C8}"/>
               </a:ext>
             </a:extLst>
           </p:cNvPr>
@@ -11314,7 +13406,7 @@
           <p:nvPr/>
         </p:nvPicPr>
         <p:blipFill>
-          <a:blip r:embed="rId2" cstate="print"/>
+          <a:blip r:embed="rId3" cstate="print"/>
           <a:srcRect/>
           <a:stretch>
             <a:fillRect/>
@@ -11339,10 +13431,10 @@
       </p:pic>
       <p:sp>
         <p:nvSpPr>
-          <p:cNvPr id="6" name="Rectangle 5">
+          <p:cNvPr id="5" name="Rectangle 4">
             <a:extLst>
               <a:ext uri="{FF2B5EF4-FFF2-40B4-BE49-F238E27FC236}">
-                <a16:creationId xmlns:a16="http://schemas.microsoft.com/office/drawing/2014/main" id="{1F998778-449C-4ABC-A525-D30E5498B5CE}"/>
+                <a16:creationId xmlns:a16="http://schemas.microsoft.com/office/drawing/2014/main" id="{526FA40E-486A-4DDE-A6F6-51215DCBAB37}"/>
               </a:ext>
             </a:extLst>
           </p:cNvPr>
@@ -11400,15 +13492,609 @@
                 </a:solidFill>
                 <a:latin typeface="Times New Roman" pitchFamily="18" charset="0"/>
               </a:rPr>
-              <a:t>Gibbs Sampling</a:t>
+              <a:t>Metropolis-Hastings Algorithm</a:t>
             </a:r>
           </a:p>
         </p:txBody>
       </p:sp>
+      <p:sp>
+        <p:nvSpPr>
+          <p:cNvPr id="6" name="TextBox 5">
+            <a:extLst>
+              <a:ext uri="{FF2B5EF4-FFF2-40B4-BE49-F238E27FC236}">
+                <a16:creationId xmlns:a16="http://schemas.microsoft.com/office/drawing/2014/main" id="{7F05F98A-E0E1-41E5-9F85-2C794BDFCD73}"/>
+              </a:ext>
+            </a:extLst>
+          </p:cNvPr>
+          <p:cNvSpPr txBox="1"/>
+          <p:nvPr/>
+        </p:nvSpPr>
+        <p:spPr>
+          <a:xfrm>
+            <a:off x="255588" y="1360646"/>
+            <a:ext cx="8802566" cy="830997"/>
+          </a:xfrm>
+          <a:prstGeom prst="rect">
+            <a:avLst/>
+          </a:prstGeom>
+          <a:noFill/>
+        </p:spPr>
+        <p:txBody>
+          <a:bodyPr wrap="square" rtlCol="0">
+            <a:spAutoFit/>
+          </a:bodyPr>
+          <a:lstStyle/>
+          <a:p>
+            <a:pPr marL="457200" indent="-457200">
+              <a:buFont typeface="Arial" panose="020B0604020202020204" pitchFamily="34" charset="0"/>
+              <a:buChar char="•"/>
+            </a:pPr>
+            <a:r>
+              <a:rPr lang="en-US" sz="2400" dirty="0">
+                <a:latin typeface="Times New Roman" panose="02020603050405020304" pitchFamily="18" charset="0"/>
+                <a:cs typeface="Times New Roman" panose="02020603050405020304" pitchFamily="18" charset="0"/>
+              </a:rPr>
+              <a:t>Slightly more formally, the basic Metropolis(-Hastings) MCMC algorithm </a:t>
+            </a:r>
+            <a:r>
+              <a:rPr lang="en-US" sz="2400" dirty="0" err="1">
+                <a:latin typeface="Times New Roman" panose="02020603050405020304" pitchFamily="18" charset="0"/>
+                <a:cs typeface="Times New Roman" panose="02020603050405020304" pitchFamily="18" charset="0"/>
+              </a:rPr>
+              <a:t>is</a:t>
+            </a:r>
+            <a:r>
+              <a:rPr lang="en-US" sz="2400" baseline="30000" dirty="0" err="1">
+                <a:latin typeface="Times New Roman" panose="02020603050405020304" pitchFamily="18" charset="0"/>
+                <a:cs typeface="Times New Roman" panose="02020603050405020304" pitchFamily="18" charset="0"/>
+              </a:rPr>
+              <a:t>Calderhead</a:t>
+            </a:r>
+            <a:r>
+              <a:rPr lang="en-US" sz="2400" baseline="30000" dirty="0">
+                <a:latin typeface="Times New Roman" panose="02020603050405020304" pitchFamily="18" charset="0"/>
+                <a:cs typeface="Times New Roman" panose="02020603050405020304" pitchFamily="18" charset="0"/>
+              </a:rPr>
+              <a:t>: http://events.csml.ucl.ac.uk/userdata/lunch_talks/2012_11_23_bc.pdf </a:t>
+            </a:r>
+            <a:endParaRPr lang="en-US" sz="2400" dirty="0">
+              <a:latin typeface="Times New Roman" panose="02020603050405020304" pitchFamily="18" charset="0"/>
+              <a:cs typeface="Times New Roman" panose="02020603050405020304" pitchFamily="18" charset="0"/>
+            </a:endParaRPr>
+          </a:p>
+        </p:txBody>
+      </p:sp>
+      <p:sp>
+        <p:nvSpPr>
+          <p:cNvPr id="11" name="TextBox 10">
+            <a:extLst>
+              <a:ext uri="{FF2B5EF4-FFF2-40B4-BE49-F238E27FC236}">
+                <a16:creationId xmlns:a16="http://schemas.microsoft.com/office/drawing/2014/main" id="{08EB5EDE-CBA7-42A6-BB6A-1BEE8DC38B8C}"/>
+              </a:ext>
+            </a:extLst>
+          </p:cNvPr>
+          <p:cNvSpPr txBox="1"/>
+          <p:nvPr/>
+        </p:nvSpPr>
+        <p:spPr>
+          <a:xfrm>
+            <a:off x="278167" y="2278456"/>
+            <a:ext cx="8690291" cy="1631216"/>
+          </a:xfrm>
+          <a:prstGeom prst="rect">
+            <a:avLst/>
+          </a:prstGeom>
+          <a:noFill/>
+        </p:spPr>
+        <p:txBody>
+          <a:bodyPr wrap="square" rtlCol="0">
+            <a:spAutoFit/>
+          </a:bodyPr>
+          <a:lstStyle/>
+          <a:p>
+            <a:pPr marL="914400" lvl="1" indent="-457200">
+              <a:buFont typeface="+mj-lt"/>
+              <a:buAutoNum type="arabicPeriod"/>
+            </a:pPr>
+            <a:r>
+              <a:rPr lang="en-US" sz="2000" dirty="0">
+                <a:latin typeface="Times New Roman" panose="02020603050405020304" pitchFamily="18" charset="0"/>
+                <a:cs typeface="Times New Roman" panose="02020603050405020304" pitchFamily="18" charset="0"/>
+              </a:rPr>
+              <a:t>Given current state </a:t>
+            </a:r>
+            <a:r>
+              <a:rPr lang="en-US" sz="2000" b="1" i="1" dirty="0">
+                <a:latin typeface="Symbol" panose="05050102010706020507" pitchFamily="18" charset="2"/>
+                <a:cs typeface="Times New Roman" panose="02020603050405020304" pitchFamily="18" charset="0"/>
+              </a:rPr>
+              <a:t>q</a:t>
+            </a:r>
+            <a:r>
+              <a:rPr lang="en-US" sz="2000" dirty="0">
+                <a:latin typeface="Times New Roman" panose="02020603050405020304" pitchFamily="18" charset="0"/>
+                <a:cs typeface="Times New Roman" panose="02020603050405020304" pitchFamily="18" charset="0"/>
+              </a:rPr>
+              <a:t>  draw proposed state </a:t>
+            </a:r>
+            <a:r>
+              <a:rPr lang="en-US" sz="2000" b="1" i="1" dirty="0">
+                <a:latin typeface="Symbol" panose="05050102010706020507" pitchFamily="18" charset="2"/>
+                <a:cs typeface="Times New Roman" panose="02020603050405020304" pitchFamily="18" charset="0"/>
+              </a:rPr>
+              <a:t>q </a:t>
+            </a:r>
+            <a:r>
+              <a:rPr lang="en-US" sz="2000" i="1" baseline="30000" dirty="0">
+                <a:latin typeface="Times New Roman" panose="02020603050405020304" pitchFamily="18" charset="0"/>
+                <a:cs typeface="Times New Roman" panose="02020603050405020304" pitchFamily="18" charset="0"/>
+              </a:rPr>
+              <a:t>*</a:t>
+            </a:r>
+            <a:r>
+              <a:rPr lang="en-US" sz="2000" dirty="0">
+                <a:latin typeface="Times New Roman" panose="02020603050405020304" pitchFamily="18" charset="0"/>
+                <a:cs typeface="Times New Roman" panose="02020603050405020304" pitchFamily="18" charset="0"/>
+              </a:rPr>
+              <a:t> from the transition density (TD)  </a:t>
+            </a:r>
+            <a:r>
+              <a:rPr lang="en-US" sz="2000" i="1" dirty="0">
+                <a:latin typeface="Times New Roman" panose="02020603050405020304" pitchFamily="18" charset="0"/>
+                <a:cs typeface="Times New Roman" panose="02020603050405020304" pitchFamily="18" charset="0"/>
+              </a:rPr>
+              <a:t>T</a:t>
+            </a:r>
+            <a:r>
+              <a:rPr lang="en-US" sz="2000" dirty="0">
+                <a:latin typeface="Times New Roman" panose="02020603050405020304" pitchFamily="18" charset="0"/>
+                <a:cs typeface="Times New Roman" panose="02020603050405020304" pitchFamily="18" charset="0"/>
+              </a:rPr>
+              <a:t>(</a:t>
+            </a:r>
+            <a:r>
+              <a:rPr lang="en-US" sz="2000" b="1" i="1" dirty="0">
+                <a:latin typeface="Symbol" panose="05050102010706020507" pitchFamily="18" charset="2"/>
+                <a:cs typeface="Times New Roman" panose="02020603050405020304" pitchFamily="18" charset="0"/>
+              </a:rPr>
+              <a:t>q </a:t>
+            </a:r>
+            <a:r>
+              <a:rPr lang="en-US" sz="2000" i="1" baseline="30000" dirty="0">
+                <a:latin typeface="Times New Roman" panose="02020603050405020304" pitchFamily="18" charset="0"/>
+                <a:cs typeface="Times New Roman" panose="02020603050405020304" pitchFamily="18" charset="0"/>
+              </a:rPr>
+              <a:t>*</a:t>
+            </a:r>
+            <a:r>
+              <a:rPr lang="en-US" sz="2000" dirty="0">
+                <a:latin typeface="Times New Roman" panose="02020603050405020304" pitchFamily="18" charset="0"/>
+                <a:cs typeface="Times New Roman" panose="02020603050405020304" pitchFamily="18" charset="0"/>
+              </a:rPr>
+              <a:t> | </a:t>
+            </a:r>
+            <a:r>
+              <a:rPr lang="en-US" sz="2000" b="1" i="1" dirty="0">
+                <a:latin typeface="Symbol" panose="05050102010706020507" pitchFamily="18" charset="2"/>
+                <a:cs typeface="Times New Roman" panose="02020603050405020304" pitchFamily="18" charset="0"/>
+              </a:rPr>
+              <a:t>q </a:t>
+            </a:r>
+            <a:r>
+              <a:rPr lang="en-US" sz="2000" dirty="0">
+                <a:latin typeface="Times New Roman" panose="02020603050405020304" pitchFamily="18" charset="0"/>
+                <a:cs typeface="Times New Roman" panose="02020603050405020304" pitchFamily="18" charset="0"/>
+              </a:rPr>
+              <a:t>)</a:t>
+            </a:r>
+          </a:p>
+          <a:p>
+            <a:pPr marL="1371600" lvl="2" indent="-457200">
+              <a:buFont typeface="Arial" panose="020B0604020202020204" pitchFamily="34" charset="0"/>
+              <a:buChar char="•"/>
+            </a:pPr>
+            <a:r>
+              <a:rPr lang="en-US" sz="2000" dirty="0">
+                <a:latin typeface="Times New Roman" panose="02020603050405020304" pitchFamily="18" charset="0"/>
+                <a:cs typeface="Times New Roman" panose="02020603050405020304" pitchFamily="18" charset="0"/>
+              </a:rPr>
+              <a:t>Note: if TD is symmetric: </a:t>
+            </a:r>
+            <a:r>
+              <a:rPr lang="en-US" sz="2000" i="1" dirty="0">
+                <a:latin typeface="Times New Roman" panose="02020603050405020304" pitchFamily="18" charset="0"/>
+                <a:cs typeface="Times New Roman" panose="02020603050405020304" pitchFamily="18" charset="0"/>
+              </a:rPr>
+              <a:t>T</a:t>
+            </a:r>
+            <a:r>
+              <a:rPr lang="en-US" sz="2000" dirty="0">
+                <a:latin typeface="Times New Roman" panose="02020603050405020304" pitchFamily="18" charset="0"/>
+                <a:cs typeface="Times New Roman" panose="02020603050405020304" pitchFamily="18" charset="0"/>
+              </a:rPr>
+              <a:t>(</a:t>
+            </a:r>
+            <a:r>
+              <a:rPr lang="en-US" sz="2000" b="1" i="1" dirty="0">
+                <a:latin typeface="Symbol" panose="05050102010706020507" pitchFamily="18" charset="2"/>
+                <a:cs typeface="Times New Roman" panose="02020603050405020304" pitchFamily="18" charset="0"/>
+              </a:rPr>
+              <a:t>q </a:t>
+            </a:r>
+            <a:r>
+              <a:rPr lang="en-US" sz="2000" i="1" baseline="30000" dirty="0">
+                <a:latin typeface="Times New Roman" panose="02020603050405020304" pitchFamily="18" charset="0"/>
+                <a:cs typeface="Times New Roman" panose="02020603050405020304" pitchFamily="18" charset="0"/>
+              </a:rPr>
+              <a:t>*</a:t>
+            </a:r>
+            <a:r>
+              <a:rPr lang="en-US" sz="2000" dirty="0">
+                <a:latin typeface="Times New Roman" panose="02020603050405020304" pitchFamily="18" charset="0"/>
+                <a:cs typeface="Times New Roman" panose="02020603050405020304" pitchFamily="18" charset="0"/>
+              </a:rPr>
+              <a:t> | </a:t>
+            </a:r>
+            <a:r>
+              <a:rPr lang="en-US" sz="2000" b="1" i="1" dirty="0">
+                <a:latin typeface="Symbol" panose="05050102010706020507" pitchFamily="18" charset="2"/>
+                <a:cs typeface="Times New Roman" panose="02020603050405020304" pitchFamily="18" charset="0"/>
+              </a:rPr>
+              <a:t>q </a:t>
+            </a:r>
+            <a:r>
+              <a:rPr lang="en-US" sz="2000" dirty="0">
+                <a:latin typeface="Times New Roman" panose="02020603050405020304" pitchFamily="18" charset="0"/>
+                <a:cs typeface="Times New Roman" panose="02020603050405020304" pitchFamily="18" charset="0"/>
+              </a:rPr>
+              <a:t>) = </a:t>
+            </a:r>
+            <a:r>
+              <a:rPr lang="en-US" sz="2000" i="1" dirty="0">
+                <a:latin typeface="Times New Roman" panose="02020603050405020304" pitchFamily="18" charset="0"/>
+                <a:cs typeface="Times New Roman" panose="02020603050405020304" pitchFamily="18" charset="0"/>
+              </a:rPr>
+              <a:t>T</a:t>
+            </a:r>
+            <a:r>
+              <a:rPr lang="en-US" sz="2000" dirty="0">
+                <a:latin typeface="Times New Roman" panose="02020603050405020304" pitchFamily="18" charset="0"/>
+                <a:cs typeface="Times New Roman" panose="02020603050405020304" pitchFamily="18" charset="0"/>
+              </a:rPr>
+              <a:t>(</a:t>
+            </a:r>
+            <a:r>
+              <a:rPr lang="en-US" sz="2000" b="1" i="1" dirty="0">
+                <a:latin typeface="Symbol" panose="05050102010706020507" pitchFamily="18" charset="2"/>
+                <a:cs typeface="Times New Roman" panose="02020603050405020304" pitchFamily="18" charset="0"/>
+              </a:rPr>
+              <a:t>q </a:t>
+            </a:r>
+            <a:r>
+              <a:rPr lang="en-US" sz="2000" i="1" dirty="0">
+                <a:latin typeface="Symbol" panose="05050102010706020507" pitchFamily="18" charset="2"/>
+                <a:cs typeface="Times New Roman" panose="02020603050405020304" pitchFamily="18" charset="0"/>
+              </a:rPr>
+              <a:t> </a:t>
+            </a:r>
+            <a:r>
+              <a:rPr lang="en-US" sz="2000" dirty="0">
+                <a:latin typeface="Symbol" panose="05050102010706020507" pitchFamily="18" charset="2"/>
+                <a:cs typeface="Times New Roman" panose="02020603050405020304" pitchFamily="18" charset="0"/>
+              </a:rPr>
+              <a:t>|</a:t>
+            </a:r>
+            <a:r>
+              <a:rPr lang="en-US" sz="2000" dirty="0">
+                <a:latin typeface="Times New Roman" panose="02020603050405020304" pitchFamily="18" charset="0"/>
+                <a:cs typeface="Times New Roman" panose="02020603050405020304" pitchFamily="18" charset="0"/>
+              </a:rPr>
+              <a:t> </a:t>
+            </a:r>
+            <a:r>
+              <a:rPr lang="en-US" sz="2000" b="1" i="1" dirty="0">
+                <a:latin typeface="Symbol" panose="05050102010706020507" pitchFamily="18" charset="2"/>
+                <a:cs typeface="Times New Roman" panose="02020603050405020304" pitchFamily="18" charset="0"/>
+              </a:rPr>
+              <a:t>q </a:t>
+            </a:r>
+            <a:r>
+              <a:rPr lang="en-US" sz="2000" i="1" baseline="30000" dirty="0">
+                <a:latin typeface="Times New Roman" panose="02020603050405020304" pitchFamily="18" charset="0"/>
+                <a:cs typeface="Times New Roman" panose="02020603050405020304" pitchFamily="18" charset="0"/>
+              </a:rPr>
+              <a:t>*</a:t>
+            </a:r>
+            <a:r>
+              <a:rPr lang="en-US" sz="2000" dirty="0">
+                <a:latin typeface="Times New Roman" panose="02020603050405020304" pitchFamily="18" charset="0"/>
+                <a:cs typeface="Times New Roman" panose="02020603050405020304" pitchFamily="18" charset="0"/>
+              </a:rPr>
+              <a:t>)</a:t>
+            </a:r>
+          </a:p>
+          <a:p>
+            <a:pPr lvl="2"/>
+            <a:endParaRPr lang="en-US" sz="2000" dirty="0">
+              <a:latin typeface="Times New Roman" panose="02020603050405020304" pitchFamily="18" charset="0"/>
+              <a:cs typeface="Times New Roman" panose="02020603050405020304" pitchFamily="18" charset="0"/>
+            </a:endParaRPr>
+          </a:p>
+          <a:p>
+            <a:pPr marL="914400" lvl="1" indent="-457200">
+              <a:buFont typeface="+mj-lt"/>
+              <a:buAutoNum type="arabicPeriod"/>
+            </a:pPr>
+            <a:r>
+              <a:rPr lang="en-US" sz="2000" dirty="0">
+                <a:latin typeface="Times New Roman" panose="02020603050405020304" pitchFamily="18" charset="0"/>
+                <a:cs typeface="Times New Roman" panose="02020603050405020304" pitchFamily="18" charset="0"/>
+              </a:rPr>
+              <a:t>Calculate the acceptance ratio:</a:t>
+            </a:r>
+          </a:p>
+        </p:txBody>
+      </p:sp>
+      <p:pic>
+        <p:nvPicPr>
+          <p:cNvPr id="14" name="Picture 13">
+            <a:extLst>
+              <a:ext uri="{FF2B5EF4-FFF2-40B4-BE49-F238E27FC236}">
+                <a16:creationId xmlns:a16="http://schemas.microsoft.com/office/drawing/2014/main" id="{ACF4FEF8-7A29-402C-9662-EF83EE063A2C}"/>
+              </a:ext>
+            </a:extLst>
+          </p:cNvPr>
+          <p:cNvPicPr>
+            <a:picLocks noChangeAspect="1"/>
+          </p:cNvPicPr>
+          <p:nvPr/>
+        </p:nvPicPr>
+        <p:blipFill>
+          <a:blip r:embed="rId4"/>
+          <a:stretch>
+            <a:fillRect/>
+          </a:stretch>
+        </p:blipFill>
+        <p:spPr>
+          <a:xfrm>
+            <a:off x="2316480" y="3917308"/>
+            <a:ext cx="4084320" cy="833534"/>
+          </a:xfrm>
+          <a:prstGeom prst="rect">
+            <a:avLst/>
+          </a:prstGeom>
+        </p:spPr>
+      </p:pic>
+      <p:sp>
+        <p:nvSpPr>
+          <p:cNvPr id="16" name="TextBox 15">
+            <a:extLst>
+              <a:ext uri="{FF2B5EF4-FFF2-40B4-BE49-F238E27FC236}">
+                <a16:creationId xmlns:a16="http://schemas.microsoft.com/office/drawing/2014/main" id="{0F715A18-7D62-4A93-96D1-F0A5D0F09BFD}"/>
+              </a:ext>
+            </a:extLst>
+          </p:cNvPr>
+          <p:cNvSpPr txBox="1"/>
+          <p:nvPr/>
+        </p:nvSpPr>
+        <p:spPr>
+          <a:xfrm>
+            <a:off x="367863" y="5079474"/>
+            <a:ext cx="8690291" cy="1323439"/>
+          </a:xfrm>
+          <a:prstGeom prst="rect">
+            <a:avLst/>
+          </a:prstGeom>
+          <a:noFill/>
+        </p:spPr>
+        <p:txBody>
+          <a:bodyPr wrap="square" rtlCol="0">
+            <a:spAutoFit/>
+          </a:bodyPr>
+          <a:lstStyle/>
+          <a:p>
+            <a:pPr marL="914400" lvl="1" indent="-457200">
+              <a:buFont typeface="+mj-lt"/>
+              <a:buAutoNum type="arabicPeriod" startAt="3"/>
+            </a:pPr>
+            <a:r>
+              <a:rPr lang="en-US" sz="2000" dirty="0">
+                <a:latin typeface="Times New Roman" panose="02020603050405020304" pitchFamily="18" charset="0"/>
+                <a:cs typeface="Times New Roman" panose="02020603050405020304" pitchFamily="18" charset="0"/>
+              </a:rPr>
+              <a:t>Draw </a:t>
+            </a:r>
+            <a:r>
+              <a:rPr lang="en-US" sz="2000" i="1" dirty="0">
+                <a:latin typeface="Times New Roman" panose="02020603050405020304" pitchFamily="18" charset="0"/>
+                <a:cs typeface="Times New Roman" panose="02020603050405020304" pitchFamily="18" charset="0"/>
+              </a:rPr>
+              <a:t>U</a:t>
+            </a:r>
+            <a:r>
+              <a:rPr lang="en-US" sz="2000" dirty="0">
+                <a:latin typeface="Times New Roman" panose="02020603050405020304" pitchFamily="18" charset="0"/>
+                <a:cs typeface="Times New Roman" panose="02020603050405020304" pitchFamily="18" charset="0"/>
+              </a:rPr>
+              <a:t> ~ Uniform(0,1)</a:t>
+            </a:r>
+          </a:p>
+          <a:p>
+            <a:pPr lvl="1"/>
+            <a:endParaRPr lang="en-US" sz="2000" dirty="0">
+              <a:latin typeface="Times New Roman" panose="02020603050405020304" pitchFamily="18" charset="0"/>
+              <a:cs typeface="Times New Roman" panose="02020603050405020304" pitchFamily="18" charset="0"/>
+            </a:endParaRPr>
+          </a:p>
+          <a:p>
+            <a:pPr lvl="1"/>
+            <a:endParaRPr lang="en-US" sz="2000" dirty="0">
+              <a:latin typeface="Times New Roman" panose="02020603050405020304" pitchFamily="18" charset="0"/>
+              <a:cs typeface="Times New Roman" panose="02020603050405020304" pitchFamily="18" charset="0"/>
+            </a:endParaRPr>
+          </a:p>
+          <a:p>
+            <a:pPr marL="914400" lvl="1" indent="-457200">
+              <a:buFont typeface="+mj-lt"/>
+              <a:buAutoNum type="arabicPeriod" startAt="4"/>
+            </a:pPr>
+            <a:r>
+              <a:rPr lang="en-US" sz="2000" dirty="0">
+                <a:latin typeface="Times New Roman" panose="02020603050405020304" pitchFamily="18" charset="0"/>
+                <a:cs typeface="Times New Roman" panose="02020603050405020304" pitchFamily="18" charset="0"/>
+              </a:rPr>
+              <a:t>Let:</a:t>
+            </a:r>
+          </a:p>
+        </p:txBody>
+      </p:sp>
+      <p:sp>
+        <p:nvSpPr>
+          <p:cNvPr id="17" name="Left Brace 16">
+            <a:extLst>
+              <a:ext uri="{FF2B5EF4-FFF2-40B4-BE49-F238E27FC236}">
+                <a16:creationId xmlns:a16="http://schemas.microsoft.com/office/drawing/2014/main" id="{CFB8E664-2FB6-4669-A2ED-4CC0A998601A}"/>
+              </a:ext>
+            </a:extLst>
+          </p:cNvPr>
+          <p:cNvSpPr/>
+          <p:nvPr/>
+        </p:nvSpPr>
+        <p:spPr>
+          <a:xfrm rot="16200000">
+            <a:off x="5673839" y="4292265"/>
+            <a:ext cx="198837" cy="980773"/>
+          </a:xfrm>
+          <a:prstGeom prst="leftBrace">
+            <a:avLst>
+              <a:gd name="adj1" fmla="val 8333"/>
+              <a:gd name="adj2" fmla="val 46892"/>
+            </a:avLst>
+          </a:prstGeom>
+        </p:spPr>
+        <p:style>
+          <a:lnRef idx="2">
+            <a:schemeClr val="accent1"/>
+          </a:lnRef>
+          <a:fillRef idx="0">
+            <a:schemeClr val="accent1"/>
+          </a:fillRef>
+          <a:effectRef idx="1">
+            <a:schemeClr val="accent1"/>
+          </a:effectRef>
+          <a:fontRef idx="minor">
+            <a:schemeClr val="tx1"/>
+          </a:fontRef>
+        </p:style>
+        <p:txBody>
+          <a:bodyPr rtlCol="0" anchor="ctr"/>
+          <a:lstStyle/>
+          <a:p>
+            <a:pPr algn="ctr"/>
+            <a:endParaRPr lang="en-US"/>
+          </a:p>
+        </p:txBody>
+      </p:sp>
+      <p:sp>
+        <p:nvSpPr>
+          <p:cNvPr id="18" name="Rectangle 17">
+            <a:extLst>
+              <a:ext uri="{FF2B5EF4-FFF2-40B4-BE49-F238E27FC236}">
+                <a16:creationId xmlns:a16="http://schemas.microsoft.com/office/drawing/2014/main" id="{1B1CCB77-CD53-43FE-B241-18EB845BA10F}"/>
+              </a:ext>
+            </a:extLst>
+          </p:cNvPr>
+          <p:cNvSpPr/>
+          <p:nvPr/>
+        </p:nvSpPr>
+        <p:spPr>
+          <a:xfrm>
+            <a:off x="5356408" y="4839955"/>
+            <a:ext cx="3543752" cy="584775"/>
+          </a:xfrm>
+          <a:prstGeom prst="rect">
+            <a:avLst/>
+          </a:prstGeom>
+        </p:spPr>
+        <p:txBody>
+          <a:bodyPr wrap="square">
+            <a:spAutoFit/>
+          </a:bodyPr>
+          <a:lstStyle/>
+          <a:p>
+            <a:r>
+              <a:rPr lang="en-US" sz="1600" dirty="0">
+                <a:latin typeface="Times New Roman" panose="02020603050405020304" pitchFamily="18" charset="0"/>
+                <a:cs typeface="Times New Roman" panose="02020603050405020304" pitchFamily="18" charset="0"/>
+              </a:rPr>
+              <a:t>if TD is </a:t>
+            </a:r>
+            <a:r>
+              <a:rPr lang="en-US" sz="1600" i="1" u="sng" dirty="0">
+                <a:latin typeface="Times New Roman" panose="02020603050405020304" pitchFamily="18" charset="0"/>
+                <a:cs typeface="Times New Roman" panose="02020603050405020304" pitchFamily="18" charset="0"/>
+              </a:rPr>
+              <a:t>not</a:t>
+            </a:r>
+            <a:r>
+              <a:rPr lang="en-US" sz="1600" dirty="0">
+                <a:latin typeface="Times New Roman" panose="02020603050405020304" pitchFamily="18" charset="0"/>
+                <a:cs typeface="Times New Roman" panose="02020603050405020304" pitchFamily="18" charset="0"/>
+              </a:rPr>
+              <a:t> symmetric this appears and </a:t>
+            </a:r>
+            <a:r>
+              <a:rPr lang="en-US" sz="1600" dirty="0" err="1">
+                <a:latin typeface="Times New Roman" panose="02020603050405020304" pitchFamily="18" charset="0"/>
+                <a:cs typeface="Times New Roman" panose="02020603050405020304" pitchFamily="18" charset="0"/>
+              </a:rPr>
+              <a:t>alg</a:t>
+            </a:r>
+            <a:r>
+              <a:rPr lang="en-US" sz="1600" dirty="0">
+                <a:latin typeface="Times New Roman" panose="02020603050405020304" pitchFamily="18" charset="0"/>
+                <a:cs typeface="Times New Roman" panose="02020603050405020304" pitchFamily="18" charset="0"/>
+              </a:rPr>
+              <a:t> called Metropolis-Hastings</a:t>
+            </a:r>
+            <a:endParaRPr lang="en-US" sz="1600" dirty="0"/>
+          </a:p>
+        </p:txBody>
+      </p:sp>
+      <p:pic>
+        <p:nvPicPr>
+          <p:cNvPr id="19" name="Picture 18">
+            <a:extLst>
+              <a:ext uri="{FF2B5EF4-FFF2-40B4-BE49-F238E27FC236}">
+                <a16:creationId xmlns:a16="http://schemas.microsoft.com/office/drawing/2014/main" id="{A19EE69F-ACCA-4167-88ED-E4E9C7248A7C}"/>
+              </a:ext>
+            </a:extLst>
+          </p:cNvPr>
+          <p:cNvPicPr>
+            <a:picLocks noChangeAspect="1"/>
+          </p:cNvPicPr>
+          <p:nvPr/>
+        </p:nvPicPr>
+        <p:blipFill>
+          <a:blip r:embed="rId5"/>
+          <a:stretch>
+            <a:fillRect/>
+          </a:stretch>
+        </p:blipFill>
+        <p:spPr>
+          <a:xfrm>
+            <a:off x="2138882" y="5814918"/>
+            <a:ext cx="2991589" cy="830997"/>
+          </a:xfrm>
+          <a:prstGeom prst="rect">
+            <a:avLst/>
+          </a:prstGeom>
+        </p:spPr>
+      </p:pic>
     </p:spTree>
     <p:extLst>
       <p:ext uri="{BB962C8B-B14F-4D97-AF65-F5344CB8AC3E}">
-        <p14:creationId xmlns:p14="http://schemas.microsoft.com/office/powerpoint/2010/main" val="3269795807"/>
+        <p14:creationId xmlns:p14="http://schemas.microsoft.com/office/powerpoint/2010/main" val="314307370"/>
       </p:ext>
     </p:extLst>
   </p:cSld>
@@ -11673,6 +14359,2702 @@
           <a:chExt cx="0" cy="0"/>
         </a:xfrm>
       </p:grpSpPr>
+      <p:pic>
+        <p:nvPicPr>
+          <p:cNvPr id="4" name="Picture 2">
+            <a:extLst>
+              <a:ext uri="{FF2B5EF4-FFF2-40B4-BE49-F238E27FC236}">
+                <a16:creationId xmlns:a16="http://schemas.microsoft.com/office/drawing/2014/main" id="{FFBC1EF6-815D-4B55-94DE-F699971923C8}"/>
+              </a:ext>
+            </a:extLst>
+          </p:cNvPr>
+          <p:cNvPicPr>
+            <a:picLocks noChangeAspect="1" noChangeArrowheads="1"/>
+          </p:cNvPicPr>
+          <p:nvPr/>
+        </p:nvPicPr>
+        <p:blipFill>
+          <a:blip r:embed="rId3" cstate="print"/>
+          <a:srcRect/>
+          <a:stretch>
+            <a:fillRect/>
+          </a:stretch>
+        </p:blipFill>
+        <p:spPr bwMode="auto">
+          <a:xfrm>
+            <a:off x="484188" y="76200"/>
+            <a:ext cx="8202612" cy="239712"/>
+          </a:xfrm>
+          <a:prstGeom prst="rect">
+            <a:avLst/>
+          </a:prstGeom>
+          <a:noFill/>
+          <a:ln w="9525">
+            <a:noFill/>
+            <a:round/>
+            <a:headEnd/>
+            <a:tailEnd/>
+          </a:ln>
+        </p:spPr>
+      </p:pic>
+      <p:sp>
+        <p:nvSpPr>
+          <p:cNvPr id="5" name="Rectangle 4">
+            <a:extLst>
+              <a:ext uri="{FF2B5EF4-FFF2-40B4-BE49-F238E27FC236}">
+                <a16:creationId xmlns:a16="http://schemas.microsoft.com/office/drawing/2014/main" id="{526FA40E-486A-4DDE-A6F6-51215DCBAB37}"/>
+              </a:ext>
+            </a:extLst>
+          </p:cNvPr>
+          <p:cNvSpPr>
+            <a:spLocks noChangeArrowheads="1"/>
+          </p:cNvSpPr>
+          <p:nvPr/>
+        </p:nvSpPr>
+        <p:spPr bwMode="auto">
+          <a:xfrm>
+            <a:off x="66553" y="291412"/>
+            <a:ext cx="8991601" cy="1127125"/>
+          </a:xfrm>
+          <a:prstGeom prst="rect">
+            <a:avLst/>
+          </a:prstGeom>
+          <a:noFill/>
+          <a:ln w="9525">
+            <a:noFill/>
+            <a:round/>
+            <a:headEnd/>
+            <a:tailEnd/>
+          </a:ln>
+        </p:spPr>
+        <p:txBody>
+          <a:bodyPr lIns="0" tIns="0" rIns="0" bIns="0" anchor="ctr"/>
+          <a:lstStyle/>
+          <a:p>
+            <a:pPr algn="ctr">
+              <a:buClr>
+                <a:srgbClr val="000000"/>
+              </a:buClr>
+              <a:buSzPct val="100000"/>
+              <a:buFont typeface="Times New Roman" pitchFamily="18" charset="0"/>
+              <a:buNone/>
+              <a:tabLst>
+                <a:tab pos="0" algn="l"/>
+                <a:tab pos="914400" algn="l"/>
+                <a:tab pos="1828800" algn="l"/>
+                <a:tab pos="2743200" algn="l"/>
+                <a:tab pos="3657600" algn="l"/>
+                <a:tab pos="4572000" algn="l"/>
+                <a:tab pos="5486400" algn="l"/>
+                <a:tab pos="6400800" algn="l"/>
+                <a:tab pos="7315200" algn="l"/>
+                <a:tab pos="8229600" algn="l"/>
+                <a:tab pos="9144000" algn="l"/>
+                <a:tab pos="10058400" algn="l"/>
+              </a:tabLst>
+            </a:pPr>
+            <a:r>
+              <a:rPr lang="en-GB" sz="4000" dirty="0">
+                <a:solidFill>
+                  <a:srgbClr val="000000"/>
+                </a:solidFill>
+                <a:latin typeface="Times New Roman" pitchFamily="18" charset="0"/>
+              </a:rPr>
+              <a:t>Metropolis-Hastings Algorithm</a:t>
+            </a:r>
+          </a:p>
+        </p:txBody>
+      </p:sp>
+      <p:sp>
+        <p:nvSpPr>
+          <p:cNvPr id="6" name="TextBox 5">
+            <a:extLst>
+              <a:ext uri="{FF2B5EF4-FFF2-40B4-BE49-F238E27FC236}">
+                <a16:creationId xmlns:a16="http://schemas.microsoft.com/office/drawing/2014/main" id="{7F05F98A-E0E1-41E5-9F85-2C794BDFCD73}"/>
+              </a:ext>
+            </a:extLst>
+          </p:cNvPr>
+          <p:cNvSpPr txBox="1"/>
+          <p:nvPr/>
+        </p:nvSpPr>
+        <p:spPr>
+          <a:xfrm>
+            <a:off x="255588" y="1360646"/>
+            <a:ext cx="8690291" cy="461665"/>
+          </a:xfrm>
+          <a:prstGeom prst="rect">
+            <a:avLst/>
+          </a:prstGeom>
+          <a:noFill/>
+        </p:spPr>
+        <p:txBody>
+          <a:bodyPr wrap="square" rtlCol="0">
+            <a:spAutoFit/>
+          </a:bodyPr>
+          <a:lstStyle/>
+          <a:p>
+            <a:pPr marL="457200" indent="-457200">
+              <a:buFont typeface="Arial" panose="020B0604020202020204" pitchFamily="34" charset="0"/>
+              <a:buChar char="•"/>
+            </a:pPr>
+            <a:r>
+              <a:rPr lang="en-US" sz="2400" dirty="0">
+                <a:latin typeface="Times New Roman" panose="02020603050405020304" pitchFamily="18" charset="0"/>
+                <a:cs typeface="Times New Roman" panose="02020603050405020304" pitchFamily="18" charset="0"/>
+              </a:rPr>
+              <a:t>In R this could look something like:</a:t>
+            </a:r>
+          </a:p>
+        </p:txBody>
+      </p:sp>
+      <p:sp>
+        <p:nvSpPr>
+          <p:cNvPr id="7" name="Rectangle 6">
+            <a:extLst>
+              <a:ext uri="{FF2B5EF4-FFF2-40B4-BE49-F238E27FC236}">
+                <a16:creationId xmlns:a16="http://schemas.microsoft.com/office/drawing/2014/main" id="{33DE5304-E3A5-454E-99A1-D6E71FEB136D}"/>
+              </a:ext>
+            </a:extLst>
+          </p:cNvPr>
+          <p:cNvSpPr/>
+          <p:nvPr/>
+        </p:nvSpPr>
+        <p:spPr>
+          <a:xfrm>
+            <a:off x="118425" y="2011681"/>
+            <a:ext cx="8939729" cy="3785652"/>
+          </a:xfrm>
+          <a:prstGeom prst="rect">
+            <a:avLst/>
+          </a:prstGeom>
+          <a:solidFill>
+            <a:srgbClr val="000C78"/>
+          </a:solidFill>
+        </p:spPr>
+        <p:txBody>
+          <a:bodyPr wrap="square">
+            <a:spAutoFit/>
+          </a:bodyPr>
+          <a:lstStyle/>
+          <a:p>
+            <a:r>
+              <a:rPr lang="en-US" sz="1200" dirty="0">
+                <a:solidFill>
+                  <a:srgbClr val="FFFF00"/>
+                </a:solidFill>
+                <a:latin typeface="Courier"/>
+                <a:cs typeface="Courier"/>
+              </a:rPr>
+              <a:t># A port from the nice pedagogical python code by T </a:t>
+            </a:r>
+            <a:r>
+              <a:rPr lang="en-US" sz="1200" dirty="0" err="1">
+                <a:solidFill>
+                  <a:srgbClr val="FFFF00"/>
+                </a:solidFill>
+                <a:latin typeface="Courier"/>
+                <a:cs typeface="Courier"/>
+              </a:rPr>
+              <a:t>Wiecki</a:t>
+            </a:r>
+            <a:r>
+              <a:rPr lang="en-US" sz="1200" dirty="0">
+                <a:solidFill>
+                  <a:srgbClr val="FFFF00"/>
+                </a:solidFill>
+                <a:latin typeface="Courier"/>
+                <a:cs typeface="Courier"/>
+              </a:rPr>
+              <a:t> at</a:t>
+            </a:r>
+          </a:p>
+          <a:p>
+            <a:r>
+              <a:rPr lang="en-US" sz="1200" dirty="0">
+                <a:solidFill>
+                  <a:srgbClr val="FFFF00"/>
+                </a:solidFill>
+                <a:latin typeface="Courier"/>
+                <a:cs typeface="Courier"/>
+              </a:rPr>
+              <a:t># https://twiecki.io/blog/2015/11/10/mcmc-sampling/ </a:t>
+            </a:r>
+          </a:p>
+          <a:p>
+            <a:endParaRPr lang="en-US" sz="1200" dirty="0">
+              <a:solidFill>
+                <a:schemeClr val="bg1"/>
+              </a:solidFill>
+              <a:latin typeface="Courier"/>
+              <a:cs typeface="Courier"/>
+            </a:endParaRPr>
+          </a:p>
+          <a:p>
+            <a:r>
+              <a:rPr lang="en-US" sz="1200" dirty="0">
+                <a:solidFill>
+                  <a:srgbClr val="FFFF00"/>
+                </a:solidFill>
+                <a:latin typeface="Courier"/>
+                <a:cs typeface="Courier"/>
+              </a:rPr>
+              <a:t># next step proposal:</a:t>
+            </a:r>
+          </a:p>
+          <a:p>
+            <a:r>
+              <a:rPr lang="en-US" sz="1200" dirty="0">
+                <a:solidFill>
+                  <a:schemeClr val="bg1"/>
+                </a:solidFill>
+                <a:latin typeface="Courier"/>
+                <a:cs typeface="Courier"/>
+              </a:rPr>
+              <a:t>proposal &lt;- function(</a:t>
+            </a:r>
+            <a:r>
+              <a:rPr lang="en-US" sz="1200" dirty="0" err="1">
+                <a:solidFill>
+                  <a:schemeClr val="bg1"/>
+                </a:solidFill>
+                <a:latin typeface="Courier"/>
+                <a:cs typeface="Courier"/>
+              </a:rPr>
+              <a:t>mu.curr</a:t>
+            </a:r>
+            <a:r>
+              <a:rPr lang="en-US" sz="1200" dirty="0">
+                <a:solidFill>
+                  <a:schemeClr val="bg1"/>
+                </a:solidFill>
+                <a:latin typeface="Courier"/>
+                <a:cs typeface="Courier"/>
+              </a:rPr>
+              <a:t>, </a:t>
+            </a:r>
+            <a:r>
+              <a:rPr lang="en-US" sz="1200" dirty="0" err="1">
+                <a:solidFill>
+                  <a:schemeClr val="bg1"/>
+                </a:solidFill>
+                <a:latin typeface="Courier"/>
+                <a:cs typeface="Courier"/>
+              </a:rPr>
+              <a:t>proposal.wid</a:t>
+            </a:r>
+            <a:r>
+              <a:rPr lang="en-US" sz="1200" dirty="0">
+                <a:solidFill>
+                  <a:schemeClr val="bg1"/>
+                </a:solidFill>
+                <a:latin typeface="Courier"/>
+                <a:cs typeface="Courier"/>
+              </a:rPr>
+              <a:t>){</a:t>
+            </a:r>
+            <a:r>
+              <a:rPr lang="en-US" sz="1200" dirty="0" err="1">
+                <a:solidFill>
+                  <a:schemeClr val="bg1"/>
+                </a:solidFill>
+                <a:latin typeface="Courier"/>
+                <a:cs typeface="Courier"/>
+              </a:rPr>
+              <a:t>rnorm</a:t>
+            </a:r>
+            <a:r>
+              <a:rPr lang="en-US" sz="1200" dirty="0">
+                <a:solidFill>
+                  <a:schemeClr val="bg1"/>
+                </a:solidFill>
+                <a:latin typeface="Courier"/>
+                <a:cs typeface="Courier"/>
+              </a:rPr>
+              <a:t>(n = 1, mean = </a:t>
+            </a:r>
+            <a:r>
+              <a:rPr lang="en-US" sz="1200" dirty="0" err="1">
+                <a:solidFill>
+                  <a:schemeClr val="bg1"/>
+                </a:solidFill>
+                <a:latin typeface="Courier"/>
+                <a:cs typeface="Courier"/>
+              </a:rPr>
+              <a:t>mu.curr</a:t>
+            </a:r>
+            <a:r>
+              <a:rPr lang="en-US" sz="1200" dirty="0">
+                <a:solidFill>
+                  <a:schemeClr val="bg1"/>
+                </a:solidFill>
+                <a:latin typeface="Courier"/>
+                <a:cs typeface="Courier"/>
+              </a:rPr>
+              <a:t>, </a:t>
+            </a:r>
+            <a:r>
+              <a:rPr lang="en-US" sz="1200" dirty="0" err="1">
+                <a:solidFill>
+                  <a:schemeClr val="bg1"/>
+                </a:solidFill>
+                <a:latin typeface="Courier"/>
+                <a:cs typeface="Courier"/>
+              </a:rPr>
+              <a:t>sd</a:t>
+            </a:r>
+            <a:r>
+              <a:rPr lang="en-US" sz="1200" dirty="0">
+                <a:solidFill>
+                  <a:schemeClr val="bg1"/>
+                </a:solidFill>
+                <a:latin typeface="Courier"/>
+                <a:cs typeface="Courier"/>
+              </a:rPr>
+              <a:t> = </a:t>
+            </a:r>
+            <a:r>
+              <a:rPr lang="en-US" sz="1200" dirty="0" err="1">
+                <a:solidFill>
+                  <a:schemeClr val="bg1"/>
+                </a:solidFill>
+                <a:latin typeface="Courier"/>
+                <a:cs typeface="Courier"/>
+              </a:rPr>
+              <a:t>proposal.wid</a:t>
+            </a:r>
+            <a:r>
+              <a:rPr lang="en-US" sz="1200" dirty="0">
+                <a:solidFill>
+                  <a:schemeClr val="bg1"/>
+                </a:solidFill>
+                <a:latin typeface="Courier"/>
+                <a:cs typeface="Courier"/>
+              </a:rPr>
+              <a:t>)}</a:t>
+            </a:r>
+          </a:p>
+          <a:p>
+            <a:endParaRPr lang="en-US" sz="1200" dirty="0">
+              <a:solidFill>
+                <a:schemeClr val="bg1"/>
+              </a:solidFill>
+              <a:latin typeface="Courier"/>
+              <a:cs typeface="Courier"/>
+            </a:endParaRPr>
+          </a:p>
+          <a:p>
+            <a:r>
+              <a:rPr lang="en-US" sz="1200" dirty="0">
+                <a:solidFill>
+                  <a:srgbClr val="FFFF00"/>
+                </a:solidFill>
+                <a:latin typeface="Courier"/>
+                <a:cs typeface="Courier"/>
+              </a:rPr>
+              <a:t># likelihood part of ansatz</a:t>
+            </a:r>
+            <a:r>
+              <a:rPr lang="en-US" sz="1200" dirty="0">
+                <a:solidFill>
+                  <a:schemeClr val="bg1"/>
+                </a:solidFill>
+                <a:latin typeface="Courier"/>
+                <a:cs typeface="Courier"/>
+              </a:rPr>
+              <a:t> </a:t>
+            </a:r>
+          </a:p>
+          <a:p>
+            <a:r>
+              <a:rPr lang="en-US" sz="1200" dirty="0">
+                <a:solidFill>
+                  <a:schemeClr val="bg1"/>
+                </a:solidFill>
+                <a:latin typeface="Courier"/>
+                <a:cs typeface="Courier"/>
+              </a:rPr>
+              <a:t>likelihood  &lt;- function(a.mu, </a:t>
+            </a:r>
+            <a:r>
+              <a:rPr lang="en-US" sz="1200" dirty="0" err="1">
+                <a:solidFill>
+                  <a:schemeClr val="bg1"/>
+                </a:solidFill>
+                <a:latin typeface="Courier"/>
+                <a:cs typeface="Courier"/>
+              </a:rPr>
+              <a:t>dats</a:t>
+            </a:r>
+            <a:r>
+              <a:rPr lang="en-US" sz="1200" dirty="0">
+                <a:solidFill>
+                  <a:schemeClr val="bg1"/>
+                </a:solidFill>
+                <a:latin typeface="Courier"/>
+                <a:cs typeface="Courier"/>
+              </a:rPr>
+              <a:t>){ prod(</a:t>
+            </a:r>
+            <a:r>
+              <a:rPr lang="en-US" sz="1200" dirty="0" err="1">
+                <a:solidFill>
+                  <a:schemeClr val="bg1"/>
+                </a:solidFill>
+                <a:latin typeface="Courier"/>
+                <a:cs typeface="Courier"/>
+              </a:rPr>
+              <a:t>dnorm</a:t>
+            </a:r>
+            <a:r>
+              <a:rPr lang="en-US" sz="1200" dirty="0">
+                <a:solidFill>
+                  <a:schemeClr val="bg1"/>
+                </a:solidFill>
+                <a:latin typeface="Courier"/>
+                <a:cs typeface="Courier"/>
+              </a:rPr>
+              <a:t>(</a:t>
+            </a:r>
+            <a:r>
+              <a:rPr lang="en-US" sz="1200" dirty="0" err="1">
+                <a:solidFill>
+                  <a:schemeClr val="bg1"/>
+                </a:solidFill>
+                <a:latin typeface="Courier"/>
+                <a:cs typeface="Courier"/>
+              </a:rPr>
+              <a:t>dats</a:t>
+            </a:r>
+            <a:r>
+              <a:rPr lang="en-US" sz="1200" dirty="0">
+                <a:solidFill>
+                  <a:schemeClr val="bg1"/>
+                </a:solidFill>
+                <a:latin typeface="Courier"/>
+                <a:cs typeface="Courier"/>
+              </a:rPr>
+              <a:t>, mean = a.mu, </a:t>
+            </a:r>
+            <a:r>
+              <a:rPr lang="en-US" sz="1200" dirty="0" err="1">
+                <a:solidFill>
+                  <a:schemeClr val="bg1"/>
+                </a:solidFill>
+                <a:latin typeface="Courier"/>
+                <a:cs typeface="Courier"/>
+              </a:rPr>
+              <a:t>sd</a:t>
+            </a:r>
+            <a:r>
+              <a:rPr lang="en-US" sz="1200" dirty="0">
+                <a:solidFill>
+                  <a:schemeClr val="bg1"/>
+                </a:solidFill>
+                <a:latin typeface="Courier"/>
+                <a:cs typeface="Courier"/>
+              </a:rPr>
+              <a:t> = 1)) }</a:t>
+            </a:r>
+          </a:p>
+          <a:p>
+            <a:endParaRPr lang="en-US" sz="1200" dirty="0">
+              <a:solidFill>
+                <a:schemeClr val="bg1"/>
+              </a:solidFill>
+              <a:latin typeface="Courier"/>
+              <a:cs typeface="Courier"/>
+            </a:endParaRPr>
+          </a:p>
+          <a:p>
+            <a:r>
+              <a:rPr lang="en-US" sz="1200" dirty="0">
+                <a:solidFill>
+                  <a:srgbClr val="FFFF00"/>
+                </a:solidFill>
+                <a:latin typeface="Courier"/>
+                <a:cs typeface="Courier"/>
+              </a:rPr>
+              <a:t># prior part of ansatz</a:t>
+            </a:r>
+          </a:p>
+          <a:p>
+            <a:r>
+              <a:rPr lang="en-US" sz="1200" dirty="0">
+                <a:solidFill>
+                  <a:schemeClr val="bg1"/>
+                </a:solidFill>
+                <a:latin typeface="Courier"/>
+                <a:cs typeface="Courier"/>
+              </a:rPr>
+              <a:t>prior  &lt;- function(a.mu, </a:t>
+            </a:r>
+            <a:r>
+              <a:rPr lang="en-US" sz="1200" dirty="0" err="1">
+                <a:solidFill>
+                  <a:schemeClr val="bg1"/>
+                </a:solidFill>
+                <a:latin typeface="Courier"/>
+                <a:cs typeface="Courier"/>
+              </a:rPr>
+              <a:t>mu.hyp</a:t>
+            </a:r>
+            <a:r>
+              <a:rPr lang="en-US" sz="1200" dirty="0">
+                <a:solidFill>
+                  <a:schemeClr val="bg1"/>
+                </a:solidFill>
+                <a:latin typeface="Courier"/>
+                <a:cs typeface="Courier"/>
+              </a:rPr>
+              <a:t>, </a:t>
+            </a:r>
+            <a:r>
+              <a:rPr lang="en-US" sz="1200" dirty="0" err="1">
+                <a:solidFill>
+                  <a:schemeClr val="bg1"/>
+                </a:solidFill>
+                <a:latin typeface="Courier"/>
+                <a:cs typeface="Courier"/>
+              </a:rPr>
+              <a:t>sd.hyp</a:t>
+            </a:r>
+            <a:r>
+              <a:rPr lang="en-US" sz="1200" dirty="0">
+                <a:solidFill>
+                  <a:schemeClr val="bg1"/>
+                </a:solidFill>
+                <a:latin typeface="Courier"/>
+                <a:cs typeface="Courier"/>
+              </a:rPr>
+              <a:t>){</a:t>
+            </a:r>
+            <a:r>
+              <a:rPr lang="en-US" sz="1200" dirty="0" err="1">
+                <a:solidFill>
+                  <a:schemeClr val="bg1"/>
+                </a:solidFill>
+                <a:latin typeface="Courier"/>
+                <a:cs typeface="Courier"/>
+              </a:rPr>
+              <a:t>dnorm</a:t>
+            </a:r>
+            <a:r>
+              <a:rPr lang="en-US" sz="1200" dirty="0">
+                <a:solidFill>
+                  <a:schemeClr val="bg1"/>
+                </a:solidFill>
+                <a:latin typeface="Courier"/>
+                <a:cs typeface="Courier"/>
+              </a:rPr>
+              <a:t>(x = a.mu, mean = </a:t>
+            </a:r>
+            <a:r>
+              <a:rPr lang="en-US" sz="1200" dirty="0" err="1">
+                <a:solidFill>
+                  <a:schemeClr val="bg1"/>
+                </a:solidFill>
+                <a:latin typeface="Courier"/>
+                <a:cs typeface="Courier"/>
+              </a:rPr>
+              <a:t>mu.hyp</a:t>
+            </a:r>
+            <a:r>
+              <a:rPr lang="en-US" sz="1200" dirty="0">
+                <a:solidFill>
+                  <a:schemeClr val="bg1"/>
+                </a:solidFill>
+                <a:latin typeface="Courier"/>
+                <a:cs typeface="Courier"/>
+              </a:rPr>
+              <a:t>, </a:t>
+            </a:r>
+            <a:r>
+              <a:rPr lang="en-US" sz="1200" dirty="0" err="1">
+                <a:solidFill>
+                  <a:schemeClr val="bg1"/>
+                </a:solidFill>
+                <a:latin typeface="Courier"/>
+                <a:cs typeface="Courier"/>
+              </a:rPr>
+              <a:t>sd</a:t>
+            </a:r>
+            <a:r>
+              <a:rPr lang="en-US" sz="1200" dirty="0">
+                <a:solidFill>
+                  <a:schemeClr val="bg1"/>
+                </a:solidFill>
+                <a:latin typeface="Courier"/>
+                <a:cs typeface="Courier"/>
+              </a:rPr>
+              <a:t> = </a:t>
+            </a:r>
+            <a:r>
+              <a:rPr lang="en-US" sz="1200" dirty="0" err="1">
+                <a:solidFill>
+                  <a:schemeClr val="bg1"/>
+                </a:solidFill>
+                <a:latin typeface="Courier"/>
+                <a:cs typeface="Courier"/>
+              </a:rPr>
+              <a:t>sd.hyp</a:t>
+            </a:r>
+            <a:r>
+              <a:rPr lang="en-US" sz="1200" dirty="0">
+                <a:solidFill>
+                  <a:schemeClr val="bg1"/>
+                </a:solidFill>
+                <a:latin typeface="Courier"/>
+                <a:cs typeface="Courier"/>
+              </a:rPr>
+              <a:t>)}</a:t>
+            </a:r>
+          </a:p>
+          <a:p>
+            <a:endParaRPr lang="en-US" sz="1200" dirty="0">
+              <a:solidFill>
+                <a:schemeClr val="bg1"/>
+              </a:solidFill>
+              <a:latin typeface="Courier"/>
+              <a:cs typeface="Courier"/>
+            </a:endParaRPr>
+          </a:p>
+          <a:p>
+            <a:r>
+              <a:rPr lang="en-US" sz="1200" dirty="0">
+                <a:solidFill>
+                  <a:srgbClr val="FFFF00"/>
+                </a:solidFill>
+                <a:latin typeface="Courier"/>
+                <a:cs typeface="Courier"/>
+              </a:rPr>
+              <a:t># ansatz (un-normalized posterior "d-function")</a:t>
+            </a:r>
+          </a:p>
+          <a:p>
+            <a:r>
+              <a:rPr lang="en-US" sz="1200" dirty="0">
+                <a:solidFill>
+                  <a:schemeClr val="bg1"/>
+                </a:solidFill>
+                <a:latin typeface="Courier"/>
+                <a:cs typeface="Courier"/>
+              </a:rPr>
+              <a:t>ansatz &lt;- function(a.mu, </a:t>
+            </a:r>
+            <a:r>
+              <a:rPr lang="en-US" sz="1200" dirty="0" err="1">
+                <a:solidFill>
+                  <a:schemeClr val="bg1"/>
+                </a:solidFill>
+                <a:latin typeface="Courier"/>
+                <a:cs typeface="Courier"/>
+              </a:rPr>
+              <a:t>mu.hyp</a:t>
+            </a:r>
+            <a:r>
+              <a:rPr lang="en-US" sz="1200" dirty="0">
+                <a:solidFill>
+                  <a:schemeClr val="bg1"/>
+                </a:solidFill>
+                <a:latin typeface="Courier"/>
+                <a:cs typeface="Courier"/>
+              </a:rPr>
+              <a:t>, </a:t>
+            </a:r>
+            <a:r>
+              <a:rPr lang="en-US" sz="1200" dirty="0" err="1">
+                <a:solidFill>
+                  <a:schemeClr val="bg1"/>
+                </a:solidFill>
+                <a:latin typeface="Courier"/>
+                <a:cs typeface="Courier"/>
+              </a:rPr>
+              <a:t>sd.hyp</a:t>
+            </a:r>
+            <a:r>
+              <a:rPr lang="en-US" sz="1200" dirty="0">
+                <a:solidFill>
+                  <a:schemeClr val="bg1"/>
+                </a:solidFill>
+                <a:latin typeface="Courier"/>
+                <a:cs typeface="Courier"/>
+              </a:rPr>
+              <a:t>, </a:t>
+            </a:r>
+            <a:r>
+              <a:rPr lang="en-US" sz="1200" dirty="0" err="1">
+                <a:solidFill>
+                  <a:schemeClr val="bg1"/>
+                </a:solidFill>
+                <a:latin typeface="Courier"/>
+                <a:cs typeface="Courier"/>
+              </a:rPr>
+              <a:t>dats</a:t>
+            </a:r>
+            <a:r>
+              <a:rPr lang="en-US" sz="1200" dirty="0">
+                <a:solidFill>
+                  <a:schemeClr val="bg1"/>
+                </a:solidFill>
+                <a:latin typeface="Courier"/>
+                <a:cs typeface="Courier"/>
+              </a:rPr>
+              <a:t>){likelihood(a.mu, </a:t>
+            </a:r>
+            <a:r>
+              <a:rPr lang="en-US" sz="1200" dirty="0" err="1">
+                <a:solidFill>
+                  <a:schemeClr val="bg1"/>
+                </a:solidFill>
+                <a:latin typeface="Courier"/>
+                <a:cs typeface="Courier"/>
+              </a:rPr>
+              <a:t>dats</a:t>
+            </a:r>
+            <a:r>
+              <a:rPr lang="en-US" sz="1200" dirty="0">
+                <a:solidFill>
+                  <a:schemeClr val="bg1"/>
+                </a:solidFill>
+                <a:latin typeface="Courier"/>
+                <a:cs typeface="Courier"/>
+              </a:rPr>
+              <a:t>) * </a:t>
+            </a:r>
+          </a:p>
+          <a:p>
+            <a:r>
+              <a:rPr lang="en-US" sz="1200" dirty="0">
+                <a:solidFill>
+                  <a:schemeClr val="bg1"/>
+                </a:solidFill>
+                <a:latin typeface="Courier"/>
+                <a:cs typeface="Courier"/>
+              </a:rPr>
+              <a:t>                                               prior(a.mu, </a:t>
+            </a:r>
+            <a:r>
+              <a:rPr lang="en-US" sz="1200" dirty="0" err="1">
+                <a:solidFill>
+                  <a:schemeClr val="bg1"/>
+                </a:solidFill>
+                <a:latin typeface="Courier"/>
+                <a:cs typeface="Courier"/>
+              </a:rPr>
+              <a:t>mu.hyp</a:t>
+            </a:r>
+            <a:r>
+              <a:rPr lang="en-US" sz="1200" dirty="0">
+                <a:solidFill>
+                  <a:schemeClr val="bg1"/>
+                </a:solidFill>
+                <a:latin typeface="Courier"/>
+                <a:cs typeface="Courier"/>
+              </a:rPr>
+              <a:t>, </a:t>
+            </a:r>
+            <a:r>
+              <a:rPr lang="en-US" sz="1200" dirty="0" err="1">
+                <a:solidFill>
+                  <a:schemeClr val="bg1"/>
+                </a:solidFill>
+                <a:latin typeface="Courier"/>
+                <a:cs typeface="Courier"/>
+              </a:rPr>
+              <a:t>sd.hyp</a:t>
+            </a:r>
+            <a:r>
+              <a:rPr lang="en-US" sz="1200" dirty="0">
+                <a:solidFill>
+                  <a:schemeClr val="bg1"/>
+                </a:solidFill>
+                <a:latin typeface="Courier"/>
+                <a:cs typeface="Courier"/>
+              </a:rPr>
+              <a:t>)}</a:t>
+            </a:r>
+          </a:p>
+          <a:p>
+            <a:endParaRPr lang="en-US" sz="1200" dirty="0">
+              <a:solidFill>
+                <a:schemeClr val="bg1"/>
+              </a:solidFill>
+              <a:latin typeface="Courier"/>
+              <a:cs typeface="Courier"/>
+            </a:endParaRPr>
+          </a:p>
+          <a:p>
+            <a:r>
+              <a:rPr lang="en-US" sz="1200" dirty="0">
+                <a:solidFill>
+                  <a:srgbClr val="FFFF00"/>
+                </a:solidFill>
+                <a:latin typeface="Courier"/>
+                <a:cs typeface="Courier"/>
+              </a:rPr>
+              <a:t># Metropolis (only, not -Hastings) ratio</a:t>
+            </a:r>
+          </a:p>
+          <a:p>
+            <a:r>
+              <a:rPr lang="en-US" sz="1200" dirty="0" err="1">
+                <a:solidFill>
+                  <a:schemeClr val="bg1"/>
+                </a:solidFill>
+                <a:latin typeface="Courier"/>
+                <a:cs typeface="Courier"/>
+              </a:rPr>
+              <a:t>r.metrop</a:t>
+            </a:r>
+            <a:r>
+              <a:rPr lang="en-US" sz="1200" dirty="0">
+                <a:solidFill>
+                  <a:schemeClr val="bg1"/>
+                </a:solidFill>
+                <a:latin typeface="Courier"/>
+                <a:cs typeface="Courier"/>
+              </a:rPr>
+              <a:t> &lt;- function(</a:t>
+            </a:r>
+            <a:r>
+              <a:rPr lang="en-US" sz="1200" dirty="0" err="1">
+                <a:solidFill>
+                  <a:schemeClr val="bg1"/>
+                </a:solidFill>
+                <a:latin typeface="Courier"/>
+                <a:cs typeface="Courier"/>
+              </a:rPr>
+              <a:t>mu.curr</a:t>
+            </a:r>
+            <a:r>
+              <a:rPr lang="en-US" sz="1200" dirty="0">
+                <a:solidFill>
+                  <a:schemeClr val="bg1"/>
+                </a:solidFill>
+                <a:latin typeface="Courier"/>
+                <a:cs typeface="Courier"/>
+              </a:rPr>
+              <a:t>, </a:t>
+            </a:r>
+            <a:r>
+              <a:rPr lang="en-US" sz="1200" dirty="0" err="1">
+                <a:solidFill>
+                  <a:schemeClr val="bg1"/>
+                </a:solidFill>
+                <a:latin typeface="Courier"/>
+                <a:cs typeface="Courier"/>
+              </a:rPr>
+              <a:t>mu.prop</a:t>
+            </a:r>
+            <a:r>
+              <a:rPr lang="en-US" sz="1200" dirty="0">
+                <a:solidFill>
+                  <a:schemeClr val="bg1"/>
+                </a:solidFill>
+                <a:latin typeface="Courier"/>
+                <a:cs typeface="Courier"/>
+              </a:rPr>
+              <a:t>, </a:t>
+            </a:r>
+            <a:r>
+              <a:rPr lang="en-US" sz="1200" dirty="0" err="1">
+                <a:solidFill>
+                  <a:schemeClr val="bg1"/>
+                </a:solidFill>
+                <a:latin typeface="Courier"/>
+                <a:cs typeface="Courier"/>
+              </a:rPr>
+              <a:t>mu.hyp</a:t>
+            </a:r>
+            <a:r>
+              <a:rPr lang="en-US" sz="1200" dirty="0">
+                <a:solidFill>
+                  <a:schemeClr val="bg1"/>
+                </a:solidFill>
+                <a:latin typeface="Courier"/>
+                <a:cs typeface="Courier"/>
+              </a:rPr>
+              <a:t>, </a:t>
+            </a:r>
+            <a:r>
+              <a:rPr lang="en-US" sz="1200" dirty="0" err="1">
+                <a:solidFill>
+                  <a:schemeClr val="bg1"/>
+                </a:solidFill>
+                <a:latin typeface="Courier"/>
+                <a:cs typeface="Courier"/>
+              </a:rPr>
+              <a:t>sd.hyp</a:t>
+            </a:r>
+            <a:r>
+              <a:rPr lang="en-US" sz="1200" dirty="0">
+                <a:solidFill>
+                  <a:schemeClr val="bg1"/>
+                </a:solidFill>
+                <a:latin typeface="Courier"/>
+                <a:cs typeface="Courier"/>
+              </a:rPr>
+              <a:t>, </a:t>
+            </a:r>
+            <a:r>
+              <a:rPr lang="en-US" sz="1200" dirty="0" err="1">
+                <a:solidFill>
+                  <a:schemeClr val="bg1"/>
+                </a:solidFill>
+                <a:latin typeface="Courier"/>
+                <a:cs typeface="Courier"/>
+              </a:rPr>
+              <a:t>dats</a:t>
+            </a:r>
+            <a:r>
+              <a:rPr lang="en-US" sz="1200" dirty="0">
+                <a:solidFill>
+                  <a:schemeClr val="bg1"/>
+                </a:solidFill>
+                <a:latin typeface="Courier"/>
+                <a:cs typeface="Courier"/>
+              </a:rPr>
+              <a:t>){</a:t>
+            </a:r>
+          </a:p>
+          <a:p>
+            <a:r>
+              <a:rPr lang="en-US" sz="1200" dirty="0">
+                <a:solidFill>
+                  <a:schemeClr val="bg1"/>
+                </a:solidFill>
+                <a:latin typeface="Courier"/>
+                <a:cs typeface="Courier"/>
+              </a:rPr>
+              <a:t>  ansatz(</a:t>
+            </a:r>
+            <a:r>
+              <a:rPr lang="en-US" sz="1200" dirty="0" err="1">
+                <a:solidFill>
+                  <a:schemeClr val="bg1"/>
+                </a:solidFill>
+                <a:latin typeface="Courier"/>
+                <a:cs typeface="Courier"/>
+              </a:rPr>
+              <a:t>mu.prop</a:t>
+            </a:r>
+            <a:r>
+              <a:rPr lang="en-US" sz="1200" dirty="0">
+                <a:solidFill>
+                  <a:schemeClr val="bg1"/>
+                </a:solidFill>
+                <a:latin typeface="Courier"/>
+                <a:cs typeface="Courier"/>
+              </a:rPr>
+              <a:t>, </a:t>
+            </a:r>
+            <a:r>
+              <a:rPr lang="en-US" sz="1200" dirty="0" err="1">
+                <a:solidFill>
+                  <a:schemeClr val="bg1"/>
+                </a:solidFill>
+                <a:latin typeface="Courier"/>
+                <a:cs typeface="Courier"/>
+              </a:rPr>
+              <a:t>mu.hyp</a:t>
+            </a:r>
+            <a:r>
+              <a:rPr lang="en-US" sz="1200" dirty="0">
+                <a:solidFill>
+                  <a:schemeClr val="bg1"/>
+                </a:solidFill>
+                <a:latin typeface="Courier"/>
+                <a:cs typeface="Courier"/>
+              </a:rPr>
+              <a:t>, </a:t>
+            </a:r>
+            <a:r>
+              <a:rPr lang="en-US" sz="1200" dirty="0" err="1">
+                <a:solidFill>
+                  <a:schemeClr val="bg1"/>
+                </a:solidFill>
+                <a:latin typeface="Courier"/>
+                <a:cs typeface="Courier"/>
+              </a:rPr>
+              <a:t>sd.hyp</a:t>
+            </a:r>
+            <a:r>
+              <a:rPr lang="en-US" sz="1200" dirty="0">
+                <a:solidFill>
+                  <a:schemeClr val="bg1"/>
+                </a:solidFill>
+                <a:latin typeface="Courier"/>
+                <a:cs typeface="Courier"/>
+              </a:rPr>
+              <a:t>, </a:t>
+            </a:r>
+            <a:r>
+              <a:rPr lang="en-US" sz="1200" dirty="0" err="1">
+                <a:solidFill>
+                  <a:schemeClr val="bg1"/>
+                </a:solidFill>
+                <a:latin typeface="Courier"/>
+                <a:cs typeface="Courier"/>
+              </a:rPr>
+              <a:t>dats</a:t>
+            </a:r>
+            <a:r>
+              <a:rPr lang="en-US" sz="1200" dirty="0">
+                <a:solidFill>
+                  <a:schemeClr val="bg1"/>
+                </a:solidFill>
+                <a:latin typeface="Courier"/>
+                <a:cs typeface="Courier"/>
+              </a:rPr>
+              <a:t>) / ansatz(</a:t>
+            </a:r>
+            <a:r>
+              <a:rPr lang="en-US" sz="1200" dirty="0" err="1">
+                <a:solidFill>
+                  <a:schemeClr val="bg1"/>
+                </a:solidFill>
+                <a:latin typeface="Courier"/>
+                <a:cs typeface="Courier"/>
+              </a:rPr>
+              <a:t>mu.curr</a:t>
+            </a:r>
+            <a:r>
+              <a:rPr lang="en-US" sz="1200" dirty="0">
+                <a:solidFill>
+                  <a:schemeClr val="bg1"/>
+                </a:solidFill>
+                <a:latin typeface="Courier"/>
+                <a:cs typeface="Courier"/>
+              </a:rPr>
+              <a:t>, </a:t>
+            </a:r>
+            <a:r>
+              <a:rPr lang="en-US" sz="1200" dirty="0" err="1">
+                <a:solidFill>
+                  <a:schemeClr val="bg1"/>
+                </a:solidFill>
+                <a:latin typeface="Courier"/>
+                <a:cs typeface="Courier"/>
+              </a:rPr>
+              <a:t>mu.hyp</a:t>
+            </a:r>
+            <a:r>
+              <a:rPr lang="en-US" sz="1200" dirty="0">
+                <a:solidFill>
+                  <a:schemeClr val="bg1"/>
+                </a:solidFill>
+                <a:latin typeface="Courier"/>
+                <a:cs typeface="Courier"/>
+              </a:rPr>
+              <a:t>, </a:t>
+            </a:r>
+            <a:r>
+              <a:rPr lang="en-US" sz="1200" dirty="0" err="1">
+                <a:solidFill>
+                  <a:schemeClr val="bg1"/>
+                </a:solidFill>
+                <a:latin typeface="Courier"/>
+                <a:cs typeface="Courier"/>
+              </a:rPr>
+              <a:t>sd.hyp</a:t>
+            </a:r>
+            <a:r>
+              <a:rPr lang="en-US" sz="1200" dirty="0">
+                <a:solidFill>
+                  <a:schemeClr val="bg1"/>
+                </a:solidFill>
+                <a:latin typeface="Courier"/>
+                <a:cs typeface="Courier"/>
+              </a:rPr>
+              <a:t>, </a:t>
+            </a:r>
+            <a:r>
+              <a:rPr lang="en-US" sz="1200" dirty="0" err="1">
+                <a:solidFill>
+                  <a:schemeClr val="bg1"/>
+                </a:solidFill>
+                <a:latin typeface="Courier"/>
+                <a:cs typeface="Courier"/>
+              </a:rPr>
+              <a:t>dats</a:t>
+            </a:r>
+            <a:r>
+              <a:rPr lang="en-US" sz="1200" dirty="0">
+                <a:solidFill>
+                  <a:schemeClr val="bg1"/>
+                </a:solidFill>
+                <a:latin typeface="Courier"/>
+                <a:cs typeface="Courier"/>
+              </a:rPr>
+              <a:t>)</a:t>
+            </a:r>
+          </a:p>
+          <a:p>
+            <a:r>
+              <a:rPr lang="en-US" sz="1200" dirty="0">
+                <a:solidFill>
+                  <a:schemeClr val="bg1"/>
+                </a:solidFill>
+                <a:latin typeface="Courier"/>
+                <a:cs typeface="Courier"/>
+              </a:rPr>
+              <a:t>} </a:t>
+            </a:r>
+          </a:p>
+        </p:txBody>
+      </p:sp>
+    </p:spTree>
+    <p:extLst>
+      <p:ext uri="{BB962C8B-B14F-4D97-AF65-F5344CB8AC3E}">
+        <p14:creationId xmlns:p14="http://schemas.microsoft.com/office/powerpoint/2010/main" val="1162279722"/>
+      </p:ext>
+    </p:extLst>
+  </p:cSld>
+  <p:clrMapOvr>
+    <a:masterClrMapping/>
+  </p:clrMapOvr>
+</p:sld>
+</file>
+
+<file path=ppt/slides/slide21.xml><?xml version="1.0" encoding="utf-8"?>
+<p:sld xmlns:a="http://schemas.openxmlformats.org/drawingml/2006/main" xmlns:r="http://schemas.openxmlformats.org/officeDocument/2006/relationships" xmlns:p="http://schemas.openxmlformats.org/presentationml/2006/main">
+  <p:cSld>
+    <p:spTree>
+      <p:nvGrpSpPr>
+        <p:cNvPr id="1" name=""/>
+        <p:cNvGrpSpPr/>
+        <p:nvPr/>
+      </p:nvGrpSpPr>
+      <p:grpSpPr>
+        <a:xfrm>
+          <a:off x="0" y="0"/>
+          <a:ext cx="0" cy="0"/>
+          <a:chOff x="0" y="0"/>
+          <a:chExt cx="0" cy="0"/>
+        </a:xfrm>
+      </p:grpSpPr>
+      <p:pic>
+        <p:nvPicPr>
+          <p:cNvPr id="4" name="Picture 2">
+            <a:extLst>
+              <a:ext uri="{FF2B5EF4-FFF2-40B4-BE49-F238E27FC236}">
+                <a16:creationId xmlns:a16="http://schemas.microsoft.com/office/drawing/2014/main" id="{FFBC1EF6-815D-4B55-94DE-F699971923C8}"/>
+              </a:ext>
+            </a:extLst>
+          </p:cNvPr>
+          <p:cNvPicPr>
+            <a:picLocks noChangeAspect="1" noChangeArrowheads="1"/>
+          </p:cNvPicPr>
+          <p:nvPr/>
+        </p:nvPicPr>
+        <p:blipFill>
+          <a:blip r:embed="rId3" cstate="print"/>
+          <a:srcRect/>
+          <a:stretch>
+            <a:fillRect/>
+          </a:stretch>
+        </p:blipFill>
+        <p:spPr bwMode="auto">
+          <a:xfrm>
+            <a:off x="484188" y="76200"/>
+            <a:ext cx="8202612" cy="239712"/>
+          </a:xfrm>
+          <a:prstGeom prst="rect">
+            <a:avLst/>
+          </a:prstGeom>
+          <a:noFill/>
+          <a:ln w="9525">
+            <a:noFill/>
+            <a:round/>
+            <a:headEnd/>
+            <a:tailEnd/>
+          </a:ln>
+        </p:spPr>
+      </p:pic>
+      <p:sp>
+        <p:nvSpPr>
+          <p:cNvPr id="7" name="Rectangle 6">
+            <a:extLst>
+              <a:ext uri="{FF2B5EF4-FFF2-40B4-BE49-F238E27FC236}">
+                <a16:creationId xmlns:a16="http://schemas.microsoft.com/office/drawing/2014/main" id="{33DE5304-E3A5-454E-99A1-D6E71FEB136D}"/>
+              </a:ext>
+            </a:extLst>
+          </p:cNvPr>
+          <p:cNvSpPr/>
+          <p:nvPr/>
+        </p:nvSpPr>
+        <p:spPr>
+          <a:xfrm>
+            <a:off x="118425" y="579121"/>
+            <a:ext cx="8939729" cy="6001643"/>
+          </a:xfrm>
+          <a:prstGeom prst="rect">
+            <a:avLst/>
+          </a:prstGeom>
+          <a:solidFill>
+            <a:srgbClr val="000C78"/>
+          </a:solidFill>
+        </p:spPr>
+        <p:txBody>
+          <a:bodyPr wrap="square">
+            <a:spAutoFit/>
+          </a:bodyPr>
+          <a:lstStyle/>
+          <a:p>
+            <a:r>
+              <a:rPr lang="en-US" sz="1200" dirty="0">
+                <a:solidFill>
+                  <a:srgbClr val="FFFF00"/>
+                </a:solidFill>
+                <a:latin typeface="Courier"/>
+                <a:cs typeface="Courier"/>
+              </a:rPr>
+              <a:t># MCMC routine:</a:t>
+            </a:r>
+          </a:p>
+          <a:p>
+            <a:r>
+              <a:rPr lang="en-US" sz="1200" dirty="0">
+                <a:solidFill>
+                  <a:schemeClr val="bg1"/>
+                </a:solidFill>
+                <a:latin typeface="Courier"/>
+                <a:cs typeface="Courier"/>
+              </a:rPr>
+              <a:t>sampler &lt;- function(</a:t>
+            </a:r>
+            <a:r>
+              <a:rPr lang="en-US" sz="1200" dirty="0" err="1">
+                <a:solidFill>
+                  <a:schemeClr val="bg1"/>
+                </a:solidFill>
+                <a:latin typeface="Courier"/>
+                <a:cs typeface="Courier"/>
+              </a:rPr>
+              <a:t>datav</a:t>
+            </a:r>
+            <a:r>
+              <a:rPr lang="en-US" sz="1200" dirty="0">
+                <a:solidFill>
+                  <a:schemeClr val="bg1"/>
+                </a:solidFill>
+                <a:latin typeface="Courier"/>
+                <a:cs typeface="Courier"/>
+              </a:rPr>
+              <a:t>, </a:t>
+            </a:r>
+            <a:r>
+              <a:rPr lang="en-US" sz="1200" dirty="0" err="1">
+                <a:solidFill>
+                  <a:schemeClr val="bg1"/>
+                </a:solidFill>
+                <a:latin typeface="Courier"/>
+                <a:cs typeface="Courier"/>
+              </a:rPr>
+              <a:t>num.iter</a:t>
+            </a:r>
+            <a:r>
+              <a:rPr lang="en-US" sz="1200" dirty="0">
+                <a:solidFill>
+                  <a:schemeClr val="bg1"/>
+                </a:solidFill>
+                <a:latin typeface="Courier"/>
+                <a:cs typeface="Courier"/>
+              </a:rPr>
+              <a:t>=100, </a:t>
+            </a:r>
+            <a:r>
+              <a:rPr lang="en-US" sz="1200" dirty="0" err="1">
+                <a:solidFill>
+                  <a:schemeClr val="bg1"/>
+                </a:solidFill>
+                <a:latin typeface="Courier"/>
+                <a:cs typeface="Courier"/>
+              </a:rPr>
+              <a:t>mu.init</a:t>
+            </a:r>
+            <a:r>
+              <a:rPr lang="en-US" sz="1200" dirty="0">
+                <a:solidFill>
+                  <a:schemeClr val="bg1"/>
+                </a:solidFill>
+                <a:latin typeface="Courier"/>
+                <a:cs typeface="Courier"/>
+              </a:rPr>
+              <a:t>=.5, </a:t>
+            </a:r>
+          </a:p>
+          <a:p>
+            <a:r>
+              <a:rPr lang="en-US" sz="1200" dirty="0">
+                <a:solidFill>
+                  <a:schemeClr val="bg1"/>
+                </a:solidFill>
+                <a:latin typeface="Courier"/>
+                <a:cs typeface="Courier"/>
+              </a:rPr>
+              <a:t>                    </a:t>
+            </a:r>
+            <a:r>
+              <a:rPr lang="en-US" sz="1200" dirty="0" err="1">
+                <a:solidFill>
+                  <a:schemeClr val="bg1"/>
+                </a:solidFill>
+                <a:latin typeface="Courier"/>
+                <a:cs typeface="Courier"/>
+              </a:rPr>
+              <a:t>proposal.width</a:t>
+            </a:r>
+            <a:r>
+              <a:rPr lang="en-US" sz="1200" dirty="0">
+                <a:solidFill>
+                  <a:schemeClr val="bg1"/>
+                </a:solidFill>
+                <a:latin typeface="Courier"/>
+                <a:cs typeface="Courier"/>
+              </a:rPr>
+              <a:t>=.5, mu.prior.mu=0, mu.prior.sd=1){</a:t>
+            </a:r>
+          </a:p>
+          <a:p>
+            <a:r>
+              <a:rPr lang="en-US" sz="1200" dirty="0">
+                <a:solidFill>
+                  <a:schemeClr val="bg1"/>
+                </a:solidFill>
+                <a:latin typeface="Courier"/>
+                <a:cs typeface="Courier"/>
+              </a:rPr>
+              <a:t>  </a:t>
+            </a:r>
+          </a:p>
+          <a:p>
+            <a:r>
+              <a:rPr lang="en-US" sz="1200" dirty="0">
+                <a:solidFill>
+                  <a:schemeClr val="bg1"/>
+                </a:solidFill>
+                <a:latin typeface="Courier"/>
+                <a:cs typeface="Courier"/>
+              </a:rPr>
+              <a:t>  </a:t>
+            </a:r>
+            <a:r>
+              <a:rPr lang="en-US" sz="1200" dirty="0" err="1">
+                <a:solidFill>
+                  <a:schemeClr val="bg1"/>
+                </a:solidFill>
+                <a:latin typeface="Courier"/>
+                <a:cs typeface="Courier"/>
+              </a:rPr>
+              <a:t>mu.current</a:t>
+            </a:r>
+            <a:r>
+              <a:rPr lang="en-US" sz="1200" dirty="0">
+                <a:solidFill>
+                  <a:schemeClr val="bg1"/>
+                </a:solidFill>
+                <a:latin typeface="Courier"/>
+                <a:cs typeface="Courier"/>
+              </a:rPr>
+              <a:t>          &lt;- </a:t>
+            </a:r>
+            <a:r>
+              <a:rPr lang="en-US" sz="1200" dirty="0" err="1">
+                <a:solidFill>
+                  <a:schemeClr val="bg1"/>
+                </a:solidFill>
+                <a:latin typeface="Courier"/>
+                <a:cs typeface="Courier"/>
+              </a:rPr>
+              <a:t>mu.init</a:t>
+            </a:r>
+            <a:endParaRPr lang="en-US" sz="1200" dirty="0">
+              <a:solidFill>
+                <a:schemeClr val="bg1"/>
+              </a:solidFill>
+              <a:latin typeface="Courier"/>
+              <a:cs typeface="Courier"/>
+            </a:endParaRPr>
+          </a:p>
+          <a:p>
+            <a:r>
+              <a:rPr lang="en-US" sz="1200" dirty="0">
+                <a:solidFill>
+                  <a:schemeClr val="bg1"/>
+                </a:solidFill>
+                <a:latin typeface="Courier"/>
+                <a:cs typeface="Courier"/>
+              </a:rPr>
+              <a:t>  </a:t>
+            </a:r>
+            <a:r>
+              <a:rPr lang="en-US" sz="1200" dirty="0" err="1">
+                <a:solidFill>
+                  <a:schemeClr val="bg1"/>
+                </a:solidFill>
+                <a:latin typeface="Courier"/>
+                <a:cs typeface="Courier"/>
+              </a:rPr>
+              <a:t>posterior.sample</a:t>
+            </a:r>
+            <a:r>
+              <a:rPr lang="en-US" sz="1200" dirty="0">
+                <a:solidFill>
+                  <a:schemeClr val="bg1"/>
+                </a:solidFill>
+                <a:latin typeface="Courier"/>
+                <a:cs typeface="Courier"/>
+              </a:rPr>
+              <a:t>    &lt;- array(</a:t>
+            </a:r>
+            <a:r>
+              <a:rPr lang="en-US" sz="1200" dirty="0" err="1">
+                <a:solidFill>
+                  <a:schemeClr val="bg1"/>
+                </a:solidFill>
+                <a:latin typeface="Courier"/>
+                <a:cs typeface="Courier"/>
+              </a:rPr>
+              <a:t>NA,num.iter</a:t>
+            </a:r>
+            <a:r>
+              <a:rPr lang="en-US" sz="1200" dirty="0">
+                <a:solidFill>
+                  <a:schemeClr val="bg1"/>
+                </a:solidFill>
+                <a:latin typeface="Courier"/>
+                <a:cs typeface="Courier"/>
+              </a:rPr>
+              <a:t>)</a:t>
+            </a:r>
+          </a:p>
+          <a:p>
+            <a:r>
+              <a:rPr lang="en-US" sz="1200" dirty="0">
+                <a:solidFill>
+                  <a:schemeClr val="bg1"/>
+                </a:solidFill>
+                <a:latin typeface="Courier"/>
+                <a:cs typeface="Courier"/>
+              </a:rPr>
+              <a:t>  </a:t>
+            </a:r>
+            <a:r>
+              <a:rPr lang="en-US" sz="1200" dirty="0" err="1">
+                <a:solidFill>
+                  <a:schemeClr val="bg1"/>
+                </a:solidFill>
+                <a:latin typeface="Courier"/>
+                <a:cs typeface="Courier"/>
+              </a:rPr>
+              <a:t>posterior.sample</a:t>
+            </a:r>
+            <a:r>
+              <a:rPr lang="en-US" sz="1200" dirty="0">
+                <a:solidFill>
+                  <a:schemeClr val="bg1"/>
+                </a:solidFill>
+                <a:latin typeface="Courier"/>
+                <a:cs typeface="Courier"/>
+              </a:rPr>
+              <a:t>[1] &lt;- </a:t>
+            </a:r>
+            <a:r>
+              <a:rPr lang="en-US" sz="1200" dirty="0" err="1">
+                <a:solidFill>
+                  <a:schemeClr val="bg1"/>
+                </a:solidFill>
+                <a:latin typeface="Courier"/>
+                <a:cs typeface="Courier"/>
+              </a:rPr>
+              <a:t>mu.current</a:t>
+            </a:r>
+            <a:endParaRPr lang="en-US" sz="1200" dirty="0">
+              <a:solidFill>
+                <a:schemeClr val="bg1"/>
+              </a:solidFill>
+              <a:latin typeface="Courier"/>
+              <a:cs typeface="Courier"/>
+            </a:endParaRPr>
+          </a:p>
+          <a:p>
+            <a:r>
+              <a:rPr lang="en-US" sz="1200" dirty="0">
+                <a:solidFill>
+                  <a:schemeClr val="bg1"/>
+                </a:solidFill>
+                <a:latin typeface="Courier"/>
+                <a:cs typeface="Courier"/>
+              </a:rPr>
+              <a:t>  </a:t>
+            </a:r>
+          </a:p>
+          <a:p>
+            <a:r>
+              <a:rPr lang="en-US" sz="1200" dirty="0">
+                <a:solidFill>
+                  <a:schemeClr val="bg1"/>
+                </a:solidFill>
+                <a:latin typeface="Courier"/>
+                <a:cs typeface="Courier"/>
+              </a:rPr>
+              <a:t>  for(</a:t>
+            </a:r>
+            <a:r>
+              <a:rPr lang="en-US" sz="1200" dirty="0" err="1">
+                <a:solidFill>
+                  <a:schemeClr val="bg1"/>
+                </a:solidFill>
+                <a:latin typeface="Courier"/>
+                <a:cs typeface="Courier"/>
+              </a:rPr>
+              <a:t>i</a:t>
+            </a:r>
+            <a:r>
+              <a:rPr lang="en-US" sz="1200" dirty="0">
+                <a:solidFill>
+                  <a:schemeClr val="bg1"/>
+                </a:solidFill>
+                <a:latin typeface="Courier"/>
+                <a:cs typeface="Courier"/>
+              </a:rPr>
+              <a:t> in 2:num.iter){</a:t>
+            </a:r>
+          </a:p>
+          <a:p>
+            <a:r>
+              <a:rPr lang="en-US" sz="1200" dirty="0">
+                <a:solidFill>
+                  <a:schemeClr val="bg1"/>
+                </a:solidFill>
+                <a:latin typeface="Courier"/>
+                <a:cs typeface="Courier"/>
+              </a:rPr>
+              <a:t>    </a:t>
+            </a:r>
+          </a:p>
+          <a:p>
+            <a:r>
+              <a:rPr lang="en-US" sz="1200" dirty="0">
+                <a:solidFill>
+                  <a:schemeClr val="bg1"/>
+                </a:solidFill>
+                <a:latin typeface="Courier"/>
+                <a:cs typeface="Courier"/>
+              </a:rPr>
+              <a:t>    </a:t>
+            </a:r>
+            <a:r>
+              <a:rPr lang="en-US" sz="1200" dirty="0">
+                <a:solidFill>
+                  <a:srgbClr val="FFFF00"/>
+                </a:solidFill>
+                <a:latin typeface="Courier"/>
+                <a:cs typeface="Courier"/>
+              </a:rPr>
+              <a:t># suggest new position</a:t>
+            </a:r>
+          </a:p>
+          <a:p>
+            <a:r>
+              <a:rPr lang="en-US" sz="1200" dirty="0">
+                <a:solidFill>
+                  <a:schemeClr val="bg1"/>
+                </a:solidFill>
+                <a:latin typeface="Courier"/>
+                <a:cs typeface="Courier"/>
+              </a:rPr>
+              <a:t>    </a:t>
+            </a:r>
+            <a:r>
+              <a:rPr lang="en-US" sz="1200" dirty="0" err="1">
+                <a:solidFill>
+                  <a:schemeClr val="bg1"/>
+                </a:solidFill>
+                <a:latin typeface="Courier"/>
+                <a:cs typeface="Courier"/>
+              </a:rPr>
+              <a:t>mu.proposal</a:t>
+            </a:r>
+            <a:r>
+              <a:rPr lang="en-US" sz="1200" dirty="0">
+                <a:solidFill>
+                  <a:schemeClr val="bg1"/>
+                </a:solidFill>
+                <a:latin typeface="Courier"/>
+                <a:cs typeface="Courier"/>
+              </a:rPr>
+              <a:t> &lt;- proposal(</a:t>
+            </a:r>
+            <a:r>
+              <a:rPr lang="en-US" sz="1200" dirty="0" err="1">
+                <a:solidFill>
+                  <a:schemeClr val="bg1"/>
+                </a:solidFill>
+                <a:latin typeface="Courier"/>
+                <a:cs typeface="Courier"/>
+              </a:rPr>
+              <a:t>mu.curr</a:t>
+            </a:r>
+            <a:r>
+              <a:rPr lang="en-US" sz="1200" dirty="0">
+                <a:solidFill>
+                  <a:schemeClr val="bg1"/>
+                </a:solidFill>
+                <a:latin typeface="Courier"/>
+                <a:cs typeface="Courier"/>
+              </a:rPr>
+              <a:t> = </a:t>
+            </a:r>
+            <a:r>
+              <a:rPr lang="en-US" sz="1200" dirty="0" err="1">
+                <a:solidFill>
+                  <a:schemeClr val="bg1"/>
+                </a:solidFill>
+                <a:latin typeface="Courier"/>
+                <a:cs typeface="Courier"/>
+              </a:rPr>
+              <a:t>mu.current</a:t>
+            </a:r>
+            <a:r>
+              <a:rPr lang="en-US" sz="1200" dirty="0">
+                <a:solidFill>
+                  <a:schemeClr val="bg1"/>
+                </a:solidFill>
+                <a:latin typeface="Courier"/>
+                <a:cs typeface="Courier"/>
+              </a:rPr>
+              <a:t>, </a:t>
+            </a:r>
+            <a:r>
+              <a:rPr lang="en-US" sz="1200" dirty="0" err="1">
+                <a:solidFill>
+                  <a:schemeClr val="bg1"/>
+                </a:solidFill>
+                <a:latin typeface="Courier"/>
+                <a:cs typeface="Courier"/>
+              </a:rPr>
+              <a:t>proposal.wid</a:t>
+            </a:r>
+            <a:r>
+              <a:rPr lang="en-US" sz="1200" dirty="0">
+                <a:solidFill>
+                  <a:schemeClr val="bg1"/>
+                </a:solidFill>
+                <a:latin typeface="Courier"/>
+                <a:cs typeface="Courier"/>
+              </a:rPr>
+              <a:t> = </a:t>
+            </a:r>
+            <a:r>
+              <a:rPr lang="en-US" sz="1200" dirty="0" err="1">
+                <a:solidFill>
+                  <a:schemeClr val="bg1"/>
+                </a:solidFill>
+                <a:latin typeface="Courier"/>
+                <a:cs typeface="Courier"/>
+              </a:rPr>
+              <a:t>proposal.width</a:t>
+            </a:r>
+            <a:r>
+              <a:rPr lang="en-US" sz="1200" dirty="0">
+                <a:solidFill>
+                  <a:schemeClr val="bg1"/>
+                </a:solidFill>
+                <a:latin typeface="Courier"/>
+                <a:cs typeface="Courier"/>
+              </a:rPr>
+              <a:t>)</a:t>
+            </a:r>
+          </a:p>
+          <a:p>
+            <a:r>
+              <a:rPr lang="en-US" sz="1200" dirty="0">
+                <a:solidFill>
+                  <a:schemeClr val="bg1"/>
+                </a:solidFill>
+                <a:latin typeface="Courier"/>
+                <a:cs typeface="Courier"/>
+              </a:rPr>
+              <a:t>    </a:t>
+            </a:r>
+          </a:p>
+          <a:p>
+            <a:r>
+              <a:rPr lang="en-US" sz="1200" dirty="0">
+                <a:solidFill>
+                  <a:schemeClr val="bg1"/>
+                </a:solidFill>
+                <a:latin typeface="Courier"/>
+                <a:cs typeface="Courier"/>
+              </a:rPr>
+              <a:t>    </a:t>
+            </a:r>
+            <a:r>
+              <a:rPr lang="en-US" sz="1200" dirty="0">
+                <a:solidFill>
+                  <a:srgbClr val="FFFF00"/>
+                </a:solidFill>
+                <a:latin typeface="Courier"/>
+                <a:cs typeface="Courier"/>
+              </a:rPr>
+              <a:t># Accept proposal?</a:t>
+            </a:r>
+          </a:p>
+          <a:p>
+            <a:r>
+              <a:rPr lang="en-US" sz="1200" dirty="0">
+                <a:solidFill>
+                  <a:schemeClr val="bg1"/>
+                </a:solidFill>
+                <a:latin typeface="Courier"/>
+                <a:cs typeface="Courier"/>
+              </a:rPr>
+              <a:t>    </a:t>
+            </a:r>
+            <a:r>
+              <a:rPr lang="en-US" sz="1200" dirty="0" err="1">
+                <a:solidFill>
+                  <a:schemeClr val="bg1"/>
+                </a:solidFill>
+                <a:latin typeface="Courier"/>
+                <a:cs typeface="Courier"/>
+              </a:rPr>
+              <a:t>accept.ratio</a:t>
+            </a:r>
+            <a:r>
+              <a:rPr lang="en-US" sz="1200" dirty="0">
+                <a:solidFill>
+                  <a:schemeClr val="bg1"/>
+                </a:solidFill>
+                <a:latin typeface="Courier"/>
+                <a:cs typeface="Courier"/>
+              </a:rPr>
+              <a:t> &lt;- </a:t>
+            </a:r>
+            <a:r>
+              <a:rPr lang="en-US" sz="1200" dirty="0" err="1">
+                <a:solidFill>
+                  <a:schemeClr val="bg1"/>
+                </a:solidFill>
+                <a:latin typeface="Courier"/>
+                <a:cs typeface="Courier"/>
+              </a:rPr>
+              <a:t>r.metrop</a:t>
+            </a:r>
+            <a:r>
+              <a:rPr lang="en-US" sz="1200" dirty="0">
+                <a:solidFill>
+                  <a:schemeClr val="bg1"/>
+                </a:solidFill>
+                <a:latin typeface="Courier"/>
+                <a:cs typeface="Courier"/>
+              </a:rPr>
+              <a:t>(</a:t>
+            </a:r>
+          </a:p>
+          <a:p>
+            <a:r>
+              <a:rPr lang="en-US" sz="1200" dirty="0">
+                <a:solidFill>
+                  <a:schemeClr val="bg1"/>
+                </a:solidFill>
+                <a:latin typeface="Courier"/>
+                <a:cs typeface="Courier"/>
+              </a:rPr>
+              <a:t>      </a:t>
+            </a:r>
+            <a:r>
+              <a:rPr lang="en-US" sz="1200" dirty="0" err="1">
+                <a:solidFill>
+                  <a:schemeClr val="bg1"/>
+                </a:solidFill>
+                <a:latin typeface="Courier"/>
+                <a:cs typeface="Courier"/>
+              </a:rPr>
+              <a:t>mu.curr</a:t>
+            </a:r>
+            <a:r>
+              <a:rPr lang="en-US" sz="1200" dirty="0">
+                <a:solidFill>
+                  <a:schemeClr val="bg1"/>
+                </a:solidFill>
+                <a:latin typeface="Courier"/>
+                <a:cs typeface="Courier"/>
+              </a:rPr>
+              <a:t> = </a:t>
+            </a:r>
+            <a:r>
+              <a:rPr lang="en-US" sz="1200" dirty="0" err="1">
+                <a:solidFill>
+                  <a:schemeClr val="bg1"/>
+                </a:solidFill>
+                <a:latin typeface="Courier"/>
+                <a:cs typeface="Courier"/>
+              </a:rPr>
+              <a:t>mu.current</a:t>
+            </a:r>
+            <a:r>
+              <a:rPr lang="en-US" sz="1200" dirty="0">
+                <a:solidFill>
+                  <a:schemeClr val="bg1"/>
+                </a:solidFill>
+                <a:latin typeface="Courier"/>
+                <a:cs typeface="Courier"/>
+              </a:rPr>
+              <a:t>, </a:t>
+            </a:r>
+          </a:p>
+          <a:p>
+            <a:r>
+              <a:rPr lang="en-US" sz="1200" dirty="0">
+                <a:solidFill>
+                  <a:schemeClr val="bg1"/>
+                </a:solidFill>
+                <a:latin typeface="Courier"/>
+                <a:cs typeface="Courier"/>
+              </a:rPr>
+              <a:t>      </a:t>
+            </a:r>
+            <a:r>
+              <a:rPr lang="en-US" sz="1200" dirty="0" err="1">
+                <a:solidFill>
+                  <a:schemeClr val="bg1"/>
+                </a:solidFill>
+                <a:latin typeface="Courier"/>
+                <a:cs typeface="Courier"/>
+              </a:rPr>
+              <a:t>mu.prop</a:t>
+            </a:r>
+            <a:r>
+              <a:rPr lang="en-US" sz="1200" dirty="0">
+                <a:solidFill>
+                  <a:schemeClr val="bg1"/>
+                </a:solidFill>
+                <a:latin typeface="Courier"/>
+                <a:cs typeface="Courier"/>
+              </a:rPr>
+              <a:t> = </a:t>
+            </a:r>
+            <a:r>
+              <a:rPr lang="en-US" sz="1200" dirty="0" err="1">
+                <a:solidFill>
+                  <a:schemeClr val="bg1"/>
+                </a:solidFill>
+                <a:latin typeface="Courier"/>
+                <a:cs typeface="Courier"/>
+              </a:rPr>
+              <a:t>mu.proposal</a:t>
+            </a:r>
+            <a:r>
+              <a:rPr lang="en-US" sz="1200" dirty="0">
+                <a:solidFill>
+                  <a:schemeClr val="bg1"/>
+                </a:solidFill>
+                <a:latin typeface="Courier"/>
+                <a:cs typeface="Courier"/>
+              </a:rPr>
+              <a:t>, </a:t>
+            </a:r>
+          </a:p>
+          <a:p>
+            <a:r>
+              <a:rPr lang="en-US" sz="1200" dirty="0">
+                <a:solidFill>
+                  <a:schemeClr val="bg1"/>
+                </a:solidFill>
+                <a:latin typeface="Courier"/>
+                <a:cs typeface="Courier"/>
+              </a:rPr>
+              <a:t>      </a:t>
+            </a:r>
+            <a:r>
+              <a:rPr lang="en-US" sz="1200" dirty="0" err="1">
+                <a:solidFill>
+                  <a:schemeClr val="bg1"/>
+                </a:solidFill>
+                <a:latin typeface="Courier"/>
+                <a:cs typeface="Courier"/>
+              </a:rPr>
+              <a:t>mu.hyp</a:t>
+            </a:r>
+            <a:r>
+              <a:rPr lang="en-US" sz="1200" dirty="0">
+                <a:solidFill>
+                  <a:schemeClr val="bg1"/>
+                </a:solidFill>
+                <a:latin typeface="Courier"/>
+                <a:cs typeface="Courier"/>
+              </a:rPr>
+              <a:t>  = mu.prior.mu, </a:t>
+            </a:r>
+          </a:p>
+          <a:p>
+            <a:r>
+              <a:rPr lang="en-US" sz="1200" dirty="0">
+                <a:solidFill>
+                  <a:schemeClr val="bg1"/>
+                </a:solidFill>
+                <a:latin typeface="Courier"/>
+                <a:cs typeface="Courier"/>
+              </a:rPr>
+              <a:t>      </a:t>
+            </a:r>
+            <a:r>
+              <a:rPr lang="en-US" sz="1200" dirty="0" err="1">
+                <a:solidFill>
+                  <a:schemeClr val="bg1"/>
+                </a:solidFill>
+                <a:latin typeface="Courier"/>
+                <a:cs typeface="Courier"/>
+              </a:rPr>
+              <a:t>sd.hyp</a:t>
+            </a:r>
+            <a:r>
+              <a:rPr lang="en-US" sz="1200" dirty="0">
+                <a:solidFill>
+                  <a:schemeClr val="bg1"/>
+                </a:solidFill>
+                <a:latin typeface="Courier"/>
+                <a:cs typeface="Courier"/>
+              </a:rPr>
+              <a:t>  = mu.prior.sd, </a:t>
+            </a:r>
+          </a:p>
+          <a:p>
+            <a:r>
+              <a:rPr lang="en-US" sz="1200" dirty="0">
+                <a:solidFill>
+                  <a:schemeClr val="bg1"/>
+                </a:solidFill>
+                <a:latin typeface="Courier"/>
+                <a:cs typeface="Courier"/>
+              </a:rPr>
+              <a:t>      </a:t>
+            </a:r>
+            <a:r>
+              <a:rPr lang="en-US" sz="1200" dirty="0" err="1">
+                <a:solidFill>
+                  <a:schemeClr val="bg1"/>
+                </a:solidFill>
+                <a:latin typeface="Courier"/>
+                <a:cs typeface="Courier"/>
+              </a:rPr>
+              <a:t>dats</a:t>
+            </a:r>
+            <a:r>
+              <a:rPr lang="en-US" sz="1200" dirty="0">
+                <a:solidFill>
+                  <a:schemeClr val="bg1"/>
+                </a:solidFill>
+                <a:latin typeface="Courier"/>
+                <a:cs typeface="Courier"/>
+              </a:rPr>
+              <a:t>    = </a:t>
+            </a:r>
+            <a:r>
+              <a:rPr lang="en-US" sz="1200" dirty="0" err="1">
+                <a:solidFill>
+                  <a:schemeClr val="bg1"/>
+                </a:solidFill>
+                <a:latin typeface="Courier"/>
+                <a:cs typeface="Courier"/>
+              </a:rPr>
+              <a:t>datav</a:t>
+            </a:r>
+            <a:r>
+              <a:rPr lang="en-US" sz="1200" dirty="0">
+                <a:solidFill>
+                  <a:schemeClr val="bg1"/>
+                </a:solidFill>
+                <a:latin typeface="Courier"/>
+                <a:cs typeface="Courier"/>
+              </a:rPr>
+              <a:t>)</a:t>
+            </a:r>
+          </a:p>
+          <a:p>
+            <a:r>
+              <a:rPr lang="en-US" sz="1200" dirty="0">
+                <a:solidFill>
+                  <a:schemeClr val="bg1"/>
+                </a:solidFill>
+                <a:latin typeface="Courier"/>
+                <a:cs typeface="Courier"/>
+              </a:rPr>
+              <a:t>    </a:t>
+            </a:r>
+          </a:p>
+          <a:p>
+            <a:r>
+              <a:rPr lang="en-US" sz="1200" dirty="0">
+                <a:solidFill>
+                  <a:schemeClr val="bg1"/>
+                </a:solidFill>
+                <a:latin typeface="Courier"/>
+                <a:cs typeface="Courier"/>
+              </a:rPr>
+              <a:t>    </a:t>
+            </a:r>
+            <a:r>
+              <a:rPr lang="en-US" sz="1200" dirty="0" err="1">
+                <a:solidFill>
+                  <a:schemeClr val="bg1"/>
+                </a:solidFill>
+                <a:latin typeface="Courier"/>
+                <a:cs typeface="Courier"/>
+              </a:rPr>
+              <a:t>acceptQ</a:t>
+            </a:r>
+            <a:r>
+              <a:rPr lang="en-US" sz="1200" dirty="0">
+                <a:solidFill>
+                  <a:schemeClr val="bg1"/>
+                </a:solidFill>
+                <a:latin typeface="Courier"/>
+                <a:cs typeface="Courier"/>
+              </a:rPr>
+              <a:t> &lt;- </a:t>
+            </a:r>
+            <a:r>
+              <a:rPr lang="en-US" sz="1200" dirty="0" err="1">
+                <a:solidFill>
+                  <a:schemeClr val="bg1"/>
+                </a:solidFill>
+                <a:latin typeface="Courier"/>
+                <a:cs typeface="Courier"/>
+              </a:rPr>
+              <a:t>runif</a:t>
+            </a:r>
+            <a:r>
+              <a:rPr lang="en-US" sz="1200" dirty="0">
+                <a:solidFill>
+                  <a:schemeClr val="bg1"/>
+                </a:solidFill>
+                <a:latin typeface="Courier"/>
+                <a:cs typeface="Courier"/>
+              </a:rPr>
+              <a:t>(1) &lt; </a:t>
+            </a:r>
+            <a:r>
+              <a:rPr lang="en-US" sz="1200" dirty="0" err="1">
+                <a:solidFill>
+                  <a:schemeClr val="bg1"/>
+                </a:solidFill>
+                <a:latin typeface="Courier"/>
+                <a:cs typeface="Courier"/>
+              </a:rPr>
+              <a:t>accept.ratio</a:t>
+            </a:r>
+            <a:endParaRPr lang="en-US" sz="1200" dirty="0">
+              <a:solidFill>
+                <a:schemeClr val="bg1"/>
+              </a:solidFill>
+              <a:latin typeface="Courier"/>
+              <a:cs typeface="Courier"/>
+            </a:endParaRPr>
+          </a:p>
+          <a:p>
+            <a:r>
+              <a:rPr lang="en-US" sz="1200" dirty="0">
+                <a:solidFill>
+                  <a:schemeClr val="bg1"/>
+                </a:solidFill>
+                <a:latin typeface="Courier"/>
+                <a:cs typeface="Courier"/>
+              </a:rPr>
+              <a:t>    </a:t>
+            </a:r>
+          </a:p>
+          <a:p>
+            <a:r>
+              <a:rPr lang="en-US" sz="1200" dirty="0">
+                <a:solidFill>
+                  <a:schemeClr val="bg1"/>
+                </a:solidFill>
+                <a:latin typeface="Courier"/>
+                <a:cs typeface="Courier"/>
+              </a:rPr>
+              <a:t>    if(</a:t>
+            </a:r>
+            <a:r>
+              <a:rPr lang="en-US" sz="1200" dirty="0" err="1">
+                <a:solidFill>
+                  <a:schemeClr val="bg1"/>
+                </a:solidFill>
+                <a:latin typeface="Courier"/>
+                <a:cs typeface="Courier"/>
+              </a:rPr>
+              <a:t>acceptQ</a:t>
+            </a:r>
+            <a:r>
+              <a:rPr lang="en-US" sz="1200" dirty="0">
+                <a:solidFill>
+                  <a:schemeClr val="bg1"/>
+                </a:solidFill>
+                <a:latin typeface="Courier"/>
+                <a:cs typeface="Courier"/>
+              </a:rPr>
+              <a:t>) {</a:t>
+            </a:r>
+          </a:p>
+          <a:p>
+            <a:r>
+              <a:rPr lang="en-US" sz="1200" dirty="0">
+                <a:solidFill>
+                  <a:schemeClr val="bg1"/>
+                </a:solidFill>
+                <a:latin typeface="Courier"/>
+                <a:cs typeface="Courier"/>
+              </a:rPr>
+              <a:t>      # Update position</a:t>
+            </a:r>
+          </a:p>
+          <a:p>
+            <a:r>
+              <a:rPr lang="en-US" sz="1200" dirty="0">
+                <a:solidFill>
+                  <a:schemeClr val="bg1"/>
+                </a:solidFill>
+                <a:latin typeface="Courier"/>
+                <a:cs typeface="Courier"/>
+              </a:rPr>
+              <a:t>      </a:t>
+            </a:r>
+            <a:r>
+              <a:rPr lang="en-US" sz="1200" dirty="0" err="1">
+                <a:solidFill>
+                  <a:schemeClr val="bg1"/>
+                </a:solidFill>
+                <a:latin typeface="Courier"/>
+                <a:cs typeface="Courier"/>
+              </a:rPr>
+              <a:t>mu.current</a:t>
+            </a:r>
+            <a:r>
+              <a:rPr lang="en-US" sz="1200" dirty="0">
+                <a:solidFill>
+                  <a:schemeClr val="bg1"/>
+                </a:solidFill>
+                <a:latin typeface="Courier"/>
+                <a:cs typeface="Courier"/>
+              </a:rPr>
+              <a:t> &lt;- </a:t>
+            </a:r>
+            <a:r>
+              <a:rPr lang="en-US" sz="1200" dirty="0" err="1">
+                <a:solidFill>
+                  <a:schemeClr val="bg1"/>
+                </a:solidFill>
+                <a:latin typeface="Courier"/>
+                <a:cs typeface="Courier"/>
+              </a:rPr>
+              <a:t>mu.proposal</a:t>
+            </a:r>
+            <a:endParaRPr lang="en-US" sz="1200" dirty="0">
+              <a:solidFill>
+                <a:schemeClr val="bg1"/>
+              </a:solidFill>
+              <a:latin typeface="Courier"/>
+              <a:cs typeface="Courier"/>
+            </a:endParaRPr>
+          </a:p>
+          <a:p>
+            <a:r>
+              <a:rPr lang="en-US" sz="1200" dirty="0">
+                <a:solidFill>
+                  <a:schemeClr val="bg1"/>
+                </a:solidFill>
+                <a:latin typeface="Courier"/>
+                <a:cs typeface="Courier"/>
+              </a:rPr>
+              <a:t>    }</a:t>
+            </a:r>
+          </a:p>
+          <a:p>
+            <a:r>
+              <a:rPr lang="en-US" sz="1200" dirty="0">
+                <a:solidFill>
+                  <a:schemeClr val="bg1"/>
+                </a:solidFill>
+                <a:latin typeface="Courier"/>
+                <a:cs typeface="Courier"/>
+              </a:rPr>
+              <a:t>    </a:t>
+            </a:r>
+          </a:p>
+          <a:p>
+            <a:r>
+              <a:rPr lang="en-US" sz="1200" dirty="0">
+                <a:solidFill>
+                  <a:schemeClr val="bg1"/>
+                </a:solidFill>
+                <a:latin typeface="Courier"/>
+                <a:cs typeface="Courier"/>
+              </a:rPr>
+              <a:t>    </a:t>
+            </a:r>
+            <a:r>
+              <a:rPr lang="en-US" sz="1200" dirty="0" err="1">
+                <a:solidFill>
+                  <a:schemeClr val="bg1"/>
+                </a:solidFill>
+                <a:latin typeface="Courier"/>
+                <a:cs typeface="Courier"/>
+              </a:rPr>
+              <a:t>posterior.sample</a:t>
+            </a:r>
+            <a:r>
+              <a:rPr lang="en-US" sz="1200" dirty="0">
+                <a:solidFill>
+                  <a:schemeClr val="bg1"/>
+                </a:solidFill>
+                <a:latin typeface="Courier"/>
+                <a:cs typeface="Courier"/>
+              </a:rPr>
+              <a:t>[</a:t>
+            </a:r>
+            <a:r>
+              <a:rPr lang="en-US" sz="1200" dirty="0" err="1">
+                <a:solidFill>
+                  <a:schemeClr val="bg1"/>
+                </a:solidFill>
+                <a:latin typeface="Courier"/>
+                <a:cs typeface="Courier"/>
+              </a:rPr>
+              <a:t>i</a:t>
+            </a:r>
+            <a:r>
+              <a:rPr lang="en-US" sz="1200" dirty="0">
+                <a:solidFill>
+                  <a:schemeClr val="bg1"/>
+                </a:solidFill>
+                <a:latin typeface="Courier"/>
+                <a:cs typeface="Courier"/>
+              </a:rPr>
+              <a:t>] &lt;- </a:t>
+            </a:r>
+            <a:r>
+              <a:rPr lang="en-US" sz="1200" dirty="0" err="1">
+                <a:solidFill>
+                  <a:schemeClr val="bg1"/>
+                </a:solidFill>
+                <a:latin typeface="Courier"/>
+                <a:cs typeface="Courier"/>
+              </a:rPr>
+              <a:t>mu.current</a:t>
+            </a:r>
+            <a:endParaRPr lang="en-US" sz="1200" dirty="0">
+              <a:solidFill>
+                <a:schemeClr val="bg1"/>
+              </a:solidFill>
+              <a:latin typeface="Courier"/>
+              <a:cs typeface="Courier"/>
+            </a:endParaRPr>
+          </a:p>
+          <a:p>
+            <a:r>
+              <a:rPr lang="en-US" sz="1200" dirty="0">
+                <a:solidFill>
+                  <a:schemeClr val="bg1"/>
+                </a:solidFill>
+                <a:latin typeface="Courier"/>
+                <a:cs typeface="Courier"/>
+              </a:rPr>
+              <a:t>  } </a:t>
+            </a:r>
+          </a:p>
+          <a:p>
+            <a:r>
+              <a:rPr lang="en-US" sz="1200" dirty="0">
+                <a:solidFill>
+                  <a:schemeClr val="bg1"/>
+                </a:solidFill>
+                <a:latin typeface="Courier"/>
+                <a:cs typeface="Courier"/>
+              </a:rPr>
+              <a:t>  return(</a:t>
+            </a:r>
+            <a:r>
+              <a:rPr lang="en-US" sz="1200" dirty="0" err="1">
+                <a:solidFill>
+                  <a:schemeClr val="bg1"/>
+                </a:solidFill>
+                <a:latin typeface="Courier"/>
+                <a:cs typeface="Courier"/>
+              </a:rPr>
+              <a:t>posterior.sample</a:t>
+            </a:r>
+            <a:r>
+              <a:rPr lang="en-US" sz="1200" dirty="0">
+                <a:solidFill>
+                  <a:schemeClr val="bg1"/>
+                </a:solidFill>
+                <a:latin typeface="Courier"/>
+                <a:cs typeface="Courier"/>
+              </a:rPr>
+              <a:t>) </a:t>
+            </a:r>
+          </a:p>
+          <a:p>
+            <a:r>
+              <a:rPr lang="en-US" sz="1200" dirty="0">
+                <a:solidFill>
+                  <a:schemeClr val="bg1"/>
+                </a:solidFill>
+                <a:latin typeface="Courier"/>
+                <a:cs typeface="Courier"/>
+              </a:rPr>
+              <a:t>}</a:t>
+            </a:r>
+          </a:p>
+        </p:txBody>
+      </p:sp>
+    </p:spTree>
+    <p:extLst>
+      <p:ext uri="{BB962C8B-B14F-4D97-AF65-F5344CB8AC3E}">
+        <p14:creationId xmlns:p14="http://schemas.microsoft.com/office/powerpoint/2010/main" val="2314137961"/>
+      </p:ext>
+    </p:extLst>
+  </p:cSld>
+  <p:clrMapOvr>
+    <a:masterClrMapping/>
+  </p:clrMapOvr>
+</p:sld>
+</file>
+
+<file path=ppt/slides/slide22.xml><?xml version="1.0" encoding="utf-8"?>
+<p:sld xmlns:a="http://schemas.openxmlformats.org/drawingml/2006/main" xmlns:r="http://schemas.openxmlformats.org/officeDocument/2006/relationships" xmlns:p="http://schemas.openxmlformats.org/presentationml/2006/main">
+  <p:cSld>
+    <p:spTree>
+      <p:nvGrpSpPr>
+        <p:cNvPr id="1" name=""/>
+        <p:cNvGrpSpPr/>
+        <p:nvPr/>
+      </p:nvGrpSpPr>
+      <p:grpSpPr>
+        <a:xfrm>
+          <a:off x="0" y="0"/>
+          <a:ext cx="0" cy="0"/>
+          <a:chOff x="0" y="0"/>
+          <a:chExt cx="0" cy="0"/>
+        </a:xfrm>
+      </p:grpSpPr>
+      <p:pic>
+        <p:nvPicPr>
+          <p:cNvPr id="4" name="Picture 2">
+            <a:extLst>
+              <a:ext uri="{FF2B5EF4-FFF2-40B4-BE49-F238E27FC236}">
+                <a16:creationId xmlns:a16="http://schemas.microsoft.com/office/drawing/2014/main" id="{FFBC1EF6-815D-4B55-94DE-F699971923C8}"/>
+              </a:ext>
+            </a:extLst>
+          </p:cNvPr>
+          <p:cNvPicPr>
+            <a:picLocks noChangeAspect="1" noChangeArrowheads="1"/>
+          </p:cNvPicPr>
+          <p:nvPr/>
+        </p:nvPicPr>
+        <p:blipFill>
+          <a:blip r:embed="rId3" cstate="print"/>
+          <a:srcRect/>
+          <a:stretch>
+            <a:fillRect/>
+          </a:stretch>
+        </p:blipFill>
+        <p:spPr bwMode="auto">
+          <a:xfrm>
+            <a:off x="484188" y="76200"/>
+            <a:ext cx="8202612" cy="239712"/>
+          </a:xfrm>
+          <a:prstGeom prst="rect">
+            <a:avLst/>
+          </a:prstGeom>
+          <a:noFill/>
+          <a:ln w="9525">
+            <a:noFill/>
+            <a:round/>
+            <a:headEnd/>
+            <a:tailEnd/>
+          </a:ln>
+        </p:spPr>
+      </p:pic>
+      <p:sp>
+        <p:nvSpPr>
+          <p:cNvPr id="5" name="Rectangle 4">
+            <a:extLst>
+              <a:ext uri="{FF2B5EF4-FFF2-40B4-BE49-F238E27FC236}">
+                <a16:creationId xmlns:a16="http://schemas.microsoft.com/office/drawing/2014/main" id="{526FA40E-486A-4DDE-A6F6-51215DCBAB37}"/>
+              </a:ext>
+            </a:extLst>
+          </p:cNvPr>
+          <p:cNvSpPr>
+            <a:spLocks noChangeArrowheads="1"/>
+          </p:cNvSpPr>
+          <p:nvPr/>
+        </p:nvSpPr>
+        <p:spPr bwMode="auto">
+          <a:xfrm>
+            <a:off x="66553" y="291412"/>
+            <a:ext cx="8991601" cy="1127125"/>
+          </a:xfrm>
+          <a:prstGeom prst="rect">
+            <a:avLst/>
+          </a:prstGeom>
+          <a:noFill/>
+          <a:ln w="9525">
+            <a:noFill/>
+            <a:round/>
+            <a:headEnd/>
+            <a:tailEnd/>
+          </a:ln>
+        </p:spPr>
+        <p:txBody>
+          <a:bodyPr lIns="0" tIns="0" rIns="0" bIns="0" anchor="ctr"/>
+          <a:lstStyle/>
+          <a:p>
+            <a:pPr algn="ctr">
+              <a:buClr>
+                <a:srgbClr val="000000"/>
+              </a:buClr>
+              <a:buSzPct val="100000"/>
+              <a:buFont typeface="Times New Roman" pitchFamily="18" charset="0"/>
+              <a:buNone/>
+              <a:tabLst>
+                <a:tab pos="0" algn="l"/>
+                <a:tab pos="914400" algn="l"/>
+                <a:tab pos="1828800" algn="l"/>
+                <a:tab pos="2743200" algn="l"/>
+                <a:tab pos="3657600" algn="l"/>
+                <a:tab pos="4572000" algn="l"/>
+                <a:tab pos="5486400" algn="l"/>
+                <a:tab pos="6400800" algn="l"/>
+                <a:tab pos="7315200" algn="l"/>
+                <a:tab pos="8229600" algn="l"/>
+                <a:tab pos="9144000" algn="l"/>
+                <a:tab pos="10058400" algn="l"/>
+              </a:tabLst>
+            </a:pPr>
+            <a:r>
+              <a:rPr lang="en-GB" sz="4000" dirty="0">
+                <a:solidFill>
+                  <a:srgbClr val="000000"/>
+                </a:solidFill>
+                <a:latin typeface="Times New Roman" pitchFamily="18" charset="0"/>
+              </a:rPr>
+              <a:t>Metropolis-Hastings Algorithm</a:t>
+            </a:r>
+          </a:p>
+        </p:txBody>
+      </p:sp>
+      <p:sp>
+        <p:nvSpPr>
+          <p:cNvPr id="6" name="TextBox 5">
+            <a:extLst>
+              <a:ext uri="{FF2B5EF4-FFF2-40B4-BE49-F238E27FC236}">
+                <a16:creationId xmlns:a16="http://schemas.microsoft.com/office/drawing/2014/main" id="{7F05F98A-E0E1-41E5-9F85-2C794BDFCD73}"/>
+              </a:ext>
+            </a:extLst>
+          </p:cNvPr>
+          <p:cNvSpPr txBox="1"/>
+          <p:nvPr/>
+        </p:nvSpPr>
+        <p:spPr>
+          <a:xfrm>
+            <a:off x="255588" y="1360646"/>
+            <a:ext cx="8690291" cy="461665"/>
+          </a:xfrm>
+          <a:prstGeom prst="rect">
+            <a:avLst/>
+          </a:prstGeom>
+          <a:noFill/>
+        </p:spPr>
+        <p:txBody>
+          <a:bodyPr wrap="square" rtlCol="0">
+            <a:spAutoFit/>
+          </a:bodyPr>
+          <a:lstStyle/>
+          <a:p>
+            <a:pPr marL="457200" indent="-457200">
+              <a:buFont typeface="Arial" panose="020B0604020202020204" pitchFamily="34" charset="0"/>
+              <a:buChar char="•"/>
+            </a:pPr>
+            <a:r>
+              <a:rPr lang="en-US" sz="2400" dirty="0">
+                <a:latin typeface="Times New Roman" panose="02020603050405020304" pitchFamily="18" charset="0"/>
+                <a:cs typeface="Times New Roman" panose="02020603050405020304" pitchFamily="18" charset="0"/>
+              </a:rPr>
+              <a:t>Demo:</a:t>
+            </a:r>
+          </a:p>
+        </p:txBody>
+      </p:sp>
+    </p:spTree>
+    <p:extLst>
+      <p:ext uri="{BB962C8B-B14F-4D97-AF65-F5344CB8AC3E}">
+        <p14:creationId xmlns:p14="http://schemas.microsoft.com/office/powerpoint/2010/main" val="4247571283"/>
+      </p:ext>
+    </p:extLst>
+  </p:cSld>
+  <p:clrMapOvr>
+    <a:masterClrMapping/>
+  </p:clrMapOvr>
+</p:sld>
+</file>
+
+<file path=ppt/slides/slide23.xml><?xml version="1.0" encoding="utf-8"?>
+<p:sld xmlns:a="http://schemas.openxmlformats.org/drawingml/2006/main" xmlns:r="http://schemas.openxmlformats.org/officeDocument/2006/relationships" xmlns:p="http://schemas.openxmlformats.org/presentationml/2006/main">
+  <p:cSld>
+    <p:spTree>
+      <p:nvGrpSpPr>
+        <p:cNvPr id="1" name=""/>
+        <p:cNvGrpSpPr/>
+        <p:nvPr/>
+      </p:nvGrpSpPr>
+      <p:grpSpPr>
+        <a:xfrm>
+          <a:off x="0" y="0"/>
+          <a:ext cx="0" cy="0"/>
+          <a:chOff x="0" y="0"/>
+          <a:chExt cx="0" cy="0"/>
+        </a:xfrm>
+      </p:grpSpPr>
+      <p:pic>
+        <p:nvPicPr>
+          <p:cNvPr id="5" name="Picture 2">
+            <a:extLst>
+              <a:ext uri="{FF2B5EF4-FFF2-40B4-BE49-F238E27FC236}">
+                <a16:creationId xmlns:a16="http://schemas.microsoft.com/office/drawing/2014/main" id="{FB6F7370-65E3-4396-A484-925ACC57B4C9}"/>
+              </a:ext>
+            </a:extLst>
+          </p:cNvPr>
+          <p:cNvPicPr>
+            <a:picLocks noChangeAspect="1" noChangeArrowheads="1"/>
+          </p:cNvPicPr>
+          <p:nvPr/>
+        </p:nvPicPr>
+        <p:blipFill>
+          <a:blip r:embed="rId2" cstate="print"/>
+          <a:srcRect/>
+          <a:stretch>
+            <a:fillRect/>
+          </a:stretch>
+        </p:blipFill>
+        <p:spPr bwMode="auto">
+          <a:xfrm>
+            <a:off x="484188" y="76200"/>
+            <a:ext cx="8202612" cy="239712"/>
+          </a:xfrm>
+          <a:prstGeom prst="rect">
+            <a:avLst/>
+          </a:prstGeom>
+          <a:noFill/>
+          <a:ln w="9525">
+            <a:noFill/>
+            <a:round/>
+            <a:headEnd/>
+            <a:tailEnd/>
+          </a:ln>
+        </p:spPr>
+      </p:pic>
+      <p:sp>
+        <p:nvSpPr>
+          <p:cNvPr id="6" name="Rectangle 5">
+            <a:extLst>
+              <a:ext uri="{FF2B5EF4-FFF2-40B4-BE49-F238E27FC236}">
+                <a16:creationId xmlns:a16="http://schemas.microsoft.com/office/drawing/2014/main" id="{1F998778-449C-4ABC-A525-D30E5498B5CE}"/>
+              </a:ext>
+            </a:extLst>
+          </p:cNvPr>
+          <p:cNvSpPr>
+            <a:spLocks noChangeArrowheads="1"/>
+          </p:cNvSpPr>
+          <p:nvPr/>
+        </p:nvSpPr>
+        <p:spPr bwMode="auto">
+          <a:xfrm>
+            <a:off x="66553" y="291412"/>
+            <a:ext cx="8991601" cy="1127125"/>
+          </a:xfrm>
+          <a:prstGeom prst="rect">
+            <a:avLst/>
+          </a:prstGeom>
+          <a:noFill/>
+          <a:ln w="9525">
+            <a:noFill/>
+            <a:round/>
+            <a:headEnd/>
+            <a:tailEnd/>
+          </a:ln>
+        </p:spPr>
+        <p:txBody>
+          <a:bodyPr lIns="0" tIns="0" rIns="0" bIns="0" anchor="ctr"/>
+          <a:lstStyle/>
+          <a:p>
+            <a:pPr algn="ctr">
+              <a:buClr>
+                <a:srgbClr val="000000"/>
+              </a:buClr>
+              <a:buSzPct val="100000"/>
+              <a:buFont typeface="Times New Roman" pitchFamily="18" charset="0"/>
+              <a:buNone/>
+              <a:tabLst>
+                <a:tab pos="0" algn="l"/>
+                <a:tab pos="914400" algn="l"/>
+                <a:tab pos="1828800" algn="l"/>
+                <a:tab pos="2743200" algn="l"/>
+                <a:tab pos="3657600" algn="l"/>
+                <a:tab pos="4572000" algn="l"/>
+                <a:tab pos="5486400" algn="l"/>
+                <a:tab pos="6400800" algn="l"/>
+                <a:tab pos="7315200" algn="l"/>
+                <a:tab pos="8229600" algn="l"/>
+                <a:tab pos="9144000" algn="l"/>
+                <a:tab pos="10058400" algn="l"/>
+              </a:tabLst>
+            </a:pPr>
+            <a:r>
+              <a:rPr lang="en-GB" sz="4000" dirty="0">
+                <a:solidFill>
+                  <a:srgbClr val="000000"/>
+                </a:solidFill>
+                <a:latin typeface="Times New Roman" pitchFamily="18" charset="0"/>
+              </a:rPr>
+              <a:t>Gibbs Sampling</a:t>
+            </a:r>
+          </a:p>
+        </p:txBody>
+      </p:sp>
+    </p:spTree>
+    <p:extLst>
+      <p:ext uri="{BB962C8B-B14F-4D97-AF65-F5344CB8AC3E}">
+        <p14:creationId xmlns:p14="http://schemas.microsoft.com/office/powerpoint/2010/main" val="3269795807"/>
+      </p:ext>
+    </p:extLst>
+  </p:cSld>
+  <p:clrMapOvr>
+    <a:masterClrMapping/>
+  </p:clrMapOvr>
+</p:sld>
+</file>
+
+<file path=ppt/slides/slide24.xml><?xml version="1.0" encoding="utf-8"?>
+<p:sld xmlns:a="http://schemas.openxmlformats.org/drawingml/2006/main" xmlns:r="http://schemas.openxmlformats.org/officeDocument/2006/relationships" xmlns:p="http://schemas.openxmlformats.org/presentationml/2006/main">
+  <p:cSld>
+    <p:spTree>
+      <p:nvGrpSpPr>
+        <p:cNvPr id="1" name=""/>
+        <p:cNvGrpSpPr/>
+        <p:nvPr/>
+      </p:nvGrpSpPr>
+      <p:grpSpPr>
+        <a:xfrm>
+          <a:off x="0" y="0"/>
+          <a:ext cx="0" cy="0"/>
+          <a:chOff x="0" y="0"/>
+          <a:chExt cx="0" cy="0"/>
+        </a:xfrm>
+      </p:grpSpPr>
     </p:spTree>
     <p:extLst>
       <p:ext uri="{BB962C8B-B14F-4D97-AF65-F5344CB8AC3E}">
@@ -11686,7 +17068,7 @@
 </p:sld>
 </file>
 
-<file path=ppt/slides/slide21.xml><?xml version="1.0" encoding="utf-8"?>
+<file path=ppt/slides/slide25.xml><?xml version="1.0" encoding="utf-8"?>
 <p:sld xmlns:a="http://schemas.openxmlformats.org/drawingml/2006/main" xmlns:r="http://schemas.openxmlformats.org/officeDocument/2006/relationships" xmlns:p="http://schemas.openxmlformats.org/presentationml/2006/main">
   <p:cSld>
     <p:spTree>
@@ -11822,7 +17204,7 @@
 </p:sld>
 </file>
 
-<file path=ppt/slides/slide22.xml><?xml version="1.0" encoding="utf-8"?>
+<file path=ppt/slides/slide26.xml><?xml version="1.0" encoding="utf-8"?>
 <p:sld xmlns:a="http://schemas.openxmlformats.org/drawingml/2006/main" xmlns:r="http://schemas.openxmlformats.org/officeDocument/2006/relationships" xmlns:p="http://schemas.openxmlformats.org/presentationml/2006/main">
   <p:cSld>
     <p:spTree>
@@ -13066,7 +18448,7 @@
 </p:sld>
 </file>
 
-<file path=ppt/slides/slide23.xml><?xml version="1.0" encoding="utf-8"?>
+<file path=ppt/slides/slide27.xml><?xml version="1.0" encoding="utf-8"?>
 <p:sld xmlns:a="http://schemas.openxmlformats.org/drawingml/2006/main" xmlns:r="http://schemas.openxmlformats.org/officeDocument/2006/relationships" xmlns:p="http://schemas.openxmlformats.org/presentationml/2006/main">
   <p:cSld>
     <p:spTree>
@@ -14121,7 +19503,7 @@
 </p:sld>
 </file>
 
-<file path=ppt/slides/slide24.xml><?xml version="1.0" encoding="utf-8"?>
+<file path=ppt/slides/slide28.xml><?xml version="1.0" encoding="utf-8"?>
 <p:sld xmlns:a="http://schemas.openxmlformats.org/drawingml/2006/main" xmlns:r="http://schemas.openxmlformats.org/officeDocument/2006/relationships" xmlns:p="http://schemas.openxmlformats.org/presentationml/2006/main">
   <p:cSld>
     <p:spTree>
@@ -16367,7 +21749,7 @@
 </p:sld>
 </file>
 
-<file path=ppt/slides/slide25.xml><?xml version="1.0" encoding="utf-8"?>
+<file path=ppt/slides/slide29.xml><?xml version="1.0" encoding="utf-8"?>
 <p:sld xmlns:a="http://schemas.openxmlformats.org/drawingml/2006/main" xmlns:r="http://schemas.openxmlformats.org/officeDocument/2006/relationships" xmlns:p="http://schemas.openxmlformats.org/presentationml/2006/main">
   <p:cSld>
     <p:spTree>
@@ -16621,7 +22003,751 @@
 </p:sld>
 </file>
 
-<file path=ppt/slides/slide26.xml><?xml version="1.0" encoding="utf-8"?>
+<file path=ppt/slides/slide3.xml><?xml version="1.0" encoding="utf-8"?>
+<p:sld xmlns:a="http://schemas.openxmlformats.org/drawingml/2006/main" xmlns:r="http://schemas.openxmlformats.org/officeDocument/2006/relationships" xmlns:p="http://schemas.openxmlformats.org/presentationml/2006/main">
+  <p:cSld>
+    <p:spTree>
+      <p:nvGrpSpPr>
+        <p:cNvPr id="1" name=""/>
+        <p:cNvGrpSpPr/>
+        <p:nvPr/>
+      </p:nvGrpSpPr>
+      <p:grpSpPr>
+        <a:xfrm>
+          <a:off x="0" y="0"/>
+          <a:ext cx="0" cy="0"/>
+          <a:chOff x="0" y="0"/>
+          <a:chExt cx="0" cy="0"/>
+        </a:xfrm>
+      </p:grpSpPr>
+      <p:pic>
+        <p:nvPicPr>
+          <p:cNvPr id="4" name="Picture 2"/>
+          <p:cNvPicPr>
+            <a:picLocks noChangeAspect="1" noChangeArrowheads="1"/>
+          </p:cNvPicPr>
+          <p:nvPr/>
+        </p:nvPicPr>
+        <p:blipFill>
+          <a:blip r:embed="rId2" cstate="print"/>
+          <a:srcRect/>
+          <a:stretch>
+            <a:fillRect/>
+          </a:stretch>
+        </p:blipFill>
+        <p:spPr bwMode="auto">
+          <a:xfrm>
+            <a:off x="484188" y="76200"/>
+            <a:ext cx="8202612" cy="239712"/>
+          </a:xfrm>
+          <a:prstGeom prst="rect">
+            <a:avLst/>
+          </a:prstGeom>
+          <a:noFill/>
+          <a:ln w="9525">
+            <a:noFill/>
+            <a:round/>
+            <a:headEnd/>
+            <a:tailEnd/>
+          </a:ln>
+        </p:spPr>
+      </p:pic>
+      <p:sp>
+        <p:nvSpPr>
+          <p:cNvPr id="5" name="Rectangle 4"/>
+          <p:cNvSpPr>
+            <a:spLocks noChangeArrowheads="1"/>
+          </p:cNvSpPr>
+          <p:nvPr/>
+        </p:nvSpPr>
+        <p:spPr bwMode="auto">
+          <a:xfrm>
+            <a:off x="135468" y="84667"/>
+            <a:ext cx="8991601" cy="1127125"/>
+          </a:xfrm>
+          <a:prstGeom prst="rect">
+            <a:avLst/>
+          </a:prstGeom>
+          <a:noFill/>
+          <a:ln w="9525">
+            <a:noFill/>
+            <a:round/>
+            <a:headEnd/>
+            <a:tailEnd/>
+          </a:ln>
+        </p:spPr>
+        <p:txBody>
+          <a:bodyPr lIns="0" tIns="0" rIns="0" bIns="0" anchor="ctr"/>
+          <a:lstStyle/>
+          <a:p>
+            <a:pPr algn="ctr">
+              <a:buClr>
+                <a:srgbClr val="000000"/>
+              </a:buClr>
+              <a:buSzPct val="100000"/>
+              <a:buFont typeface="Times New Roman" pitchFamily="18" charset="0"/>
+              <a:buNone/>
+              <a:tabLst>
+                <a:tab pos="0" algn="l"/>
+                <a:tab pos="914400" algn="l"/>
+                <a:tab pos="1828800" algn="l"/>
+                <a:tab pos="2743200" algn="l"/>
+                <a:tab pos="3657600" algn="l"/>
+                <a:tab pos="4572000" algn="l"/>
+                <a:tab pos="5486400" algn="l"/>
+                <a:tab pos="6400800" algn="l"/>
+                <a:tab pos="7315200" algn="l"/>
+                <a:tab pos="8229600" algn="l"/>
+                <a:tab pos="9144000" algn="l"/>
+                <a:tab pos="10058400" algn="l"/>
+              </a:tabLst>
+            </a:pPr>
+            <a:r>
+              <a:rPr lang="en-GB" sz="4000" dirty="0">
+                <a:solidFill>
+                  <a:srgbClr val="000000"/>
+                </a:solidFill>
+                <a:latin typeface="Times New Roman" pitchFamily="18" charset="0"/>
+              </a:rPr>
+              <a:t>Bayesian Statistics</a:t>
+            </a:r>
+          </a:p>
+        </p:txBody>
+      </p:sp>
+      <p:sp>
+        <p:nvSpPr>
+          <p:cNvPr id="8" name="Rectangle 5"/>
+          <p:cNvSpPr>
+            <a:spLocks noChangeArrowheads="1"/>
+          </p:cNvSpPr>
+          <p:nvPr/>
+        </p:nvSpPr>
+        <p:spPr bwMode="auto">
+          <a:xfrm>
+            <a:off x="228600" y="1642559"/>
+            <a:ext cx="8686800" cy="712351"/>
+          </a:xfrm>
+          <a:prstGeom prst="rect">
+            <a:avLst/>
+          </a:prstGeom>
+          <a:noFill/>
+          <a:ln w="9525">
+            <a:noFill/>
+            <a:round/>
+            <a:headEnd/>
+            <a:tailEnd/>
+          </a:ln>
+        </p:spPr>
+        <p:txBody>
+          <a:bodyPr lIns="0" tIns="0" rIns="0" bIns="0"/>
+          <a:lstStyle/>
+          <a:p>
+            <a:pPr marL="430213" indent="-323850">
+              <a:lnSpc>
+                <a:spcPct val="100000"/>
+              </a:lnSpc>
+              <a:spcBef>
+                <a:spcPts val="800"/>
+              </a:spcBef>
+              <a:buFont typeface="Times New Roman" pitchFamily="18" charset="0"/>
+              <a:buChar char="•"/>
+              <a:tabLst>
+                <a:tab pos="430213" algn="l"/>
+                <a:tab pos="1344613" algn="l"/>
+                <a:tab pos="2259013" algn="l"/>
+                <a:tab pos="3173413" algn="l"/>
+                <a:tab pos="4087813" algn="l"/>
+                <a:tab pos="5002213" algn="l"/>
+                <a:tab pos="5916613" algn="l"/>
+                <a:tab pos="6831013" algn="l"/>
+                <a:tab pos="7745413" algn="l"/>
+                <a:tab pos="8659813" algn="l"/>
+                <a:tab pos="9574213" algn="l"/>
+                <a:tab pos="10488613" algn="l"/>
+              </a:tabLst>
+            </a:pPr>
+            <a:r>
+              <a:rPr lang="en-GB" sz="4000" dirty="0">
+                <a:solidFill>
+                  <a:srgbClr val="000000"/>
+                </a:solidFill>
+                <a:latin typeface="Times New Roman" pitchFamily="18" charset="0"/>
+              </a:rPr>
+              <a:t>The basic Bayesian philosophy:</a:t>
+            </a:r>
+          </a:p>
+        </p:txBody>
+      </p:sp>
+      <p:sp>
+        <p:nvSpPr>
+          <p:cNvPr id="6" name="Rectangle 5"/>
+          <p:cNvSpPr>
+            <a:spLocks noChangeArrowheads="1"/>
+          </p:cNvSpPr>
+          <p:nvPr/>
+        </p:nvSpPr>
+        <p:spPr bwMode="auto">
+          <a:xfrm>
+            <a:off x="56636" y="3104703"/>
+            <a:ext cx="5151029" cy="712351"/>
+          </a:xfrm>
+          <a:prstGeom prst="rect">
+            <a:avLst/>
+          </a:prstGeom>
+          <a:noFill/>
+          <a:ln w="9525">
+            <a:noFill/>
+            <a:round/>
+            <a:headEnd/>
+            <a:tailEnd/>
+          </a:ln>
+        </p:spPr>
+        <p:txBody>
+          <a:bodyPr lIns="0" tIns="0" rIns="0" bIns="0"/>
+          <a:lstStyle/>
+          <a:p>
+            <a:pPr marL="106363">
+              <a:lnSpc>
+                <a:spcPct val="100000"/>
+              </a:lnSpc>
+              <a:spcBef>
+                <a:spcPts val="800"/>
+              </a:spcBef>
+              <a:tabLst>
+                <a:tab pos="430213" algn="l"/>
+                <a:tab pos="1344613" algn="l"/>
+                <a:tab pos="2259013" algn="l"/>
+                <a:tab pos="3173413" algn="l"/>
+                <a:tab pos="4087813" algn="l"/>
+                <a:tab pos="5002213" algn="l"/>
+                <a:tab pos="5916613" algn="l"/>
+                <a:tab pos="6831013" algn="l"/>
+                <a:tab pos="7745413" algn="l"/>
+                <a:tab pos="8659813" algn="l"/>
+                <a:tab pos="9574213" algn="l"/>
+                <a:tab pos="10488613" algn="l"/>
+              </a:tabLst>
+            </a:pPr>
+            <a:r>
+              <a:rPr lang="en-GB" sz="3600" dirty="0">
+                <a:solidFill>
+                  <a:srgbClr val="000000"/>
+                </a:solidFill>
+                <a:latin typeface="Times New Roman" pitchFamily="18" charset="0"/>
+              </a:rPr>
+              <a:t>Prior Knowledge × Data =</a:t>
+            </a:r>
+          </a:p>
+        </p:txBody>
+      </p:sp>
+      <p:sp>
+        <p:nvSpPr>
+          <p:cNvPr id="7" name="Rectangle 6"/>
+          <p:cNvSpPr>
+            <a:spLocks noChangeArrowheads="1"/>
+          </p:cNvSpPr>
+          <p:nvPr/>
+        </p:nvSpPr>
+        <p:spPr bwMode="auto">
+          <a:xfrm>
+            <a:off x="5126872" y="3098683"/>
+            <a:ext cx="4026632" cy="712351"/>
+          </a:xfrm>
+          <a:prstGeom prst="rect">
+            <a:avLst/>
+          </a:prstGeom>
+          <a:noFill/>
+          <a:ln w="9525">
+            <a:noFill/>
+            <a:round/>
+            <a:headEnd/>
+            <a:tailEnd/>
+          </a:ln>
+        </p:spPr>
+        <p:txBody>
+          <a:bodyPr lIns="0" tIns="0" rIns="0" bIns="0"/>
+          <a:lstStyle/>
+          <a:p>
+            <a:pPr marL="106363">
+              <a:lnSpc>
+                <a:spcPct val="100000"/>
+              </a:lnSpc>
+              <a:spcBef>
+                <a:spcPts val="800"/>
+              </a:spcBef>
+              <a:tabLst>
+                <a:tab pos="430213" algn="l"/>
+                <a:tab pos="1344613" algn="l"/>
+                <a:tab pos="2259013" algn="l"/>
+                <a:tab pos="3173413" algn="l"/>
+                <a:tab pos="4087813" algn="l"/>
+                <a:tab pos="5002213" algn="l"/>
+                <a:tab pos="5916613" algn="l"/>
+                <a:tab pos="6831013" algn="l"/>
+                <a:tab pos="7745413" algn="l"/>
+                <a:tab pos="8659813" algn="l"/>
+                <a:tab pos="9574213" algn="l"/>
+                <a:tab pos="10488613" algn="l"/>
+              </a:tabLst>
+            </a:pPr>
+            <a:r>
+              <a:rPr lang="en-GB" sz="3600" dirty="0">
+                <a:solidFill>
+                  <a:srgbClr val="000000"/>
+                </a:solidFill>
+                <a:latin typeface="Times New Roman" pitchFamily="18" charset="0"/>
+              </a:rPr>
+              <a:t>Updated Knowledge</a:t>
+            </a:r>
+          </a:p>
+        </p:txBody>
+      </p:sp>
+      <p:sp>
+        <p:nvSpPr>
+          <p:cNvPr id="9" name="Rectangle 8"/>
+          <p:cNvSpPr>
+            <a:spLocks noChangeArrowheads="1"/>
+          </p:cNvSpPr>
+          <p:nvPr/>
+        </p:nvSpPr>
+        <p:spPr bwMode="auto">
+          <a:xfrm>
+            <a:off x="4803053" y="3803824"/>
+            <a:ext cx="4350451" cy="1126257"/>
+          </a:xfrm>
+          <a:prstGeom prst="rect">
+            <a:avLst/>
+          </a:prstGeom>
+          <a:noFill/>
+          <a:ln w="9525">
+            <a:noFill/>
+            <a:round/>
+            <a:headEnd/>
+            <a:tailEnd/>
+          </a:ln>
+        </p:spPr>
+        <p:txBody>
+          <a:bodyPr lIns="0" tIns="0" rIns="0" bIns="0"/>
+          <a:lstStyle/>
+          <a:p>
+            <a:pPr marL="106363" algn="ctr">
+              <a:lnSpc>
+                <a:spcPct val="100000"/>
+              </a:lnSpc>
+              <a:spcBef>
+                <a:spcPts val="800"/>
+              </a:spcBef>
+              <a:tabLst>
+                <a:tab pos="430213" algn="l"/>
+                <a:tab pos="1344613" algn="l"/>
+                <a:tab pos="2259013" algn="l"/>
+                <a:tab pos="3173413" algn="l"/>
+                <a:tab pos="4087813" algn="l"/>
+                <a:tab pos="5002213" algn="l"/>
+                <a:tab pos="5916613" algn="l"/>
+                <a:tab pos="6831013" algn="l"/>
+                <a:tab pos="7745413" algn="l"/>
+                <a:tab pos="8659813" algn="l"/>
+                <a:tab pos="9574213" algn="l"/>
+                <a:tab pos="10488613" algn="l"/>
+              </a:tabLst>
+            </a:pPr>
+            <a:r>
+              <a:rPr lang="en-GB" sz="3600" dirty="0">
+                <a:solidFill>
+                  <a:srgbClr val="000000"/>
+                </a:solidFill>
+                <a:latin typeface="Times New Roman" pitchFamily="18" charset="0"/>
+              </a:rPr>
+              <a:t>A better understanding of the world</a:t>
+            </a:r>
+          </a:p>
+        </p:txBody>
+      </p:sp>
+      <p:sp>
+        <p:nvSpPr>
+          <p:cNvPr id="10" name="Rectangle 9"/>
+          <p:cNvSpPr>
+            <a:spLocks noChangeArrowheads="1"/>
+          </p:cNvSpPr>
+          <p:nvPr/>
+        </p:nvSpPr>
+        <p:spPr bwMode="auto">
+          <a:xfrm>
+            <a:off x="2021300" y="5294487"/>
+            <a:ext cx="5151029" cy="712351"/>
+          </a:xfrm>
+          <a:prstGeom prst="rect">
+            <a:avLst/>
+          </a:prstGeom>
+          <a:noFill/>
+          <a:ln w="9525">
+            <a:noFill/>
+            <a:round/>
+            <a:headEnd/>
+            <a:tailEnd/>
+          </a:ln>
+        </p:spPr>
+        <p:txBody>
+          <a:bodyPr lIns="0" tIns="0" rIns="0" bIns="0"/>
+          <a:lstStyle/>
+          <a:p>
+            <a:pPr marL="106363">
+              <a:lnSpc>
+                <a:spcPct val="100000"/>
+              </a:lnSpc>
+              <a:spcBef>
+                <a:spcPts val="800"/>
+              </a:spcBef>
+              <a:tabLst>
+                <a:tab pos="430213" algn="l"/>
+                <a:tab pos="1344613" algn="l"/>
+                <a:tab pos="2259013" algn="l"/>
+                <a:tab pos="3173413" algn="l"/>
+                <a:tab pos="4087813" algn="l"/>
+                <a:tab pos="5002213" algn="l"/>
+                <a:tab pos="5916613" algn="l"/>
+                <a:tab pos="6831013" algn="l"/>
+                <a:tab pos="7745413" algn="l"/>
+                <a:tab pos="8659813" algn="l"/>
+                <a:tab pos="9574213" algn="l"/>
+                <a:tab pos="10488613" algn="l"/>
+              </a:tabLst>
+            </a:pPr>
+            <a:r>
+              <a:rPr lang="en-GB" sz="3600" dirty="0">
+                <a:solidFill>
+                  <a:srgbClr val="000000"/>
+                </a:solidFill>
+                <a:latin typeface="Times New Roman" pitchFamily="18" charset="0"/>
+              </a:rPr>
+              <a:t>Prior × Data = Posterior</a:t>
+            </a:r>
+          </a:p>
+        </p:txBody>
+      </p:sp>
+    </p:spTree>
+    <p:extLst>
+      <p:ext uri="{BB962C8B-B14F-4D97-AF65-F5344CB8AC3E}">
+        <p14:creationId xmlns:p14="http://schemas.microsoft.com/office/powerpoint/2010/main" val="3446001753"/>
+      </p:ext>
+    </p:extLst>
+  </p:cSld>
+  <p:clrMapOvr>
+    <a:masterClrMapping/>
+  </p:clrMapOvr>
+  <p:timing>
+    <p:tnLst>
+      <p:par>
+        <p:cTn id="1" dur="indefinite" restart="never" nodeType="tmRoot">
+          <p:childTnLst>
+            <p:seq concurrent="1" nextAc="seek">
+              <p:cTn id="2" dur="indefinite" nodeType="mainSeq">
+                <p:childTnLst>
+                  <p:par>
+                    <p:cTn id="3" fill="hold">
+                      <p:stCondLst>
+                        <p:cond delay="indefinite"/>
+                      </p:stCondLst>
+                      <p:childTnLst>
+                        <p:par>
+                          <p:cTn id="4" fill="hold">
+                            <p:stCondLst>
+                              <p:cond delay="0"/>
+                            </p:stCondLst>
+                            <p:childTnLst>
+                              <p:par>
+                                <p:cTn id="5" presetID="2" presetClass="entr" presetSubtype="2" fill="hold" grpId="0" nodeType="clickEffect">
+                                  <p:stCondLst>
+                                    <p:cond delay="0"/>
+                                  </p:stCondLst>
+                                  <p:childTnLst>
+                                    <p:set>
+                                      <p:cBhvr>
+                                        <p:cTn id="6" dur="1" fill="hold">
+                                          <p:stCondLst>
+                                            <p:cond delay="0"/>
+                                          </p:stCondLst>
+                                        </p:cTn>
+                                        <p:tgtEl>
+                                          <p:spTgt spid="7"/>
+                                        </p:tgtEl>
+                                        <p:attrNameLst>
+                                          <p:attrName>style.visibility</p:attrName>
+                                        </p:attrNameLst>
+                                      </p:cBhvr>
+                                      <p:to>
+                                        <p:strVal val="visible"/>
+                                      </p:to>
+                                    </p:set>
+                                    <p:anim calcmode="lin" valueType="num">
+                                      <p:cBhvr additive="base">
+                                        <p:cTn id="7" dur="500" fill="hold"/>
+                                        <p:tgtEl>
+                                          <p:spTgt spid="7"/>
+                                        </p:tgtEl>
+                                        <p:attrNameLst>
+                                          <p:attrName>ppt_x</p:attrName>
+                                        </p:attrNameLst>
+                                      </p:cBhvr>
+                                      <p:tavLst>
+                                        <p:tav tm="0">
+                                          <p:val>
+                                            <p:strVal val="1+#ppt_w/2"/>
+                                          </p:val>
+                                        </p:tav>
+                                        <p:tav tm="100000">
+                                          <p:val>
+                                            <p:strVal val="#ppt_x"/>
+                                          </p:val>
+                                        </p:tav>
+                                      </p:tavLst>
+                                    </p:anim>
+                                    <p:anim calcmode="lin" valueType="num">
+                                      <p:cBhvr additive="base">
+                                        <p:cTn id="8" dur="500" fill="hold"/>
+                                        <p:tgtEl>
+                                          <p:spTgt spid="7"/>
+                                        </p:tgtEl>
+                                        <p:attrNameLst>
+                                          <p:attrName>ppt_y</p:attrName>
+                                        </p:attrNameLst>
+                                      </p:cBhvr>
+                                      <p:tavLst>
+                                        <p:tav tm="0">
+                                          <p:val>
+                                            <p:strVal val="#ppt_y"/>
+                                          </p:val>
+                                        </p:tav>
+                                        <p:tav tm="100000">
+                                          <p:val>
+                                            <p:strVal val="#ppt_y"/>
+                                          </p:val>
+                                        </p:tav>
+                                      </p:tavLst>
+                                    </p:anim>
+                                  </p:childTnLst>
+                                </p:cTn>
+                              </p:par>
+                            </p:childTnLst>
+                          </p:cTn>
+                        </p:par>
+                      </p:childTnLst>
+                    </p:cTn>
+                  </p:par>
+                  <p:par>
+                    <p:cTn id="9" fill="hold">
+                      <p:stCondLst>
+                        <p:cond delay="indefinite"/>
+                      </p:stCondLst>
+                      <p:childTnLst>
+                        <p:par>
+                          <p:cTn id="10" fill="hold">
+                            <p:stCondLst>
+                              <p:cond delay="0"/>
+                            </p:stCondLst>
+                            <p:childTnLst>
+                              <p:par>
+                                <p:cTn id="11" presetID="2" presetClass="entr" presetSubtype="4" fill="hold" grpId="0" nodeType="clickEffect">
+                                  <p:stCondLst>
+                                    <p:cond delay="0"/>
+                                  </p:stCondLst>
+                                  <p:childTnLst>
+                                    <p:set>
+                                      <p:cBhvr>
+                                        <p:cTn id="12" dur="1" fill="hold">
+                                          <p:stCondLst>
+                                            <p:cond delay="0"/>
+                                          </p:stCondLst>
+                                        </p:cTn>
+                                        <p:tgtEl>
+                                          <p:spTgt spid="9"/>
+                                        </p:tgtEl>
+                                        <p:attrNameLst>
+                                          <p:attrName>style.visibility</p:attrName>
+                                        </p:attrNameLst>
+                                      </p:cBhvr>
+                                      <p:to>
+                                        <p:strVal val="visible"/>
+                                      </p:to>
+                                    </p:set>
+                                    <p:anim calcmode="lin" valueType="num">
+                                      <p:cBhvr additive="base">
+                                        <p:cTn id="13" dur="500" fill="hold"/>
+                                        <p:tgtEl>
+                                          <p:spTgt spid="9"/>
+                                        </p:tgtEl>
+                                        <p:attrNameLst>
+                                          <p:attrName>ppt_x</p:attrName>
+                                        </p:attrNameLst>
+                                      </p:cBhvr>
+                                      <p:tavLst>
+                                        <p:tav tm="0">
+                                          <p:val>
+                                            <p:strVal val="#ppt_x"/>
+                                          </p:val>
+                                        </p:tav>
+                                        <p:tav tm="100000">
+                                          <p:val>
+                                            <p:strVal val="#ppt_x"/>
+                                          </p:val>
+                                        </p:tav>
+                                      </p:tavLst>
+                                    </p:anim>
+                                    <p:anim calcmode="lin" valueType="num">
+                                      <p:cBhvr additive="base">
+                                        <p:cTn id="14" dur="500" fill="hold"/>
+                                        <p:tgtEl>
+                                          <p:spTgt spid="9"/>
+                                        </p:tgtEl>
+                                        <p:attrNameLst>
+                                          <p:attrName>ppt_y</p:attrName>
+                                        </p:attrNameLst>
+                                      </p:cBhvr>
+                                      <p:tavLst>
+                                        <p:tav tm="0">
+                                          <p:val>
+                                            <p:strVal val="1+#ppt_h/2"/>
+                                          </p:val>
+                                        </p:tav>
+                                        <p:tav tm="100000">
+                                          <p:val>
+                                            <p:strVal val="#ppt_y"/>
+                                          </p:val>
+                                        </p:tav>
+                                      </p:tavLst>
+                                    </p:anim>
+                                  </p:childTnLst>
+                                </p:cTn>
+                              </p:par>
+                            </p:childTnLst>
+                          </p:cTn>
+                        </p:par>
+                      </p:childTnLst>
+                    </p:cTn>
+                  </p:par>
+                  <p:par>
+                    <p:cTn id="15" fill="hold">
+                      <p:stCondLst>
+                        <p:cond delay="indefinite"/>
+                      </p:stCondLst>
+                      <p:childTnLst>
+                        <p:par>
+                          <p:cTn id="16" fill="hold">
+                            <p:stCondLst>
+                              <p:cond delay="0"/>
+                            </p:stCondLst>
+                            <p:childTnLst>
+                              <p:par>
+                                <p:cTn id="17" presetID="2" presetClass="entr" presetSubtype="4" fill="hold" grpId="0" nodeType="clickEffect">
+                                  <p:stCondLst>
+                                    <p:cond delay="0"/>
+                                  </p:stCondLst>
+                                  <p:childTnLst>
+                                    <p:set>
+                                      <p:cBhvr>
+                                        <p:cTn id="18" dur="1" fill="hold">
+                                          <p:stCondLst>
+                                            <p:cond delay="0"/>
+                                          </p:stCondLst>
+                                        </p:cTn>
+                                        <p:tgtEl>
+                                          <p:spTgt spid="10"/>
+                                        </p:tgtEl>
+                                        <p:attrNameLst>
+                                          <p:attrName>style.visibility</p:attrName>
+                                        </p:attrNameLst>
+                                      </p:cBhvr>
+                                      <p:to>
+                                        <p:strVal val="visible"/>
+                                      </p:to>
+                                    </p:set>
+                                    <p:anim calcmode="lin" valueType="num">
+                                      <p:cBhvr additive="base">
+                                        <p:cTn id="19" dur="500" fill="hold"/>
+                                        <p:tgtEl>
+                                          <p:spTgt spid="10"/>
+                                        </p:tgtEl>
+                                        <p:attrNameLst>
+                                          <p:attrName>ppt_x</p:attrName>
+                                        </p:attrNameLst>
+                                      </p:cBhvr>
+                                      <p:tavLst>
+                                        <p:tav tm="0">
+                                          <p:val>
+                                            <p:strVal val="#ppt_x"/>
+                                          </p:val>
+                                        </p:tav>
+                                        <p:tav tm="100000">
+                                          <p:val>
+                                            <p:strVal val="#ppt_x"/>
+                                          </p:val>
+                                        </p:tav>
+                                      </p:tavLst>
+                                    </p:anim>
+                                    <p:anim calcmode="lin" valueType="num">
+                                      <p:cBhvr additive="base">
+                                        <p:cTn id="20" dur="500" fill="hold"/>
+                                        <p:tgtEl>
+                                          <p:spTgt spid="10"/>
+                                        </p:tgtEl>
+                                        <p:attrNameLst>
+                                          <p:attrName>ppt_y</p:attrName>
+                                        </p:attrNameLst>
+                                      </p:cBhvr>
+                                      <p:tavLst>
+                                        <p:tav tm="0">
+                                          <p:val>
+                                            <p:strVal val="1+#ppt_h/2"/>
+                                          </p:val>
+                                        </p:tav>
+                                        <p:tav tm="100000">
+                                          <p:val>
+                                            <p:strVal val="#ppt_y"/>
+                                          </p:val>
+                                        </p:tav>
+                                      </p:tavLst>
+                                    </p:anim>
+                                  </p:childTnLst>
+                                </p:cTn>
+                              </p:par>
+                            </p:childTnLst>
+                          </p:cTn>
+                        </p:par>
+                      </p:childTnLst>
+                    </p:cTn>
+                  </p:par>
+                </p:childTnLst>
+              </p:cTn>
+              <p:prevCondLst>
+                <p:cond evt="onPrev" delay="0">
+                  <p:tgtEl>
+                    <p:sldTgt/>
+                  </p:tgtEl>
+                </p:cond>
+              </p:prevCondLst>
+              <p:nextCondLst>
+                <p:cond evt="onNext" delay="0">
+                  <p:tgtEl>
+                    <p:sldTgt/>
+                  </p:tgtEl>
+                </p:cond>
+              </p:nextCondLst>
+            </p:seq>
+          </p:childTnLst>
+        </p:cTn>
+      </p:par>
+    </p:tnLst>
+    <p:bldLst>
+      <p:bldP spid="7" grpId="0"/>
+      <p:bldP spid="9" grpId="0"/>
+      <p:bldP spid="10" grpId="0"/>
+    </p:bldLst>
+  </p:timing>
+</p:sld>
+</file>
+
+<file path=ppt/slides/slide30.xml><?xml version="1.0" encoding="utf-8"?>
 <p:sld xmlns:a="http://schemas.openxmlformats.org/drawingml/2006/main" xmlns:r="http://schemas.openxmlformats.org/officeDocument/2006/relationships" xmlns:p="http://schemas.openxmlformats.org/presentationml/2006/main">
   <p:cSld>
     <p:spTree>
@@ -17846,7 +23972,7 @@
 </p:sld>
 </file>
 
-<file path=ppt/slides/slide27.xml><?xml version="1.0" encoding="utf-8"?>
+<file path=ppt/slides/slide31.xml><?xml version="1.0" encoding="utf-8"?>
 <p:sld xmlns:a="http://schemas.openxmlformats.org/drawingml/2006/main" xmlns:r="http://schemas.openxmlformats.org/officeDocument/2006/relationships" xmlns:p="http://schemas.openxmlformats.org/presentationml/2006/main">
   <p:cSld>
     <p:spTree>
@@ -18415,7 +24541,7 @@
 </p:sld>
 </file>
 
-<file path=ppt/slides/slide28.xml><?xml version="1.0" encoding="utf-8"?>
+<file path=ppt/slides/slide32.xml><?xml version="1.0" encoding="utf-8"?>
 <p:sld xmlns:a="http://schemas.openxmlformats.org/drawingml/2006/main" xmlns:r="http://schemas.openxmlformats.org/officeDocument/2006/relationships" xmlns:p="http://schemas.openxmlformats.org/presentationml/2006/main">
   <p:cSld>
     <p:spTree>
@@ -19082,7 +25208,7 @@
 </p:sld>
 </file>
 
-<file path=ppt/slides/slide29.xml><?xml version="1.0" encoding="utf-8"?>
+<file path=ppt/slides/slide33.xml><?xml version="1.0" encoding="utf-8"?>
 <p:sld xmlns:a="http://schemas.openxmlformats.org/drawingml/2006/main" xmlns:r="http://schemas.openxmlformats.org/officeDocument/2006/relationships" xmlns:p="http://schemas.openxmlformats.org/presentationml/2006/main">
   <p:cSld>
     <p:spTree>
@@ -19246,751 +25372,7 @@
 </p:sld>
 </file>
 
-<file path=ppt/slides/slide3.xml><?xml version="1.0" encoding="utf-8"?>
-<p:sld xmlns:a="http://schemas.openxmlformats.org/drawingml/2006/main" xmlns:r="http://schemas.openxmlformats.org/officeDocument/2006/relationships" xmlns:p="http://schemas.openxmlformats.org/presentationml/2006/main">
-  <p:cSld>
-    <p:spTree>
-      <p:nvGrpSpPr>
-        <p:cNvPr id="1" name=""/>
-        <p:cNvGrpSpPr/>
-        <p:nvPr/>
-      </p:nvGrpSpPr>
-      <p:grpSpPr>
-        <a:xfrm>
-          <a:off x="0" y="0"/>
-          <a:ext cx="0" cy="0"/>
-          <a:chOff x="0" y="0"/>
-          <a:chExt cx="0" cy="0"/>
-        </a:xfrm>
-      </p:grpSpPr>
-      <p:pic>
-        <p:nvPicPr>
-          <p:cNvPr id="4" name="Picture 2"/>
-          <p:cNvPicPr>
-            <a:picLocks noChangeAspect="1" noChangeArrowheads="1"/>
-          </p:cNvPicPr>
-          <p:nvPr/>
-        </p:nvPicPr>
-        <p:blipFill>
-          <a:blip r:embed="rId2" cstate="print"/>
-          <a:srcRect/>
-          <a:stretch>
-            <a:fillRect/>
-          </a:stretch>
-        </p:blipFill>
-        <p:spPr bwMode="auto">
-          <a:xfrm>
-            <a:off x="484188" y="76200"/>
-            <a:ext cx="8202612" cy="239712"/>
-          </a:xfrm>
-          <a:prstGeom prst="rect">
-            <a:avLst/>
-          </a:prstGeom>
-          <a:noFill/>
-          <a:ln w="9525">
-            <a:noFill/>
-            <a:round/>
-            <a:headEnd/>
-            <a:tailEnd/>
-          </a:ln>
-        </p:spPr>
-      </p:pic>
-      <p:sp>
-        <p:nvSpPr>
-          <p:cNvPr id="5" name="Rectangle 4"/>
-          <p:cNvSpPr>
-            <a:spLocks noChangeArrowheads="1"/>
-          </p:cNvSpPr>
-          <p:nvPr/>
-        </p:nvSpPr>
-        <p:spPr bwMode="auto">
-          <a:xfrm>
-            <a:off x="135468" y="84667"/>
-            <a:ext cx="8991601" cy="1127125"/>
-          </a:xfrm>
-          <a:prstGeom prst="rect">
-            <a:avLst/>
-          </a:prstGeom>
-          <a:noFill/>
-          <a:ln w="9525">
-            <a:noFill/>
-            <a:round/>
-            <a:headEnd/>
-            <a:tailEnd/>
-          </a:ln>
-        </p:spPr>
-        <p:txBody>
-          <a:bodyPr lIns="0" tIns="0" rIns="0" bIns="0" anchor="ctr"/>
-          <a:lstStyle/>
-          <a:p>
-            <a:pPr algn="ctr">
-              <a:buClr>
-                <a:srgbClr val="000000"/>
-              </a:buClr>
-              <a:buSzPct val="100000"/>
-              <a:buFont typeface="Times New Roman" pitchFamily="18" charset="0"/>
-              <a:buNone/>
-              <a:tabLst>
-                <a:tab pos="0" algn="l"/>
-                <a:tab pos="914400" algn="l"/>
-                <a:tab pos="1828800" algn="l"/>
-                <a:tab pos="2743200" algn="l"/>
-                <a:tab pos="3657600" algn="l"/>
-                <a:tab pos="4572000" algn="l"/>
-                <a:tab pos="5486400" algn="l"/>
-                <a:tab pos="6400800" algn="l"/>
-                <a:tab pos="7315200" algn="l"/>
-                <a:tab pos="8229600" algn="l"/>
-                <a:tab pos="9144000" algn="l"/>
-                <a:tab pos="10058400" algn="l"/>
-              </a:tabLst>
-            </a:pPr>
-            <a:r>
-              <a:rPr lang="en-GB" sz="4000" dirty="0">
-                <a:solidFill>
-                  <a:srgbClr val="000000"/>
-                </a:solidFill>
-                <a:latin typeface="Times New Roman" pitchFamily="18" charset="0"/>
-              </a:rPr>
-              <a:t>Bayesian Statistics</a:t>
-            </a:r>
-          </a:p>
-        </p:txBody>
-      </p:sp>
-      <p:sp>
-        <p:nvSpPr>
-          <p:cNvPr id="8" name="Rectangle 5"/>
-          <p:cNvSpPr>
-            <a:spLocks noChangeArrowheads="1"/>
-          </p:cNvSpPr>
-          <p:nvPr/>
-        </p:nvSpPr>
-        <p:spPr bwMode="auto">
-          <a:xfrm>
-            <a:off x="228600" y="1642559"/>
-            <a:ext cx="8686800" cy="712351"/>
-          </a:xfrm>
-          <a:prstGeom prst="rect">
-            <a:avLst/>
-          </a:prstGeom>
-          <a:noFill/>
-          <a:ln w="9525">
-            <a:noFill/>
-            <a:round/>
-            <a:headEnd/>
-            <a:tailEnd/>
-          </a:ln>
-        </p:spPr>
-        <p:txBody>
-          <a:bodyPr lIns="0" tIns="0" rIns="0" bIns="0"/>
-          <a:lstStyle/>
-          <a:p>
-            <a:pPr marL="430213" indent="-323850">
-              <a:lnSpc>
-                <a:spcPct val="100000"/>
-              </a:lnSpc>
-              <a:spcBef>
-                <a:spcPts val="800"/>
-              </a:spcBef>
-              <a:buFont typeface="Times New Roman" pitchFamily="18" charset="0"/>
-              <a:buChar char="•"/>
-              <a:tabLst>
-                <a:tab pos="430213" algn="l"/>
-                <a:tab pos="1344613" algn="l"/>
-                <a:tab pos="2259013" algn="l"/>
-                <a:tab pos="3173413" algn="l"/>
-                <a:tab pos="4087813" algn="l"/>
-                <a:tab pos="5002213" algn="l"/>
-                <a:tab pos="5916613" algn="l"/>
-                <a:tab pos="6831013" algn="l"/>
-                <a:tab pos="7745413" algn="l"/>
-                <a:tab pos="8659813" algn="l"/>
-                <a:tab pos="9574213" algn="l"/>
-                <a:tab pos="10488613" algn="l"/>
-              </a:tabLst>
-            </a:pPr>
-            <a:r>
-              <a:rPr lang="en-GB" sz="4000" dirty="0">
-                <a:solidFill>
-                  <a:srgbClr val="000000"/>
-                </a:solidFill>
-                <a:latin typeface="Times New Roman" pitchFamily="18" charset="0"/>
-              </a:rPr>
-              <a:t>The basic Bayesian philosophy:</a:t>
-            </a:r>
-          </a:p>
-        </p:txBody>
-      </p:sp>
-      <p:sp>
-        <p:nvSpPr>
-          <p:cNvPr id="6" name="Rectangle 5"/>
-          <p:cNvSpPr>
-            <a:spLocks noChangeArrowheads="1"/>
-          </p:cNvSpPr>
-          <p:nvPr/>
-        </p:nvSpPr>
-        <p:spPr bwMode="auto">
-          <a:xfrm>
-            <a:off x="56636" y="3104703"/>
-            <a:ext cx="5151029" cy="712351"/>
-          </a:xfrm>
-          <a:prstGeom prst="rect">
-            <a:avLst/>
-          </a:prstGeom>
-          <a:noFill/>
-          <a:ln w="9525">
-            <a:noFill/>
-            <a:round/>
-            <a:headEnd/>
-            <a:tailEnd/>
-          </a:ln>
-        </p:spPr>
-        <p:txBody>
-          <a:bodyPr lIns="0" tIns="0" rIns="0" bIns="0"/>
-          <a:lstStyle/>
-          <a:p>
-            <a:pPr marL="106363">
-              <a:lnSpc>
-                <a:spcPct val="100000"/>
-              </a:lnSpc>
-              <a:spcBef>
-                <a:spcPts val="800"/>
-              </a:spcBef>
-              <a:tabLst>
-                <a:tab pos="430213" algn="l"/>
-                <a:tab pos="1344613" algn="l"/>
-                <a:tab pos="2259013" algn="l"/>
-                <a:tab pos="3173413" algn="l"/>
-                <a:tab pos="4087813" algn="l"/>
-                <a:tab pos="5002213" algn="l"/>
-                <a:tab pos="5916613" algn="l"/>
-                <a:tab pos="6831013" algn="l"/>
-                <a:tab pos="7745413" algn="l"/>
-                <a:tab pos="8659813" algn="l"/>
-                <a:tab pos="9574213" algn="l"/>
-                <a:tab pos="10488613" algn="l"/>
-              </a:tabLst>
-            </a:pPr>
-            <a:r>
-              <a:rPr lang="en-GB" sz="3600" dirty="0">
-                <a:solidFill>
-                  <a:srgbClr val="000000"/>
-                </a:solidFill>
-                <a:latin typeface="Times New Roman" pitchFamily="18" charset="0"/>
-              </a:rPr>
-              <a:t>Prior Knowledge × Data =</a:t>
-            </a:r>
-          </a:p>
-        </p:txBody>
-      </p:sp>
-      <p:sp>
-        <p:nvSpPr>
-          <p:cNvPr id="7" name="Rectangle 6"/>
-          <p:cNvSpPr>
-            <a:spLocks noChangeArrowheads="1"/>
-          </p:cNvSpPr>
-          <p:nvPr/>
-        </p:nvSpPr>
-        <p:spPr bwMode="auto">
-          <a:xfrm>
-            <a:off x="5126872" y="3098683"/>
-            <a:ext cx="4026632" cy="712351"/>
-          </a:xfrm>
-          <a:prstGeom prst="rect">
-            <a:avLst/>
-          </a:prstGeom>
-          <a:noFill/>
-          <a:ln w="9525">
-            <a:noFill/>
-            <a:round/>
-            <a:headEnd/>
-            <a:tailEnd/>
-          </a:ln>
-        </p:spPr>
-        <p:txBody>
-          <a:bodyPr lIns="0" tIns="0" rIns="0" bIns="0"/>
-          <a:lstStyle/>
-          <a:p>
-            <a:pPr marL="106363">
-              <a:lnSpc>
-                <a:spcPct val="100000"/>
-              </a:lnSpc>
-              <a:spcBef>
-                <a:spcPts val="800"/>
-              </a:spcBef>
-              <a:tabLst>
-                <a:tab pos="430213" algn="l"/>
-                <a:tab pos="1344613" algn="l"/>
-                <a:tab pos="2259013" algn="l"/>
-                <a:tab pos="3173413" algn="l"/>
-                <a:tab pos="4087813" algn="l"/>
-                <a:tab pos="5002213" algn="l"/>
-                <a:tab pos="5916613" algn="l"/>
-                <a:tab pos="6831013" algn="l"/>
-                <a:tab pos="7745413" algn="l"/>
-                <a:tab pos="8659813" algn="l"/>
-                <a:tab pos="9574213" algn="l"/>
-                <a:tab pos="10488613" algn="l"/>
-              </a:tabLst>
-            </a:pPr>
-            <a:r>
-              <a:rPr lang="en-GB" sz="3600" dirty="0">
-                <a:solidFill>
-                  <a:srgbClr val="000000"/>
-                </a:solidFill>
-                <a:latin typeface="Times New Roman" pitchFamily="18" charset="0"/>
-              </a:rPr>
-              <a:t>Updated Knowledge</a:t>
-            </a:r>
-          </a:p>
-        </p:txBody>
-      </p:sp>
-      <p:sp>
-        <p:nvSpPr>
-          <p:cNvPr id="9" name="Rectangle 8"/>
-          <p:cNvSpPr>
-            <a:spLocks noChangeArrowheads="1"/>
-          </p:cNvSpPr>
-          <p:nvPr/>
-        </p:nvSpPr>
-        <p:spPr bwMode="auto">
-          <a:xfrm>
-            <a:off x="4803053" y="3803824"/>
-            <a:ext cx="4350451" cy="1126257"/>
-          </a:xfrm>
-          <a:prstGeom prst="rect">
-            <a:avLst/>
-          </a:prstGeom>
-          <a:noFill/>
-          <a:ln w="9525">
-            <a:noFill/>
-            <a:round/>
-            <a:headEnd/>
-            <a:tailEnd/>
-          </a:ln>
-        </p:spPr>
-        <p:txBody>
-          <a:bodyPr lIns="0" tIns="0" rIns="0" bIns="0"/>
-          <a:lstStyle/>
-          <a:p>
-            <a:pPr marL="106363" algn="ctr">
-              <a:lnSpc>
-                <a:spcPct val="100000"/>
-              </a:lnSpc>
-              <a:spcBef>
-                <a:spcPts val="800"/>
-              </a:spcBef>
-              <a:tabLst>
-                <a:tab pos="430213" algn="l"/>
-                <a:tab pos="1344613" algn="l"/>
-                <a:tab pos="2259013" algn="l"/>
-                <a:tab pos="3173413" algn="l"/>
-                <a:tab pos="4087813" algn="l"/>
-                <a:tab pos="5002213" algn="l"/>
-                <a:tab pos="5916613" algn="l"/>
-                <a:tab pos="6831013" algn="l"/>
-                <a:tab pos="7745413" algn="l"/>
-                <a:tab pos="8659813" algn="l"/>
-                <a:tab pos="9574213" algn="l"/>
-                <a:tab pos="10488613" algn="l"/>
-              </a:tabLst>
-            </a:pPr>
-            <a:r>
-              <a:rPr lang="en-GB" sz="3600" dirty="0">
-                <a:solidFill>
-                  <a:srgbClr val="000000"/>
-                </a:solidFill>
-                <a:latin typeface="Times New Roman" pitchFamily="18" charset="0"/>
-              </a:rPr>
-              <a:t>A better understanding of the world</a:t>
-            </a:r>
-          </a:p>
-        </p:txBody>
-      </p:sp>
-      <p:sp>
-        <p:nvSpPr>
-          <p:cNvPr id="10" name="Rectangle 9"/>
-          <p:cNvSpPr>
-            <a:spLocks noChangeArrowheads="1"/>
-          </p:cNvSpPr>
-          <p:nvPr/>
-        </p:nvSpPr>
-        <p:spPr bwMode="auto">
-          <a:xfrm>
-            <a:off x="2021300" y="5294487"/>
-            <a:ext cx="5151029" cy="712351"/>
-          </a:xfrm>
-          <a:prstGeom prst="rect">
-            <a:avLst/>
-          </a:prstGeom>
-          <a:noFill/>
-          <a:ln w="9525">
-            <a:noFill/>
-            <a:round/>
-            <a:headEnd/>
-            <a:tailEnd/>
-          </a:ln>
-        </p:spPr>
-        <p:txBody>
-          <a:bodyPr lIns="0" tIns="0" rIns="0" bIns="0"/>
-          <a:lstStyle/>
-          <a:p>
-            <a:pPr marL="106363">
-              <a:lnSpc>
-                <a:spcPct val="100000"/>
-              </a:lnSpc>
-              <a:spcBef>
-                <a:spcPts val="800"/>
-              </a:spcBef>
-              <a:tabLst>
-                <a:tab pos="430213" algn="l"/>
-                <a:tab pos="1344613" algn="l"/>
-                <a:tab pos="2259013" algn="l"/>
-                <a:tab pos="3173413" algn="l"/>
-                <a:tab pos="4087813" algn="l"/>
-                <a:tab pos="5002213" algn="l"/>
-                <a:tab pos="5916613" algn="l"/>
-                <a:tab pos="6831013" algn="l"/>
-                <a:tab pos="7745413" algn="l"/>
-                <a:tab pos="8659813" algn="l"/>
-                <a:tab pos="9574213" algn="l"/>
-                <a:tab pos="10488613" algn="l"/>
-              </a:tabLst>
-            </a:pPr>
-            <a:r>
-              <a:rPr lang="en-GB" sz="3600" dirty="0">
-                <a:solidFill>
-                  <a:srgbClr val="000000"/>
-                </a:solidFill>
-                <a:latin typeface="Times New Roman" pitchFamily="18" charset="0"/>
-              </a:rPr>
-              <a:t>Prior × Data = Posterior</a:t>
-            </a:r>
-          </a:p>
-        </p:txBody>
-      </p:sp>
-    </p:spTree>
-    <p:extLst>
-      <p:ext uri="{BB962C8B-B14F-4D97-AF65-F5344CB8AC3E}">
-        <p14:creationId xmlns:p14="http://schemas.microsoft.com/office/powerpoint/2010/main" val="3446001753"/>
-      </p:ext>
-    </p:extLst>
-  </p:cSld>
-  <p:clrMapOvr>
-    <a:masterClrMapping/>
-  </p:clrMapOvr>
-  <p:timing>
-    <p:tnLst>
-      <p:par>
-        <p:cTn id="1" dur="indefinite" restart="never" nodeType="tmRoot">
-          <p:childTnLst>
-            <p:seq concurrent="1" nextAc="seek">
-              <p:cTn id="2" dur="indefinite" nodeType="mainSeq">
-                <p:childTnLst>
-                  <p:par>
-                    <p:cTn id="3" fill="hold">
-                      <p:stCondLst>
-                        <p:cond delay="indefinite"/>
-                      </p:stCondLst>
-                      <p:childTnLst>
-                        <p:par>
-                          <p:cTn id="4" fill="hold">
-                            <p:stCondLst>
-                              <p:cond delay="0"/>
-                            </p:stCondLst>
-                            <p:childTnLst>
-                              <p:par>
-                                <p:cTn id="5" presetID="2" presetClass="entr" presetSubtype="2" fill="hold" grpId="0" nodeType="clickEffect">
-                                  <p:stCondLst>
-                                    <p:cond delay="0"/>
-                                  </p:stCondLst>
-                                  <p:childTnLst>
-                                    <p:set>
-                                      <p:cBhvr>
-                                        <p:cTn id="6" dur="1" fill="hold">
-                                          <p:stCondLst>
-                                            <p:cond delay="0"/>
-                                          </p:stCondLst>
-                                        </p:cTn>
-                                        <p:tgtEl>
-                                          <p:spTgt spid="7"/>
-                                        </p:tgtEl>
-                                        <p:attrNameLst>
-                                          <p:attrName>style.visibility</p:attrName>
-                                        </p:attrNameLst>
-                                      </p:cBhvr>
-                                      <p:to>
-                                        <p:strVal val="visible"/>
-                                      </p:to>
-                                    </p:set>
-                                    <p:anim calcmode="lin" valueType="num">
-                                      <p:cBhvr additive="base">
-                                        <p:cTn id="7" dur="500" fill="hold"/>
-                                        <p:tgtEl>
-                                          <p:spTgt spid="7"/>
-                                        </p:tgtEl>
-                                        <p:attrNameLst>
-                                          <p:attrName>ppt_x</p:attrName>
-                                        </p:attrNameLst>
-                                      </p:cBhvr>
-                                      <p:tavLst>
-                                        <p:tav tm="0">
-                                          <p:val>
-                                            <p:strVal val="1+#ppt_w/2"/>
-                                          </p:val>
-                                        </p:tav>
-                                        <p:tav tm="100000">
-                                          <p:val>
-                                            <p:strVal val="#ppt_x"/>
-                                          </p:val>
-                                        </p:tav>
-                                      </p:tavLst>
-                                    </p:anim>
-                                    <p:anim calcmode="lin" valueType="num">
-                                      <p:cBhvr additive="base">
-                                        <p:cTn id="8" dur="500" fill="hold"/>
-                                        <p:tgtEl>
-                                          <p:spTgt spid="7"/>
-                                        </p:tgtEl>
-                                        <p:attrNameLst>
-                                          <p:attrName>ppt_y</p:attrName>
-                                        </p:attrNameLst>
-                                      </p:cBhvr>
-                                      <p:tavLst>
-                                        <p:tav tm="0">
-                                          <p:val>
-                                            <p:strVal val="#ppt_y"/>
-                                          </p:val>
-                                        </p:tav>
-                                        <p:tav tm="100000">
-                                          <p:val>
-                                            <p:strVal val="#ppt_y"/>
-                                          </p:val>
-                                        </p:tav>
-                                      </p:tavLst>
-                                    </p:anim>
-                                  </p:childTnLst>
-                                </p:cTn>
-                              </p:par>
-                            </p:childTnLst>
-                          </p:cTn>
-                        </p:par>
-                      </p:childTnLst>
-                    </p:cTn>
-                  </p:par>
-                  <p:par>
-                    <p:cTn id="9" fill="hold">
-                      <p:stCondLst>
-                        <p:cond delay="indefinite"/>
-                      </p:stCondLst>
-                      <p:childTnLst>
-                        <p:par>
-                          <p:cTn id="10" fill="hold">
-                            <p:stCondLst>
-                              <p:cond delay="0"/>
-                            </p:stCondLst>
-                            <p:childTnLst>
-                              <p:par>
-                                <p:cTn id="11" presetID="2" presetClass="entr" presetSubtype="4" fill="hold" grpId="0" nodeType="clickEffect">
-                                  <p:stCondLst>
-                                    <p:cond delay="0"/>
-                                  </p:stCondLst>
-                                  <p:childTnLst>
-                                    <p:set>
-                                      <p:cBhvr>
-                                        <p:cTn id="12" dur="1" fill="hold">
-                                          <p:stCondLst>
-                                            <p:cond delay="0"/>
-                                          </p:stCondLst>
-                                        </p:cTn>
-                                        <p:tgtEl>
-                                          <p:spTgt spid="9"/>
-                                        </p:tgtEl>
-                                        <p:attrNameLst>
-                                          <p:attrName>style.visibility</p:attrName>
-                                        </p:attrNameLst>
-                                      </p:cBhvr>
-                                      <p:to>
-                                        <p:strVal val="visible"/>
-                                      </p:to>
-                                    </p:set>
-                                    <p:anim calcmode="lin" valueType="num">
-                                      <p:cBhvr additive="base">
-                                        <p:cTn id="13" dur="500" fill="hold"/>
-                                        <p:tgtEl>
-                                          <p:spTgt spid="9"/>
-                                        </p:tgtEl>
-                                        <p:attrNameLst>
-                                          <p:attrName>ppt_x</p:attrName>
-                                        </p:attrNameLst>
-                                      </p:cBhvr>
-                                      <p:tavLst>
-                                        <p:tav tm="0">
-                                          <p:val>
-                                            <p:strVal val="#ppt_x"/>
-                                          </p:val>
-                                        </p:tav>
-                                        <p:tav tm="100000">
-                                          <p:val>
-                                            <p:strVal val="#ppt_x"/>
-                                          </p:val>
-                                        </p:tav>
-                                      </p:tavLst>
-                                    </p:anim>
-                                    <p:anim calcmode="lin" valueType="num">
-                                      <p:cBhvr additive="base">
-                                        <p:cTn id="14" dur="500" fill="hold"/>
-                                        <p:tgtEl>
-                                          <p:spTgt spid="9"/>
-                                        </p:tgtEl>
-                                        <p:attrNameLst>
-                                          <p:attrName>ppt_y</p:attrName>
-                                        </p:attrNameLst>
-                                      </p:cBhvr>
-                                      <p:tavLst>
-                                        <p:tav tm="0">
-                                          <p:val>
-                                            <p:strVal val="1+#ppt_h/2"/>
-                                          </p:val>
-                                        </p:tav>
-                                        <p:tav tm="100000">
-                                          <p:val>
-                                            <p:strVal val="#ppt_y"/>
-                                          </p:val>
-                                        </p:tav>
-                                      </p:tavLst>
-                                    </p:anim>
-                                  </p:childTnLst>
-                                </p:cTn>
-                              </p:par>
-                            </p:childTnLst>
-                          </p:cTn>
-                        </p:par>
-                      </p:childTnLst>
-                    </p:cTn>
-                  </p:par>
-                  <p:par>
-                    <p:cTn id="15" fill="hold">
-                      <p:stCondLst>
-                        <p:cond delay="indefinite"/>
-                      </p:stCondLst>
-                      <p:childTnLst>
-                        <p:par>
-                          <p:cTn id="16" fill="hold">
-                            <p:stCondLst>
-                              <p:cond delay="0"/>
-                            </p:stCondLst>
-                            <p:childTnLst>
-                              <p:par>
-                                <p:cTn id="17" presetID="2" presetClass="entr" presetSubtype="4" fill="hold" grpId="0" nodeType="clickEffect">
-                                  <p:stCondLst>
-                                    <p:cond delay="0"/>
-                                  </p:stCondLst>
-                                  <p:childTnLst>
-                                    <p:set>
-                                      <p:cBhvr>
-                                        <p:cTn id="18" dur="1" fill="hold">
-                                          <p:stCondLst>
-                                            <p:cond delay="0"/>
-                                          </p:stCondLst>
-                                        </p:cTn>
-                                        <p:tgtEl>
-                                          <p:spTgt spid="10"/>
-                                        </p:tgtEl>
-                                        <p:attrNameLst>
-                                          <p:attrName>style.visibility</p:attrName>
-                                        </p:attrNameLst>
-                                      </p:cBhvr>
-                                      <p:to>
-                                        <p:strVal val="visible"/>
-                                      </p:to>
-                                    </p:set>
-                                    <p:anim calcmode="lin" valueType="num">
-                                      <p:cBhvr additive="base">
-                                        <p:cTn id="19" dur="500" fill="hold"/>
-                                        <p:tgtEl>
-                                          <p:spTgt spid="10"/>
-                                        </p:tgtEl>
-                                        <p:attrNameLst>
-                                          <p:attrName>ppt_x</p:attrName>
-                                        </p:attrNameLst>
-                                      </p:cBhvr>
-                                      <p:tavLst>
-                                        <p:tav tm="0">
-                                          <p:val>
-                                            <p:strVal val="#ppt_x"/>
-                                          </p:val>
-                                        </p:tav>
-                                        <p:tav tm="100000">
-                                          <p:val>
-                                            <p:strVal val="#ppt_x"/>
-                                          </p:val>
-                                        </p:tav>
-                                      </p:tavLst>
-                                    </p:anim>
-                                    <p:anim calcmode="lin" valueType="num">
-                                      <p:cBhvr additive="base">
-                                        <p:cTn id="20" dur="500" fill="hold"/>
-                                        <p:tgtEl>
-                                          <p:spTgt spid="10"/>
-                                        </p:tgtEl>
-                                        <p:attrNameLst>
-                                          <p:attrName>ppt_y</p:attrName>
-                                        </p:attrNameLst>
-                                      </p:cBhvr>
-                                      <p:tavLst>
-                                        <p:tav tm="0">
-                                          <p:val>
-                                            <p:strVal val="1+#ppt_h/2"/>
-                                          </p:val>
-                                        </p:tav>
-                                        <p:tav tm="100000">
-                                          <p:val>
-                                            <p:strVal val="#ppt_y"/>
-                                          </p:val>
-                                        </p:tav>
-                                      </p:tavLst>
-                                    </p:anim>
-                                  </p:childTnLst>
-                                </p:cTn>
-                              </p:par>
-                            </p:childTnLst>
-                          </p:cTn>
-                        </p:par>
-                      </p:childTnLst>
-                    </p:cTn>
-                  </p:par>
-                </p:childTnLst>
-              </p:cTn>
-              <p:prevCondLst>
-                <p:cond evt="onPrev" delay="0">
-                  <p:tgtEl>
-                    <p:sldTgt/>
-                  </p:tgtEl>
-                </p:cond>
-              </p:prevCondLst>
-              <p:nextCondLst>
-                <p:cond evt="onNext" delay="0">
-                  <p:tgtEl>
-                    <p:sldTgt/>
-                  </p:tgtEl>
-                </p:cond>
-              </p:nextCondLst>
-            </p:seq>
-          </p:childTnLst>
-        </p:cTn>
-      </p:par>
-    </p:tnLst>
-    <p:bldLst>
-      <p:bldP spid="7" grpId="0"/>
-      <p:bldP spid="9" grpId="0"/>
-      <p:bldP spid="10" grpId="0"/>
-    </p:bldLst>
-  </p:timing>
-</p:sld>
-</file>
-
-<file path=ppt/slides/slide30.xml><?xml version="1.0" encoding="utf-8"?>
+<file path=ppt/slides/slide34.xml><?xml version="1.0" encoding="utf-8"?>
 <p:sld xmlns:a="http://schemas.openxmlformats.org/drawingml/2006/main" xmlns:r="http://schemas.openxmlformats.org/officeDocument/2006/relationships" xmlns:p="http://schemas.openxmlformats.org/presentationml/2006/main">
   <p:cSld>
     <p:spTree>
@@ -20340,7 +25722,7 @@
 </p:sld>
 </file>
 
-<file path=ppt/slides/slide31.xml><?xml version="1.0" encoding="utf-8"?>
+<file path=ppt/slides/slide35.xml><?xml version="1.0" encoding="utf-8"?>
 <p:sld xmlns:a="http://schemas.openxmlformats.org/drawingml/2006/main" xmlns:r="http://schemas.openxmlformats.org/officeDocument/2006/relationships" xmlns:p="http://schemas.openxmlformats.org/presentationml/2006/main">
   <p:cSld>
     <p:spTree>
@@ -21264,7 +26646,7 @@
 </p:sld>
 </file>
 
-<file path=ppt/slides/slide32.xml><?xml version="1.0" encoding="utf-8"?>
+<file path=ppt/slides/slide36.xml><?xml version="1.0" encoding="utf-8"?>
 <p:sld xmlns:a="http://schemas.openxmlformats.org/drawingml/2006/main" xmlns:r="http://schemas.openxmlformats.org/officeDocument/2006/relationships" xmlns:p="http://schemas.openxmlformats.org/presentationml/2006/main">
   <p:cSld>
     <p:spTree>
@@ -21531,7 +26913,7 @@
 </p:sld>
 </file>
 
-<file path=ppt/slides/slide33.xml><?xml version="1.0" encoding="utf-8"?>
+<file path=ppt/slides/slide37.xml><?xml version="1.0" encoding="utf-8"?>
 <p:sld xmlns:a="http://schemas.openxmlformats.org/drawingml/2006/main" xmlns:r="http://schemas.openxmlformats.org/officeDocument/2006/relationships" xmlns:p="http://schemas.openxmlformats.org/presentationml/2006/main">
   <p:cSld>
     <p:spTree>
@@ -22030,7 +27412,7 @@
 </p:sld>
 </file>
 
-<file path=ppt/slides/slide34.xml><?xml version="1.0" encoding="utf-8"?>
+<file path=ppt/slides/slide38.xml><?xml version="1.0" encoding="utf-8"?>
 <p:sld xmlns:a="http://schemas.openxmlformats.org/drawingml/2006/main" xmlns:r="http://schemas.openxmlformats.org/officeDocument/2006/relationships" xmlns:p="http://schemas.openxmlformats.org/presentationml/2006/main">
   <p:cSld>
     <p:spTree>
@@ -22849,7 +28231,7 @@
 </p:sld>
 </file>
 
-<file path=ppt/slides/slide35.xml><?xml version="1.0" encoding="utf-8"?>
+<file path=ppt/slides/slide39.xml><?xml version="1.0" encoding="utf-8"?>
 <p:sld xmlns:a="http://schemas.openxmlformats.org/drawingml/2006/main" xmlns:r="http://schemas.openxmlformats.org/officeDocument/2006/relationships" xmlns:p="http://schemas.openxmlformats.org/presentationml/2006/main">
   <p:cSld>
     <p:spTree>
